--- a/project_ssds.pptx
+++ b/project_ssds.pptx
@@ -144,7 +144,7 @@
 <p1510:revInfo xmlns:a="http://schemas.openxmlformats.org/drawingml/2006/main" xmlns:r="http://schemas.openxmlformats.org/officeDocument/2006/relationships" xmlns:p1510="http://schemas.microsoft.com/office/powerpoint/2015/10/main">
   <p1510:revLst>
     <p1510:client id="{A7418F84-B198-44EC-B0B4-2B788FB55969}" v="623" dt="2022-04-28T02:41:46.679"/>
-    <p1510:client id="{F7276AE1-E683-4AA2-A6CB-5946993884E8}" v="364" dt="2022-04-28T02:50:00.402"/>
+    <p1510:client id="{F7276AE1-E683-4AA2-A6CB-5946993884E8}" v="369" dt="2022-04-28T02:58:44.871"/>
   </p1510:revLst>
 </p1510:revInfo>
 </file>
@@ -154,7 +154,7 @@
   <pc:docChgLst>
     <pc:chgData name="Nirmalya Gayen" userId="28c56ca2-8ca6-4e4a-838c-28b2d2118047" providerId="ADAL" clId="{F7276AE1-E683-4AA2-A6CB-5946993884E8}"/>
     <pc:docChg chg="undo redo custSel addSld delSld modSld sldOrd">
-      <pc:chgData name="Nirmalya Gayen" userId="28c56ca2-8ca6-4e4a-838c-28b2d2118047" providerId="ADAL" clId="{F7276AE1-E683-4AA2-A6CB-5946993884E8}" dt="2022-04-28T02:50:00.402" v="2259"/>
+      <pc:chgData name="Nirmalya Gayen" userId="28c56ca2-8ca6-4e4a-838c-28b2d2118047" providerId="ADAL" clId="{F7276AE1-E683-4AA2-A6CB-5946993884E8}" dt="2022-04-28T02:58:44.871" v="2264" actId="1957"/>
       <pc:docMkLst>
         <pc:docMk/>
       </pc:docMkLst>
@@ -555,7 +555,7 @@
         </pc:sldMkLst>
       </pc:sldChg>
       <pc:sldChg chg="addSp modSp mod ord">
-        <pc:chgData name="Nirmalya Gayen" userId="28c56ca2-8ca6-4e4a-838c-28b2d2118047" providerId="ADAL" clId="{F7276AE1-E683-4AA2-A6CB-5946993884E8}" dt="2022-04-28T02:49:51.386" v="2254"/>
+        <pc:chgData name="Nirmalya Gayen" userId="28c56ca2-8ca6-4e4a-838c-28b2d2118047" providerId="ADAL" clId="{F7276AE1-E683-4AA2-A6CB-5946993884E8}" dt="2022-04-28T02:58:14.387" v="2261" actId="1957"/>
         <pc:sldMkLst>
           <pc:docMk/>
           <pc:sldMk cId="3671923662" sldId="270"/>
@@ -593,7 +593,7 @@
           </ac:graphicFrameMkLst>
         </pc:graphicFrameChg>
         <pc:graphicFrameChg chg="mod">
-          <ac:chgData name="Nirmalya Gayen" userId="28c56ca2-8ca6-4e4a-838c-28b2d2118047" providerId="ADAL" clId="{F7276AE1-E683-4AA2-A6CB-5946993884E8}" dt="2022-04-27T23:20:26.039" v="1257" actId="1076"/>
+          <ac:chgData name="Nirmalya Gayen" userId="28c56ca2-8ca6-4e4a-838c-28b2d2118047" providerId="ADAL" clId="{F7276AE1-E683-4AA2-A6CB-5946993884E8}" dt="2022-04-28T02:58:14.387" v="2261" actId="1957"/>
           <ac:graphicFrameMkLst>
             <pc:docMk/>
             <pc:sldMk cId="3671923662" sldId="270"/>
@@ -832,7 +832,7 @@
         </pc:sldMkLst>
       </pc:sldChg>
       <pc:sldChg chg="addSp modSp add mod ord">
-        <pc:chgData name="Nirmalya Gayen" userId="28c56ca2-8ca6-4e4a-838c-28b2d2118047" providerId="ADAL" clId="{F7276AE1-E683-4AA2-A6CB-5946993884E8}" dt="2022-04-28T02:49:55.410" v="2256"/>
+        <pc:chgData name="Nirmalya Gayen" userId="28c56ca2-8ca6-4e4a-838c-28b2d2118047" providerId="ADAL" clId="{F7276AE1-E683-4AA2-A6CB-5946993884E8}" dt="2022-04-28T02:58:27.258" v="2262" actId="1957"/>
         <pc:sldMkLst>
           <pc:docMk/>
           <pc:sldMk cId="4267385210" sldId="285"/>
@@ -870,7 +870,7 @@
           </ac:graphicFrameMkLst>
         </pc:graphicFrameChg>
         <pc:graphicFrameChg chg="mod">
-          <ac:chgData name="Nirmalya Gayen" userId="28c56ca2-8ca6-4e4a-838c-28b2d2118047" providerId="ADAL" clId="{F7276AE1-E683-4AA2-A6CB-5946993884E8}" dt="2022-04-28T00:47:24.612" v="1648" actId="20577"/>
+          <ac:chgData name="Nirmalya Gayen" userId="28c56ca2-8ca6-4e4a-838c-28b2d2118047" providerId="ADAL" clId="{F7276AE1-E683-4AA2-A6CB-5946993884E8}" dt="2022-04-28T02:58:27.258" v="2262" actId="1957"/>
           <ac:graphicFrameMkLst>
             <pc:docMk/>
             <pc:sldMk cId="4267385210" sldId="285"/>
@@ -998,7 +998,7 @@
         </pc:picChg>
       </pc:sldChg>
       <pc:sldChg chg="addSp modSp add mod ord">
-        <pc:chgData name="Nirmalya Gayen" userId="28c56ca2-8ca6-4e4a-838c-28b2d2118047" providerId="ADAL" clId="{F7276AE1-E683-4AA2-A6CB-5946993884E8}" dt="2022-04-28T02:49:58.782" v="2258"/>
+        <pc:chgData name="Nirmalya Gayen" userId="28c56ca2-8ca6-4e4a-838c-28b2d2118047" providerId="ADAL" clId="{F7276AE1-E683-4AA2-A6CB-5946993884E8}" dt="2022-04-28T02:58:37.186" v="2263" actId="1957"/>
         <pc:sldMkLst>
           <pc:docMk/>
           <pc:sldMk cId="1320713187" sldId="287"/>
@@ -1033,6 +1033,14 @@
             <pc:docMk/>
             <pc:sldMk cId="1320713187" sldId="287"/>
             <ac:graphicFrameMk id="5" creationId="{8F384FA6-319C-4977-ABA7-91C14C557D1B}"/>
+          </ac:graphicFrameMkLst>
+        </pc:graphicFrameChg>
+        <pc:graphicFrameChg chg="mod">
+          <ac:chgData name="Nirmalya Gayen" userId="28c56ca2-8ca6-4e4a-838c-28b2d2118047" providerId="ADAL" clId="{F7276AE1-E683-4AA2-A6CB-5946993884E8}" dt="2022-04-28T02:58:37.186" v="2263" actId="1957"/>
+          <ac:graphicFrameMkLst>
+            <pc:docMk/>
+            <pc:sldMk cId="1320713187" sldId="287"/>
+            <ac:graphicFrameMk id="8" creationId="{EC16EABA-F867-4245-93C8-8473E3DAAEB8}"/>
           </ac:graphicFrameMkLst>
         </pc:graphicFrameChg>
       </pc:sldChg>
@@ -1115,7 +1123,7 @@
         </pc:spChg>
       </pc:sldChg>
       <pc:sldChg chg="modSp add mod ord">
-        <pc:chgData name="Nirmalya Gayen" userId="28c56ca2-8ca6-4e4a-838c-28b2d2118047" providerId="ADAL" clId="{F7276AE1-E683-4AA2-A6CB-5946993884E8}" dt="2022-04-28T02:15:11.828" v="2013"/>
+        <pc:chgData name="Nirmalya Gayen" userId="28c56ca2-8ca6-4e4a-838c-28b2d2118047" providerId="ADAL" clId="{F7276AE1-E683-4AA2-A6CB-5946993884E8}" dt="2022-04-28T02:58:44.871" v="2264" actId="1957"/>
         <pc:sldMkLst>
           <pc:docMk/>
           <pc:sldMk cId="3485232135" sldId="290"/>
@@ -1144,6 +1152,29 @@
             <ac:graphicFrameMk id="5" creationId="{8F384FA6-319C-4977-ABA7-91C14C557D1B}"/>
           </ac:graphicFrameMkLst>
         </pc:graphicFrameChg>
+        <pc:graphicFrameChg chg="mod">
+          <ac:chgData name="Nirmalya Gayen" userId="28c56ca2-8ca6-4e4a-838c-28b2d2118047" providerId="ADAL" clId="{F7276AE1-E683-4AA2-A6CB-5946993884E8}" dt="2022-04-28T02:58:44.871" v="2264" actId="1957"/>
+          <ac:graphicFrameMkLst>
+            <pc:docMk/>
+            <pc:sldMk cId="3485232135" sldId="290"/>
+            <ac:graphicFrameMk id="8" creationId="{EC16EABA-F867-4245-93C8-8473E3DAAEB8}"/>
+          </ac:graphicFrameMkLst>
+        </pc:graphicFrameChg>
+      </pc:sldChg>
+      <pc:sldChg chg="modSp mod">
+        <pc:chgData name="Nirmalya Gayen" userId="28c56ca2-8ca6-4e4a-838c-28b2d2118047" providerId="ADAL" clId="{F7276AE1-E683-4AA2-A6CB-5946993884E8}" dt="2022-04-28T02:57:24.350" v="2260" actId="1076"/>
+        <pc:sldMkLst>
+          <pc:docMk/>
+          <pc:sldMk cId="3451188271" sldId="291"/>
+        </pc:sldMkLst>
+        <pc:spChg chg="mod">
+          <ac:chgData name="Nirmalya Gayen" userId="28c56ca2-8ca6-4e4a-838c-28b2d2118047" providerId="ADAL" clId="{F7276AE1-E683-4AA2-A6CB-5946993884E8}" dt="2022-04-28T02:57:24.350" v="2260" actId="1076"/>
+          <ac:spMkLst>
+            <pc:docMk/>
+            <pc:sldMk cId="3451188271" sldId="291"/>
+            <ac:spMk id="2" creationId="{E366700E-2D49-45E0-85C7-750AF51DE523}"/>
+          </ac:spMkLst>
+        </pc:spChg>
       </pc:sldChg>
     </pc:docChg>
   </pc:docChgLst>
@@ -1281,7 +1312,7 @@
               </a:defRPr>
             </a:pPr>
             <a:r>
-              <a:rPr lang="en-US" dirty="0">
+              <a:rPr lang="en-US">
                 <a:solidFill>
                   <a:schemeClr val="accent1"/>
                 </a:solidFill>
@@ -1289,7 +1320,7 @@
               <a:t>Data size</a:t>
             </a:r>
             <a:r>
-              <a:rPr lang="en-US" baseline="0" dirty="0">
+              <a:rPr lang="en-US" baseline="0">
                 <a:solidFill>
                   <a:schemeClr val="accent1"/>
                 </a:solidFill>
@@ -1297,12 +1328,12 @@
               <a:t> and (Time * </a:t>
             </a:r>
             <a:r>
-              <a:rPr lang="en-ZA" sz="1800" b="0" dirty="0">
+              <a:rPr lang="en-ZA" sz="1800" b="0">
                 <a:effectLst/>
               </a:rPr>
               <a:t>Executors)</a:t>
             </a:r>
-            <a:endParaRPr lang="en-IN" dirty="0">
+            <a:endParaRPr lang="en-IN">
               <a:effectLst/>
             </a:endParaRPr>
           </a:p>
@@ -1322,16 +1353,13 @@
               <a:buFontTx/>
               <a:buNone/>
               <a:tabLst/>
-              <a:defRPr sz="1862" b="0" i="0" u="none" strike="noStrike" kern="1200" spc="0" baseline="0">
+              <a:defRPr>
                 <a:solidFill>
                   <a:srgbClr val="00B0F0"/>
                 </a:solidFill>
-                <a:latin typeface="+mn-lt"/>
-                <a:ea typeface="+mn-ea"/>
-                <a:cs typeface="+mn-cs"/>
               </a:defRPr>
             </a:pPr>
-            <a:endParaRPr lang="en-US" dirty="0">
+            <a:endParaRPr lang="en-US">
               <a:solidFill>
                 <a:schemeClr val="accent1"/>
               </a:solidFill>
@@ -1382,9 +1410,8 @@
     <c:autoTitleDeleted val="0"/>
     <c:plotArea>
       <c:layout/>
-      <c:barChart>
-        <c:barDir val="col"/>
-        <c:grouping val="clustered"/>
+      <c:lineChart>
+        <c:grouping val="standard"/>
         <c:varyColors val="0"/>
         <c:ser>
           <c:idx val="0"/>
@@ -1401,15 +1428,17 @@
             </c:strRef>
           </c:tx>
           <c:spPr>
-            <a:solidFill>
-              <a:schemeClr val="accent1"/>
-            </a:solidFill>
-            <a:ln>
-              <a:noFill/>
+            <a:ln w="28575" cap="rnd">
+              <a:solidFill>
+                <a:schemeClr val="accent1"/>
+              </a:solidFill>
+              <a:round/>
             </a:ln>
             <a:effectLst/>
           </c:spPr>
-          <c:invertIfNegative val="0"/>
+          <c:marker>
+            <c:symbol val="none"/>
+          </c:marker>
           <c:cat>
             <c:numRef>
               <c:f>Sheet1!$A$2:$A$5</c:f>
@@ -1452,6 +1481,7 @@
               </c:numCache>
             </c:numRef>
           </c:val>
+          <c:smooth val="0"/>
           <c:extLst>
             <c:ext xmlns:c16="http://schemas.microsoft.com/office/drawing/2014/chart" uri="{C3380CC4-5D6E-409C-BE32-E72D297353CC}">
               <c16:uniqueId val="{00000000-9132-48F7-B069-42A5BCF03E25}"/>
@@ -1466,10 +1496,10 @@
           <c:showPercent val="0"/>
           <c:showBubbleSize val="0"/>
         </c:dLbls>
-        <c:gapWidth val="25"/>
+        <c:smooth val="0"/>
         <c:axId val="1000041416"/>
         <c:axId val="1000041744"/>
-      </c:barChart>
+      </c:lineChart>
       <c:catAx>
         <c:axId val="1000041416"/>
         <c:scaling>
@@ -1650,18 +1680,18 @@
               </a:defRPr>
             </a:pPr>
             <a:r>
-              <a:rPr lang="en-US" sz="1800" b="0" i="0" baseline="0" dirty="0">
+              <a:rPr lang="en-US" sz="1800" b="0" i="0" baseline="0">
                 <a:effectLst/>
               </a:rPr>
               <a:t>Data size and (Start Time * </a:t>
             </a:r>
             <a:r>
-              <a:rPr lang="en-ZA" sz="1800" b="0" i="0" baseline="0" dirty="0">
+              <a:rPr lang="en-ZA" sz="1800" b="0" i="0" baseline="0">
                 <a:effectLst/>
               </a:rPr>
               <a:t>Executors)</a:t>
             </a:r>
-            <a:endParaRPr lang="en-IN" dirty="0">
+            <a:endParaRPr lang="en-IN">
               <a:effectLst/>
             </a:endParaRPr>
           </a:p>
@@ -1696,9 +1726,8 @@
     <c:autoTitleDeleted val="0"/>
     <c:plotArea>
       <c:layout/>
-      <c:barChart>
-        <c:barDir val="col"/>
-        <c:grouping val="clustered"/>
+      <c:lineChart>
+        <c:grouping val="standard"/>
         <c:varyColors val="0"/>
         <c:ser>
           <c:idx val="0"/>
@@ -1715,15 +1744,17 @@
             </c:strRef>
           </c:tx>
           <c:spPr>
-            <a:solidFill>
-              <a:schemeClr val="accent1"/>
-            </a:solidFill>
-            <a:ln>
-              <a:noFill/>
+            <a:ln w="28575" cap="rnd">
+              <a:solidFill>
+                <a:schemeClr val="accent1"/>
+              </a:solidFill>
+              <a:round/>
             </a:ln>
             <a:effectLst/>
           </c:spPr>
-          <c:invertIfNegative val="0"/>
+          <c:marker>
+            <c:symbol val="none"/>
+          </c:marker>
           <c:cat>
             <c:numRef>
               <c:f>Sheet1!$A$2:$A$5</c:f>
@@ -1766,6 +1797,7 @@
               </c:numCache>
             </c:numRef>
           </c:val>
+          <c:smooth val="0"/>
           <c:extLst>
             <c:ext xmlns:c16="http://schemas.microsoft.com/office/drawing/2014/chart" uri="{C3380CC4-5D6E-409C-BE32-E72D297353CC}">
               <c16:uniqueId val="{00000000-9132-48F7-B069-42A5BCF03E25}"/>
@@ -1780,10 +1812,10 @@
           <c:showPercent val="0"/>
           <c:showBubbleSize val="0"/>
         </c:dLbls>
-        <c:gapWidth val="25"/>
+        <c:smooth val="0"/>
         <c:axId val="1000041416"/>
         <c:axId val="1000041744"/>
-      </c:barChart>
+      </c:lineChart>
       <c:catAx>
         <c:axId val="1000041416"/>
         <c:scaling>
@@ -1964,18 +1996,18 @@
               </a:defRPr>
             </a:pPr>
             <a:r>
-              <a:rPr lang="en-US" sz="1800" b="0" i="0" baseline="0" dirty="0">
+              <a:rPr lang="en-US" sz="1800" b="0" i="0" baseline="0">
                 <a:effectLst/>
               </a:rPr>
               <a:t>Data size and (Start Time * </a:t>
             </a:r>
             <a:r>
-              <a:rPr lang="en-ZA" sz="1800" b="0" i="0" baseline="0" dirty="0">
+              <a:rPr lang="en-ZA" sz="1800" b="0" i="0" baseline="0">
                 <a:effectLst/>
               </a:rPr>
               <a:t>Executors)</a:t>
             </a:r>
-            <a:endParaRPr lang="en-IN" dirty="0">
+            <a:endParaRPr lang="en-IN">
               <a:effectLst/>
             </a:endParaRPr>
           </a:p>
@@ -2010,9 +2042,8 @@
     <c:autoTitleDeleted val="0"/>
     <c:plotArea>
       <c:layout/>
-      <c:barChart>
-        <c:barDir val="col"/>
-        <c:grouping val="clustered"/>
+      <c:lineChart>
+        <c:grouping val="standard"/>
         <c:varyColors val="0"/>
         <c:ser>
           <c:idx val="0"/>
@@ -2029,15 +2060,17 @@
             </c:strRef>
           </c:tx>
           <c:spPr>
-            <a:solidFill>
-              <a:schemeClr val="accent1"/>
-            </a:solidFill>
-            <a:ln>
-              <a:noFill/>
+            <a:ln w="28575" cap="rnd">
+              <a:solidFill>
+                <a:schemeClr val="accent1"/>
+              </a:solidFill>
+              <a:round/>
             </a:ln>
             <a:effectLst/>
           </c:spPr>
-          <c:invertIfNegative val="0"/>
+          <c:marker>
+            <c:symbol val="none"/>
+          </c:marker>
           <c:cat>
             <c:numRef>
               <c:f>Sheet1!$A$2:$A$5</c:f>
@@ -2080,6 +2113,7 @@
               </c:numCache>
             </c:numRef>
           </c:val>
+          <c:smooth val="0"/>
           <c:extLst>
             <c:ext xmlns:c16="http://schemas.microsoft.com/office/drawing/2014/chart" uri="{C3380CC4-5D6E-409C-BE32-E72D297353CC}">
               <c16:uniqueId val="{00000000-9132-48F7-B069-42A5BCF03E25}"/>
@@ -2094,10 +2128,10 @@
           <c:showPercent val="0"/>
           <c:showBubbleSize val="0"/>
         </c:dLbls>
-        <c:gapWidth val="25"/>
+        <c:smooth val="0"/>
         <c:axId val="1000041416"/>
         <c:axId val="1000041744"/>
-      </c:barChart>
+      </c:lineChart>
       <c:catAx>
         <c:axId val="1000041416"/>
         <c:scaling>
@@ -2292,7 +2326,7 @@
               </a:defRPr>
             </a:pPr>
             <a:r>
-              <a:rPr lang="en-US" dirty="0">
+              <a:rPr lang="en-US">
                 <a:solidFill>
                   <a:schemeClr val="accent1"/>
                 </a:solidFill>
@@ -2300,7 +2334,7 @@
               <a:t>Data size</a:t>
             </a:r>
             <a:r>
-              <a:rPr lang="en-US" baseline="0" dirty="0">
+              <a:rPr lang="en-US" baseline="0">
                 <a:solidFill>
                   <a:schemeClr val="accent1"/>
                 </a:solidFill>
@@ -2308,12 +2342,12 @@
               <a:t> and (Time * </a:t>
             </a:r>
             <a:r>
-              <a:rPr lang="en-ZA" sz="1800" b="0" dirty="0">
+              <a:rPr lang="en-ZA" sz="1800" b="0">
                 <a:effectLst/>
               </a:rPr>
               <a:t>Executors)</a:t>
             </a:r>
-            <a:endParaRPr lang="en-IN" dirty="0">
+            <a:endParaRPr lang="en-IN">
               <a:effectLst/>
             </a:endParaRPr>
           </a:p>
@@ -2339,7 +2373,7 @@
                 </a:solidFill>
               </a:defRPr>
             </a:pPr>
-            <a:endParaRPr lang="en-US" dirty="0">
+            <a:endParaRPr lang="en-US">
               <a:solidFill>
                 <a:schemeClr val="accent1"/>
               </a:solidFill>
@@ -2390,9 +2424,8 @@
     <c:autoTitleDeleted val="0"/>
     <c:plotArea>
       <c:layout/>
-      <c:barChart>
-        <c:barDir val="col"/>
-        <c:grouping val="clustered"/>
+      <c:lineChart>
+        <c:grouping val="standard"/>
         <c:varyColors val="0"/>
         <c:ser>
           <c:idx val="0"/>
@@ -2409,15 +2442,17 @@
             </c:strRef>
           </c:tx>
           <c:spPr>
-            <a:solidFill>
-              <a:schemeClr val="accent1"/>
-            </a:solidFill>
-            <a:ln>
-              <a:noFill/>
+            <a:ln w="28575" cap="rnd">
+              <a:solidFill>
+                <a:schemeClr val="accent1"/>
+              </a:solidFill>
+              <a:round/>
             </a:ln>
             <a:effectLst/>
           </c:spPr>
-          <c:invertIfNegative val="0"/>
+          <c:marker>
+            <c:symbol val="none"/>
+          </c:marker>
           <c:cat>
             <c:numRef>
               <c:f>Sheet1!$A$2:$A$5</c:f>
@@ -2460,6 +2495,7 @@
               </c:numCache>
             </c:numRef>
           </c:val>
+          <c:smooth val="0"/>
           <c:extLst>
             <c:ext xmlns:c16="http://schemas.microsoft.com/office/drawing/2014/chart" uri="{C3380CC4-5D6E-409C-BE32-E72D297353CC}">
               <c16:uniqueId val="{00000000-9132-48F7-B069-42A5BCF03E25}"/>
@@ -2474,10 +2510,10 @@
           <c:showPercent val="0"/>
           <c:showBubbleSize val="0"/>
         </c:dLbls>
-        <c:gapWidth val="25"/>
+        <c:smooth val="0"/>
         <c:axId val="1000041416"/>
         <c:axId val="1000041744"/>
-      </c:barChart>
+      </c:lineChart>
       <c:catAx>
         <c:axId val="1000041416"/>
         <c:scaling>
@@ -4854,7 +4890,7 @@
             </a:lvl1pPr>
           </a:lstStyle>
           <a:p>
-            <a:endParaRPr lang="en-US" dirty="0"/>
+            <a:endParaRPr lang="en-US"/>
           </a:p>
         </p:txBody>
       </p:sp>
@@ -4895,7 +4931,7 @@
               <a:rPr lang="en-US" smtClean="0"/>
               <a:t>4/28/2022</a:t>
             </a:fld>
-            <a:endParaRPr lang="en-US" dirty="0"/>
+            <a:endParaRPr lang="en-US"/>
           </a:p>
         </p:txBody>
       </p:sp>
@@ -4932,7 +4968,7 @@
             </a:lvl1pPr>
           </a:lstStyle>
           <a:p>
-            <a:endParaRPr lang="en-US" dirty="0"/>
+            <a:endParaRPr lang="en-US"/>
           </a:p>
         </p:txBody>
       </p:sp>
@@ -4973,7 +5009,7 @@
               <a:rPr lang="en-US" smtClean="0"/>
               <a:t>‹#›</a:t>
             </a:fld>
-            <a:endParaRPr lang="en-US" dirty="0"/>
+            <a:endParaRPr lang="en-US"/>
           </a:p>
         </p:txBody>
       </p:sp>
@@ -5037,7 +5073,7 @@
             </a:lvl1pPr>
           </a:lstStyle>
           <a:p>
-            <a:endParaRPr lang="en-US" noProof="0" dirty="0"/>
+            <a:endParaRPr lang="en-US" noProof="0"/>
           </a:p>
         </p:txBody>
       </p:sp>
@@ -5072,7 +5108,7 @@
               <a:rPr lang="en-US" noProof="0" smtClean="0"/>
               <a:t>4/28/2022</a:t>
             </a:fld>
-            <a:endParaRPr lang="en-US" noProof="0" dirty="0"/>
+            <a:endParaRPr lang="en-US" noProof="0"/>
           </a:p>
         </p:txBody>
       </p:sp>
@@ -5105,7 +5141,7 @@
           <a:bodyPr vert="horz" lIns="91440" tIns="45720" rIns="91440" bIns="45720" rtlCol="0" anchor="ctr"/>
           <a:lstStyle/>
           <a:p>
-            <a:endParaRPr lang="en-US" noProof="0" dirty="0"/>
+            <a:endParaRPr lang="en-US" noProof="0"/>
           </a:p>
         </p:txBody>
       </p:sp>
@@ -5195,7 +5231,7 @@
             </a:lvl1pPr>
           </a:lstStyle>
           <a:p>
-            <a:endParaRPr lang="en-US" noProof="0" dirty="0"/>
+            <a:endParaRPr lang="en-US" noProof="0"/>
           </a:p>
         </p:txBody>
       </p:sp>
@@ -5230,7 +5266,7 @@
               <a:rPr lang="en-US" noProof="0" smtClean="0"/>
               <a:t>‹#›</a:t>
             </a:fld>
-            <a:endParaRPr lang="en-US" noProof="0" dirty="0"/>
+            <a:endParaRPr lang="en-US" noProof="0"/>
           </a:p>
         </p:txBody>
       </p:sp>
@@ -5404,7 +5440,7 @@
               <a:rPr lang="en-US" noProof="0" smtClean="0"/>
               <a:t>1</a:t>
             </a:fld>
-            <a:endParaRPr lang="en-US" noProof="0" dirty="0"/>
+            <a:endParaRPr lang="en-US" noProof="0"/>
           </a:p>
         </p:txBody>
       </p:sp>
@@ -5488,7 +5524,7 @@
               <a:rPr lang="en-US" noProof="0" smtClean="0"/>
               <a:t>10</a:t>
             </a:fld>
-            <a:endParaRPr lang="en-US" noProof="0" dirty="0"/>
+            <a:endParaRPr lang="en-US" noProof="0"/>
           </a:p>
         </p:txBody>
       </p:sp>
@@ -5572,7 +5608,7 @@
               <a:rPr lang="en-US" noProof="0" smtClean="0"/>
               <a:t>11</a:t>
             </a:fld>
-            <a:endParaRPr lang="en-US" noProof="0" dirty="0"/>
+            <a:endParaRPr lang="en-US" noProof="0"/>
           </a:p>
         </p:txBody>
       </p:sp>
@@ -5656,7 +5692,7 @@
               <a:rPr lang="en-US" noProof="0" smtClean="0"/>
               <a:t>12</a:t>
             </a:fld>
-            <a:endParaRPr lang="en-US" noProof="0" dirty="0"/>
+            <a:endParaRPr lang="en-US" noProof="0"/>
           </a:p>
         </p:txBody>
       </p:sp>
@@ -5824,7 +5860,7 @@
               <a:rPr lang="en-US" noProof="0" smtClean="0"/>
               <a:t>14</a:t>
             </a:fld>
-            <a:endParaRPr lang="en-US" noProof="0" dirty="0"/>
+            <a:endParaRPr lang="en-US" noProof="0"/>
           </a:p>
         </p:txBody>
       </p:sp>
@@ -5908,7 +5944,7 @@
               <a:rPr lang="en-US" noProof="0" smtClean="0"/>
               <a:t>2</a:t>
             </a:fld>
-            <a:endParaRPr lang="en-US" noProof="0" dirty="0"/>
+            <a:endParaRPr lang="en-US" noProof="0"/>
           </a:p>
         </p:txBody>
       </p:sp>
@@ -5992,7 +6028,7 @@
               <a:rPr lang="en-US" noProof="0" smtClean="0"/>
               <a:t>3</a:t>
             </a:fld>
-            <a:endParaRPr lang="en-US" noProof="0" dirty="0"/>
+            <a:endParaRPr lang="en-US" noProof="0"/>
           </a:p>
         </p:txBody>
       </p:sp>
@@ -6076,7 +6112,7 @@
               <a:rPr lang="en-US" noProof="0" smtClean="0"/>
               <a:t>4</a:t>
             </a:fld>
-            <a:endParaRPr lang="en-US" noProof="0" dirty="0"/>
+            <a:endParaRPr lang="en-US" noProof="0"/>
           </a:p>
         </p:txBody>
       </p:sp>
@@ -6160,7 +6196,7 @@
               <a:rPr lang="en-US" noProof="0" smtClean="0"/>
               <a:t>5</a:t>
             </a:fld>
-            <a:endParaRPr lang="en-US" noProof="0" dirty="0"/>
+            <a:endParaRPr lang="en-US" noProof="0"/>
           </a:p>
         </p:txBody>
       </p:sp>
@@ -6244,7 +6280,7 @@
               <a:rPr lang="en-US" noProof="0" smtClean="0"/>
               <a:t>6</a:t>
             </a:fld>
-            <a:endParaRPr lang="en-US" noProof="0" dirty="0"/>
+            <a:endParaRPr lang="en-US" noProof="0"/>
           </a:p>
         </p:txBody>
       </p:sp>
@@ -6328,7 +6364,7 @@
               <a:rPr lang="en-US" noProof="0" smtClean="0"/>
               <a:t>7</a:t>
             </a:fld>
-            <a:endParaRPr lang="en-US" noProof="0" dirty="0"/>
+            <a:endParaRPr lang="en-US" noProof="0"/>
           </a:p>
         </p:txBody>
       </p:sp>
@@ -6412,7 +6448,7 @@
               <a:rPr lang="en-US" noProof="0" smtClean="0"/>
               <a:t>8</a:t>
             </a:fld>
-            <a:endParaRPr lang="en-US" noProof="0" dirty="0"/>
+            <a:endParaRPr lang="en-US" noProof="0"/>
           </a:p>
         </p:txBody>
       </p:sp>
@@ -6496,7 +6532,7 @@
               <a:rPr lang="en-US" noProof="0" smtClean="0"/>
               <a:t>9</a:t>
             </a:fld>
-            <a:endParaRPr lang="en-US" noProof="0" dirty="0"/>
+            <a:endParaRPr lang="en-US" noProof="0"/>
           </a:p>
         </p:txBody>
       </p:sp>
@@ -6587,7 +6623,7 @@
           </a:lstStyle>
           <a:p>
             <a:r>
-              <a:rPr lang="en-US" noProof="0" dirty="0"/>
+              <a:rPr lang="en-US" noProof="0"/>
               <a:t>Insert or Drag and Drop your Photo Here </a:t>
             </a:r>
           </a:p>
@@ -6643,7 +6679,7 @@
           <a:lstStyle/>
           <a:p>
             <a:pPr algn="ctr"/>
-            <a:endParaRPr lang="en-US" noProof="0" dirty="0"/>
+            <a:endParaRPr lang="en-US" noProof="0"/>
           </a:p>
         </p:txBody>
       </p:sp>
@@ -6818,7 +6854,7 @@
           <a:lstStyle/>
           <a:p>
             <a:pPr algn="ctr"/>
-            <a:endParaRPr lang="en-US" noProof="0" dirty="0"/>
+            <a:endParaRPr lang="en-US" noProof="0"/>
           </a:p>
         </p:txBody>
       </p:sp>
@@ -6870,7 +6906,7 @@
           <a:lstStyle/>
           <a:p>
             <a:pPr algn="ctr"/>
-            <a:endParaRPr lang="en-US" noProof="0" dirty="0"/>
+            <a:endParaRPr lang="en-US" noProof="0"/>
           </a:p>
         </p:txBody>
       </p:sp>
@@ -7078,7 +7114,7 @@
           <a:lstStyle/>
           <a:p>
             <a:r>
-              <a:rPr lang="en-US" noProof="0" dirty="0"/>
+              <a:rPr lang="en-US" noProof="0"/>
               <a:t>Add a footer</a:t>
             </a:r>
           </a:p>
@@ -7110,7 +7146,7 @@
               <a:pPr/>
               <a:t>‹#›</a:t>
             </a:fld>
-            <a:endParaRPr lang="en-US" noProof="0" dirty="0"/>
+            <a:endParaRPr lang="en-US" noProof="0"/>
           </a:p>
         </p:txBody>
       </p:sp>
@@ -7537,7 +7573,7 @@
           <a:lstStyle/>
           <a:p>
             <a:r>
-              <a:rPr lang="en-US" noProof="0" dirty="0"/>
+              <a:rPr lang="en-US" noProof="0"/>
               <a:t>Add a footer</a:t>
             </a:r>
           </a:p>
@@ -7569,7 +7605,7 @@
               <a:pPr/>
               <a:t>‹#›</a:t>
             </a:fld>
-            <a:endParaRPr lang="en-US" noProof="0" dirty="0"/>
+            <a:endParaRPr lang="en-US" noProof="0"/>
           </a:p>
         </p:txBody>
       </p:sp>
@@ -8090,7 +8126,7 @@
           <a:lstStyle/>
           <a:p>
             <a:r>
-              <a:rPr lang="en-US" noProof="0" dirty="0"/>
+              <a:rPr lang="en-US" noProof="0"/>
               <a:t>Add a footer</a:t>
             </a:r>
           </a:p>
@@ -8122,7 +8158,7 @@
               <a:pPr/>
               <a:t>‹#›</a:t>
             </a:fld>
-            <a:endParaRPr lang="en-US" noProof="0" dirty="0"/>
+            <a:endParaRPr lang="en-US" noProof="0"/>
           </a:p>
         </p:txBody>
       </p:sp>
@@ -8498,7 +8534,7 @@
           <a:lstStyle/>
           <a:p>
             <a:r>
-              <a:rPr lang="en-US" noProof="0" dirty="0"/>
+              <a:rPr lang="en-US" noProof="0"/>
               <a:t>Add a footer</a:t>
             </a:r>
           </a:p>
@@ -8530,7 +8566,7 @@
               <a:pPr/>
               <a:t>‹#›</a:t>
             </a:fld>
-            <a:endParaRPr lang="en-US" noProof="0" dirty="0"/>
+            <a:endParaRPr lang="en-US" noProof="0"/>
           </a:p>
         </p:txBody>
       </p:sp>
@@ -8743,7 +8779,7 @@
           <a:lstStyle/>
           <a:p>
             <a:r>
-              <a:rPr lang="en-US" noProof="0" dirty="0"/>
+              <a:rPr lang="en-US" noProof="0"/>
               <a:t>Add a footer</a:t>
             </a:r>
           </a:p>
@@ -8775,7 +8811,7 @@
               <a:pPr/>
               <a:t>‹#›</a:t>
             </a:fld>
-            <a:endParaRPr lang="en-US" noProof="0" dirty="0"/>
+            <a:endParaRPr lang="en-US" noProof="0"/>
           </a:p>
         </p:txBody>
       </p:sp>
@@ -8988,7 +9024,7 @@
           <a:lstStyle/>
           <a:p>
             <a:r>
-              <a:rPr lang="en-US" noProof="0" dirty="0"/>
+              <a:rPr lang="en-US" noProof="0"/>
               <a:t>Add a footer</a:t>
             </a:r>
           </a:p>
@@ -9020,7 +9056,7 @@
               <a:pPr/>
               <a:t>‹#›</a:t>
             </a:fld>
-            <a:endParaRPr lang="en-US" noProof="0" dirty="0"/>
+            <a:endParaRPr lang="en-US" noProof="0"/>
           </a:p>
         </p:txBody>
       </p:sp>
@@ -9767,7 +9803,7 @@
           <a:lstStyle/>
           <a:p>
             <a:r>
-              <a:rPr lang="en-US" noProof="0" dirty="0"/>
+              <a:rPr lang="en-US" noProof="0"/>
               <a:t>Add a footer</a:t>
             </a:r>
           </a:p>
@@ -9799,7 +9835,7 @@
               <a:pPr/>
               <a:t>‹#›</a:t>
             </a:fld>
-            <a:endParaRPr lang="en-US" noProof="0" dirty="0"/>
+            <a:endParaRPr lang="en-US" noProof="0"/>
           </a:p>
         </p:txBody>
       </p:sp>
@@ -10046,7 +10082,7 @@
           <a:lstStyle/>
           <a:p>
             <a:r>
-              <a:rPr lang="en-US" noProof="0" dirty="0"/>
+              <a:rPr lang="en-US" noProof="0"/>
               <a:t>Add a footer</a:t>
             </a:r>
           </a:p>
@@ -10078,7 +10114,7 @@
               <a:pPr/>
               <a:t>‹#›</a:t>
             </a:fld>
-            <a:endParaRPr lang="en-US" noProof="0" dirty="0"/>
+            <a:endParaRPr lang="en-US" noProof="0"/>
           </a:p>
         </p:txBody>
       </p:sp>
@@ -11547,7 +11583,7 @@
           <a:lstStyle/>
           <a:p>
             <a:r>
-              <a:rPr lang="en-US" noProof="0" dirty="0"/>
+              <a:rPr lang="en-US" noProof="0"/>
               <a:t>Add a footer</a:t>
             </a:r>
           </a:p>
@@ -11579,7 +11615,7 @@
               <a:pPr/>
               <a:t>‹#›</a:t>
             </a:fld>
-            <a:endParaRPr lang="en-US" noProof="0" dirty="0"/>
+            <a:endParaRPr lang="en-US" noProof="0"/>
           </a:p>
         </p:txBody>
       </p:sp>
@@ -11659,7 +11695,7 @@
           <a:p>
             <a:pPr marL="266700" lvl="0" indent="-266700" algn="ctr"/>
             <a:r>
-              <a:rPr lang="en-US" noProof="0" dirty="0"/>
+              <a:rPr lang="en-US" noProof="0"/>
               <a:t>Insert or Drag and Drop Image Here</a:t>
             </a:r>
           </a:p>
@@ -11928,7 +11964,7 @@
           <a:p>
             <a:pPr marL="266700" lvl="0" indent="-266700" algn="ctr"/>
             <a:r>
-              <a:rPr lang="en-US" noProof="0" dirty="0"/>
+              <a:rPr lang="en-US" noProof="0"/>
               <a:t>Insert or Drag and Drop Image Here</a:t>
             </a:r>
           </a:p>
@@ -12142,7 +12178,7 @@
           <a:p>
             <a:pPr marL="266700" lvl="0" indent="-266700" algn="ctr"/>
             <a:r>
-              <a:rPr lang="en-US" noProof="0" dirty="0"/>
+              <a:rPr lang="en-US" noProof="0"/>
               <a:t>Insert or Drag and Drop Image Here</a:t>
             </a:r>
           </a:p>
@@ -12365,7 +12401,7 @@
           <a:lstStyle/>
           <a:p>
             <a:r>
-              <a:rPr lang="en-US" noProof="0" dirty="0"/>
+              <a:rPr lang="en-US" noProof="0"/>
               <a:t>Add a footer</a:t>
             </a:r>
           </a:p>
@@ -12397,7 +12433,7 @@
               <a:pPr/>
               <a:t>‹#›</a:t>
             </a:fld>
-            <a:endParaRPr lang="en-US" noProof="0" dirty="0"/>
+            <a:endParaRPr lang="en-US" noProof="0"/>
           </a:p>
         </p:txBody>
       </p:sp>
@@ -12965,7 +13001,6 @@
               <a:rPr lang="en-US" noProof="0"/>
               <a:t>Click icon to add picture</a:t>
             </a:r>
-            <a:endParaRPr lang="en-US" noProof="0" dirty="0"/>
           </a:p>
         </p:txBody>
       </p:sp>
@@ -13048,7 +13083,6 @@
               <a:rPr lang="en-US" noProof="0"/>
               <a:t>Click icon to add picture</a:t>
             </a:r>
-            <a:endParaRPr lang="en-US" noProof="0" dirty="0"/>
           </a:p>
         </p:txBody>
       </p:sp>
@@ -13131,7 +13165,6 @@
               <a:rPr lang="en-US" noProof="0"/>
               <a:t>Click icon to add picture</a:t>
             </a:r>
-            <a:endParaRPr lang="en-US" noProof="0" dirty="0"/>
           </a:p>
         </p:txBody>
       </p:sp>
@@ -13214,7 +13247,6 @@
               <a:rPr lang="en-US" noProof="0"/>
               <a:t>Click icon to add picture</a:t>
             </a:r>
-            <a:endParaRPr lang="en-US" noProof="0" dirty="0"/>
           </a:p>
         </p:txBody>
       </p:sp>
@@ -13297,7 +13329,6 @@
               <a:rPr lang="en-US" noProof="0"/>
               <a:t>Click icon to add picture</a:t>
             </a:r>
-            <a:endParaRPr lang="en-US" noProof="0" dirty="0"/>
           </a:p>
         </p:txBody>
       </p:sp>
@@ -13466,7 +13497,6 @@
               <a:rPr lang="en-US" noProof="0"/>
               <a:t>Click icon to add picture</a:t>
             </a:r>
-            <a:endParaRPr lang="en-US" noProof="0" dirty="0"/>
           </a:p>
         </p:txBody>
       </p:sp>
@@ -13557,7 +13587,7 @@
           </a:lstStyle>
           <a:p>
             <a:r>
-              <a:rPr lang="en-US" noProof="0" dirty="0"/>
+              <a:rPr lang="en-US" noProof="0"/>
               <a:t>Insert or Drag and Drop your Photo Here </a:t>
             </a:r>
           </a:p>
@@ -13613,7 +13643,7 @@
           <a:lstStyle/>
           <a:p>
             <a:pPr algn="ctr"/>
-            <a:endParaRPr lang="en-US" noProof="0" dirty="0"/>
+            <a:endParaRPr lang="en-US" noProof="0"/>
           </a:p>
         </p:txBody>
       </p:sp>
@@ -13788,7 +13818,7 @@
           <a:lstStyle/>
           <a:p>
             <a:pPr algn="ctr"/>
-            <a:endParaRPr lang="en-US" noProof="0" dirty="0"/>
+            <a:endParaRPr lang="en-US" noProof="0"/>
           </a:p>
         </p:txBody>
       </p:sp>
@@ -13840,7 +13870,7 @@
           <a:lstStyle/>
           <a:p>
             <a:pPr algn="ctr"/>
-            <a:endParaRPr lang="en-US" noProof="0" dirty="0"/>
+            <a:endParaRPr lang="en-US" noProof="0"/>
           </a:p>
         </p:txBody>
       </p:sp>
@@ -13924,7 +13954,7 @@
           <a:lstStyle/>
           <a:p>
             <a:r>
-              <a:rPr lang="en-US" noProof="0" dirty="0"/>
+              <a:rPr lang="en-US" noProof="0"/>
               <a:t>Add a footer</a:t>
             </a:r>
           </a:p>
@@ -13956,7 +13986,7 @@
               <a:pPr/>
               <a:t>‹#›</a:t>
             </a:fld>
-            <a:endParaRPr lang="en-US" noProof="0" dirty="0"/>
+            <a:endParaRPr lang="en-US" noProof="0"/>
           </a:p>
         </p:txBody>
       </p:sp>
@@ -14095,7 +14125,7 @@
           <a:lstStyle/>
           <a:p>
             <a:r>
-              <a:rPr lang="en-US" noProof="0" dirty="0"/>
+              <a:rPr lang="en-US" noProof="0"/>
               <a:t>Add a footer</a:t>
             </a:r>
           </a:p>
@@ -14127,7 +14157,7 @@
               <a:pPr/>
               <a:t>‹#›</a:t>
             </a:fld>
-            <a:endParaRPr lang="en-US" noProof="0" dirty="0"/>
+            <a:endParaRPr lang="en-US" noProof="0"/>
           </a:p>
         </p:txBody>
       </p:sp>
@@ -14183,7 +14213,7 @@
           <a:lstStyle/>
           <a:p>
             <a:r>
-              <a:rPr lang="en-US" noProof="0" dirty="0"/>
+              <a:rPr lang="en-US" noProof="0"/>
               <a:t>Add a footer</a:t>
             </a:r>
           </a:p>
@@ -14215,7 +14245,7 @@
               <a:pPr/>
               <a:t>‹#›</a:t>
             </a:fld>
-            <a:endParaRPr lang="en-US" noProof="0" dirty="0"/>
+            <a:endParaRPr lang="en-US" noProof="0"/>
           </a:p>
         </p:txBody>
       </p:sp>
@@ -14305,7 +14335,7 @@
           </a:lstStyle>
           <a:p>
             <a:r>
-              <a:rPr lang="en-US" noProof="0" dirty="0"/>
+              <a:rPr lang="en-US" noProof="0"/>
               <a:t>Insert or Drag and Drop your Photo Here </a:t>
             </a:r>
           </a:p>
@@ -14361,7 +14391,7 @@
           <a:lstStyle/>
           <a:p>
             <a:pPr algn="ctr"/>
-            <a:endParaRPr lang="en-US" noProof="0" dirty="0"/>
+            <a:endParaRPr lang="en-US" noProof="0"/>
           </a:p>
         </p:txBody>
       </p:sp>
@@ -14421,7 +14451,7 @@
           <a:lstStyle/>
           <a:p>
             <a:pPr algn="ctr"/>
-            <a:endParaRPr lang="en-US" noProof="0" dirty="0"/>
+            <a:endParaRPr lang="en-US" noProof="0"/>
           </a:p>
         </p:txBody>
       </p:sp>
@@ -14473,7 +14503,7 @@
           <a:lstStyle/>
           <a:p>
             <a:pPr algn="ctr"/>
-            <a:endParaRPr lang="en-US" noProof="0" dirty="0"/>
+            <a:endParaRPr lang="en-US" noProof="0"/>
           </a:p>
         </p:txBody>
       </p:sp>
@@ -14527,7 +14557,7 @@
           <a:lstStyle/>
           <a:p>
             <a:pPr algn="ctr"/>
-            <a:endParaRPr lang="en-US" noProof="0" dirty="0"/>
+            <a:endParaRPr lang="en-US" noProof="0"/>
           </a:p>
         </p:txBody>
       </p:sp>
@@ -14948,7 +14978,7 @@
           <a:lstStyle/>
           <a:p>
             <a:r>
-              <a:rPr lang="en-US" noProof="0" dirty="0"/>
+              <a:rPr lang="en-US" noProof="0"/>
               <a:t>Add a footer</a:t>
             </a:r>
           </a:p>
@@ -14980,7 +15010,7 @@
               <a:pPr/>
               <a:t>‹#›</a:t>
             </a:fld>
-            <a:endParaRPr lang="en-US" noProof="0" dirty="0"/>
+            <a:endParaRPr lang="en-US" noProof="0"/>
           </a:p>
         </p:txBody>
       </p:sp>
@@ -15341,7 +15371,6 @@
               <a:rPr lang="en-US" noProof="0"/>
               <a:t>Click icon to add picture</a:t>
             </a:r>
-            <a:endParaRPr lang="en-US" noProof="0" dirty="0"/>
           </a:p>
         </p:txBody>
       </p:sp>
@@ -15420,7 +15449,6 @@
               <a:rPr lang="en-US" noProof="0"/>
               <a:t>Click icon to add picture</a:t>
             </a:r>
-            <a:endParaRPr lang="en-US" noProof="0" dirty="0"/>
           </a:p>
         </p:txBody>
       </p:sp>
@@ -15499,7 +15527,6 @@
               <a:rPr lang="en-US" noProof="0"/>
               <a:t>Click icon to add picture</a:t>
             </a:r>
-            <a:endParaRPr lang="en-US" noProof="0" dirty="0"/>
           </a:p>
         </p:txBody>
       </p:sp>
@@ -15583,7 +15610,7 @@
           <a:lstStyle/>
           <a:p>
             <a:r>
-              <a:rPr lang="en-US" noProof="0" dirty="0"/>
+              <a:rPr lang="en-US" noProof="0"/>
               <a:t>Add a footer</a:t>
             </a:r>
           </a:p>
@@ -15615,7 +15642,7 @@
               <a:pPr/>
               <a:t>‹#›</a:t>
             </a:fld>
-            <a:endParaRPr lang="en-US" noProof="0" dirty="0"/>
+            <a:endParaRPr lang="en-US" noProof="0"/>
           </a:p>
         </p:txBody>
       </p:sp>
@@ -16038,7 +16065,7 @@
           <a:lstStyle/>
           <a:p>
             <a:pPr algn="ctr"/>
-            <a:endParaRPr lang="en-US" noProof="0" dirty="0"/>
+            <a:endParaRPr lang="en-US" noProof="0"/>
           </a:p>
         </p:txBody>
       </p:sp>
@@ -16213,7 +16240,7 @@
           <a:lstStyle/>
           <a:p>
             <a:pPr algn="ctr"/>
-            <a:endParaRPr lang="en-US" noProof="0" dirty="0"/>
+            <a:endParaRPr lang="en-US" noProof="0"/>
           </a:p>
         </p:txBody>
       </p:sp>
@@ -16265,7 +16292,7 @@
           <a:lstStyle/>
           <a:p>
             <a:pPr algn="ctr"/>
-            <a:endParaRPr lang="en-US" noProof="0" dirty="0"/>
+            <a:endParaRPr lang="en-US" noProof="0"/>
           </a:p>
         </p:txBody>
       </p:sp>
@@ -16360,7 +16387,7 @@
           <a:lstStyle/>
           <a:p>
             <a:pPr algn="ctr"/>
-            <a:endParaRPr lang="en-US" noProof="0" dirty="0"/>
+            <a:endParaRPr lang="en-US" noProof="0"/>
           </a:p>
         </p:txBody>
       </p:sp>
@@ -16422,7 +16449,7 @@
           <a:lstStyle/>
           <a:p>
             <a:pPr algn="ctr"/>
-            <a:endParaRPr lang="en-US" noProof="0" dirty="0"/>
+            <a:endParaRPr lang="en-US" noProof="0"/>
           </a:p>
         </p:txBody>
       </p:sp>
@@ -16597,7 +16624,7 @@
           <a:lstStyle/>
           <a:p>
             <a:pPr algn="ctr"/>
-            <a:endParaRPr lang="en-US" noProof="0" dirty="0"/>
+            <a:endParaRPr lang="en-US" noProof="0"/>
           </a:p>
         </p:txBody>
       </p:sp>
@@ -16649,7 +16676,7 @@
           <a:lstStyle/>
           <a:p>
             <a:pPr algn="ctr"/>
-            <a:endParaRPr lang="en-US" noProof="0" dirty="0"/>
+            <a:endParaRPr lang="en-US" noProof="0"/>
           </a:p>
         </p:txBody>
       </p:sp>
@@ -16679,7 +16706,7 @@
               <a:pPr/>
               <a:t>‹#›</a:t>
             </a:fld>
-            <a:endParaRPr lang="en-US" noProof="0" dirty="0"/>
+            <a:endParaRPr lang="en-US" noProof="0"/>
           </a:p>
         </p:txBody>
       </p:sp>
@@ -16705,7 +16732,7 @@
           <a:lstStyle/>
           <a:p>
             <a:r>
-              <a:rPr lang="en-US" noProof="0" dirty="0"/>
+              <a:rPr lang="en-US" noProof="0"/>
               <a:t>Add a footer</a:t>
             </a:r>
           </a:p>
@@ -16808,7 +16835,7 @@
           <a:lstStyle/>
           <a:p>
             <a:pPr algn="ctr"/>
-            <a:endParaRPr lang="en-US" noProof="0" dirty="0"/>
+            <a:endParaRPr lang="en-US" noProof="0"/>
           </a:p>
         </p:txBody>
       </p:sp>
@@ -16838,7 +16865,7 @@
               <a:pPr/>
               <a:t>‹#›</a:t>
             </a:fld>
-            <a:endParaRPr lang="en-US" noProof="0" dirty="0"/>
+            <a:endParaRPr lang="en-US" noProof="0"/>
           </a:p>
         </p:txBody>
       </p:sp>
@@ -16869,7 +16896,7 @@
           <a:lstStyle/>
           <a:p>
             <a:r>
-              <a:rPr lang="en-US" noProof="0" dirty="0"/>
+              <a:rPr lang="en-US" noProof="0"/>
               <a:t>Add a footer</a:t>
             </a:r>
           </a:p>
@@ -17193,7 +17220,7 @@
           <a:lstStyle/>
           <a:p>
             <a:pPr algn="ctr"/>
-            <a:endParaRPr lang="en-US" noProof="0" dirty="0"/>
+            <a:endParaRPr lang="en-US" noProof="0"/>
           </a:p>
         </p:txBody>
       </p:sp>
@@ -17223,7 +17250,7 @@
               <a:pPr/>
               <a:t>‹#›</a:t>
             </a:fld>
-            <a:endParaRPr lang="en-US" noProof="0" dirty="0"/>
+            <a:endParaRPr lang="en-US" noProof="0"/>
           </a:p>
         </p:txBody>
       </p:sp>
@@ -17254,7 +17281,7 @@
           <a:lstStyle/>
           <a:p>
             <a:r>
-              <a:rPr lang="en-US" noProof="0" dirty="0"/>
+              <a:rPr lang="en-US" noProof="0"/>
               <a:t>Add a footer</a:t>
             </a:r>
           </a:p>
@@ -17439,7 +17466,6 @@
               <a:rPr lang="en-US" noProof="0"/>
               <a:t>Click icon to add picture</a:t>
             </a:r>
-            <a:endParaRPr lang="en-US" noProof="0" dirty="0"/>
           </a:p>
         </p:txBody>
       </p:sp>
@@ -17529,7 +17555,7 @@
           </a:lstStyle>
           <a:p>
             <a:r>
-              <a:rPr lang="en-US" noProof="0" dirty="0"/>
+              <a:rPr lang="en-US" noProof="0"/>
               <a:t>Insert or Drag and Drop your Photo Here </a:t>
             </a:r>
           </a:p>
@@ -17593,7 +17619,7 @@
           <a:lstStyle/>
           <a:p>
             <a:pPr algn="ctr"/>
-            <a:endParaRPr lang="en-US" noProof="0" dirty="0"/>
+            <a:endParaRPr lang="en-US" noProof="0"/>
           </a:p>
         </p:txBody>
       </p:sp>
@@ -17768,7 +17794,7 @@
           <a:lstStyle/>
           <a:p>
             <a:pPr algn="ctr"/>
-            <a:endParaRPr lang="en-US" noProof="0" dirty="0"/>
+            <a:endParaRPr lang="en-US" noProof="0"/>
           </a:p>
         </p:txBody>
       </p:sp>
@@ -17820,7 +17846,7 @@
           <a:lstStyle/>
           <a:p>
             <a:pPr algn="ctr"/>
-            <a:endParaRPr lang="en-US" noProof="0" dirty="0"/>
+            <a:endParaRPr lang="en-US" noProof="0"/>
           </a:p>
         </p:txBody>
       </p:sp>
@@ -17850,7 +17876,7 @@
               <a:pPr/>
               <a:t>‹#›</a:t>
             </a:fld>
-            <a:endParaRPr lang="en-US" noProof="0" dirty="0"/>
+            <a:endParaRPr lang="en-US" noProof="0"/>
           </a:p>
         </p:txBody>
       </p:sp>
@@ -17876,7 +17902,7 @@
           <a:lstStyle/>
           <a:p>
             <a:r>
-              <a:rPr lang="en-US" noProof="0" dirty="0"/>
+              <a:rPr lang="en-US" noProof="0"/>
               <a:t>Add a footer</a:t>
             </a:r>
           </a:p>
@@ -17979,7 +18005,7 @@
           <a:lstStyle/>
           <a:p>
             <a:pPr algn="ctr"/>
-            <a:endParaRPr lang="en-US" noProof="0" dirty="0"/>
+            <a:endParaRPr lang="en-US" noProof="0"/>
           </a:p>
         </p:txBody>
       </p:sp>
@@ -18071,7 +18097,7 @@
               <a:pPr/>
               <a:t>‹#›</a:t>
             </a:fld>
-            <a:endParaRPr lang="en-US" noProof="0" dirty="0"/>
+            <a:endParaRPr lang="en-US" noProof="0"/>
           </a:p>
         </p:txBody>
       </p:sp>
@@ -18185,7 +18211,7 @@
           <a:p>
             <a:pPr marL="0" lvl="0" algn="ctr"/>
             <a:r>
-              <a:rPr lang="en-US" noProof="0" dirty="0"/>
+              <a:rPr lang="en-US" noProof="0"/>
               <a:t>Insert or Drag &amp; Drop your photo here</a:t>
             </a:r>
           </a:p>
@@ -18218,7 +18244,7 @@
           <a:lstStyle/>
           <a:p>
             <a:r>
-              <a:rPr lang="en-US" noProof="0" dirty="0"/>
+              <a:rPr lang="en-US" noProof="0"/>
               <a:t>Add a footer</a:t>
             </a:r>
           </a:p>
@@ -18380,7 +18406,7 @@
           <a:lstStyle/>
           <a:p>
             <a:r>
-              <a:rPr lang="en-US" noProof="0" dirty="0"/>
+              <a:rPr lang="en-US" noProof="0"/>
               <a:t>Add a footer</a:t>
             </a:r>
           </a:p>
@@ -18412,7 +18438,7 @@
               <a:pPr/>
               <a:t>‹#›</a:t>
             </a:fld>
-            <a:endParaRPr lang="en-US" noProof="0" dirty="0"/>
+            <a:endParaRPr lang="en-US" noProof="0"/>
           </a:p>
         </p:txBody>
       </p:sp>
@@ -19015,7 +19041,6 @@
               <a:rPr lang="en-US" noProof="0"/>
               <a:t>Click icon to add picture</a:t>
             </a:r>
-            <a:endParaRPr lang="en-US" noProof="0" dirty="0"/>
           </a:p>
         </p:txBody>
       </p:sp>
@@ -19098,7 +19123,6 @@
               <a:rPr lang="en-US" noProof="0"/>
               <a:t>Click icon to add picture</a:t>
             </a:r>
-            <a:endParaRPr lang="en-US" noProof="0" dirty="0"/>
           </a:p>
         </p:txBody>
       </p:sp>
@@ -19181,7 +19205,6 @@
               <a:rPr lang="en-US" noProof="0"/>
               <a:t>Click icon to add picture</a:t>
             </a:r>
-            <a:endParaRPr lang="en-US" noProof="0" dirty="0"/>
           </a:p>
         </p:txBody>
       </p:sp>
@@ -19264,7 +19287,6 @@
               <a:rPr lang="en-US" noProof="0"/>
               <a:t>Click icon to add picture</a:t>
             </a:r>
-            <a:endParaRPr lang="en-US" noProof="0" dirty="0"/>
           </a:p>
         </p:txBody>
       </p:sp>
@@ -19347,7 +19369,6 @@
               <a:rPr lang="en-US" noProof="0"/>
               <a:t>Click icon to add picture</a:t>
             </a:r>
-            <a:endParaRPr lang="en-US" noProof="0" dirty="0"/>
           </a:p>
         </p:txBody>
       </p:sp>
@@ -19440,7 +19461,7 @@
           <a:lstStyle/>
           <a:p>
             <a:pPr lvl="0" algn="ctr"/>
-            <a:endParaRPr lang="en-US" noProof="0" dirty="0"/>
+            <a:endParaRPr lang="en-US" noProof="0"/>
           </a:p>
         </p:txBody>
       </p:sp>
@@ -19514,7 +19535,7 @@
           <a:lstStyle/>
           <a:p>
             <a:r>
-              <a:rPr lang="en-US" noProof="0" dirty="0"/>
+              <a:rPr lang="en-US" noProof="0"/>
               <a:t>Add a footer</a:t>
             </a:r>
           </a:p>
@@ -19546,7 +19567,7 @@
               <a:pPr/>
               <a:t>‹#›</a:t>
             </a:fld>
-            <a:endParaRPr lang="en-US" noProof="0" dirty="0"/>
+            <a:endParaRPr lang="en-US" noProof="0"/>
           </a:p>
         </p:txBody>
       </p:sp>
@@ -19619,7 +19640,7 @@
           <a:p>
             <a:pPr marL="0" lvl="0" algn="ctr"/>
             <a:r>
-              <a:rPr lang="en-US" noProof="0" dirty="0"/>
+              <a:rPr lang="en-US" noProof="0"/>
               <a:t>Insert or Drag &amp; Drop your photo here</a:t>
             </a:r>
           </a:p>
@@ -20037,7 +20058,7 @@
           <a:lstStyle/>
           <a:p>
             <a:pPr lvl="0" algn="ctr"/>
-            <a:endParaRPr lang="en-US" noProof="0" dirty="0"/>
+            <a:endParaRPr lang="en-US" noProof="0"/>
           </a:p>
         </p:txBody>
       </p:sp>
@@ -20110,7 +20131,7 @@
               <a:pPr/>
               <a:t>‹#›</a:t>
             </a:fld>
-            <a:endParaRPr lang="en-US" noProof="0" dirty="0"/>
+            <a:endParaRPr lang="en-US" noProof="0"/>
           </a:p>
         </p:txBody>
       </p:sp>
@@ -20183,7 +20204,7 @@
           <a:p>
             <a:pPr marL="0" lvl="0" algn="ctr"/>
             <a:r>
-              <a:rPr lang="en-US" noProof="0" dirty="0"/>
+              <a:rPr lang="en-US" noProof="0"/>
               <a:t>Insert or Drag &amp; Drop your photo here</a:t>
             </a:r>
           </a:p>
@@ -20782,7 +20803,7 @@
           <a:lstStyle/>
           <a:p>
             <a:r>
-              <a:rPr lang="en-US" noProof="0" dirty="0"/>
+              <a:rPr lang="en-US" noProof="0"/>
               <a:t>Add a footer</a:t>
             </a:r>
           </a:p>
@@ -20814,7 +20835,7 @@
               <a:pPr/>
               <a:t>‹#›</a:t>
             </a:fld>
-            <a:endParaRPr lang="en-US" noProof="0" dirty="0"/>
+            <a:endParaRPr lang="en-US" noProof="0"/>
           </a:p>
         </p:txBody>
       </p:sp>
@@ -20936,7 +20957,7 @@
           <a:p>
             <a:pPr marL="266700" lvl="0" indent="-266700" algn="ctr"/>
             <a:r>
-              <a:rPr lang="en-US" noProof="0" dirty="0"/>
+              <a:rPr lang="en-US" noProof="0"/>
               <a:t>Insert or Drag and Drop your Screen Design here</a:t>
             </a:r>
           </a:p>
@@ -21129,7 +21150,7 @@
           <a:lstStyle/>
           <a:p>
             <a:r>
-              <a:rPr lang="en-US" noProof="0" dirty="0"/>
+              <a:rPr lang="en-US" noProof="0"/>
               <a:t>Add a footer</a:t>
             </a:r>
           </a:p>
@@ -21161,7 +21182,7 @@
               <a:pPr/>
               <a:t>‹#›</a:t>
             </a:fld>
-            <a:endParaRPr lang="en-US" noProof="0" dirty="0"/>
+            <a:endParaRPr lang="en-US" noProof="0"/>
           </a:p>
         </p:txBody>
       </p:sp>
@@ -21493,7 +21514,7 @@
           <a:lstStyle/>
           <a:p>
             <a:pPr algn="ctr"/>
-            <a:endParaRPr lang="en-US" noProof="0" dirty="0"/>
+            <a:endParaRPr lang="en-US" noProof="0"/>
           </a:p>
         </p:txBody>
       </p:sp>
@@ -21656,7 +21677,7 @@
               <a:pPr/>
               <a:t>‹#›</a:t>
             </a:fld>
-            <a:endParaRPr lang="en-US" noProof="0" dirty="0"/>
+            <a:endParaRPr lang="en-US" noProof="0"/>
           </a:p>
         </p:txBody>
       </p:sp>
@@ -21701,7 +21722,7 @@
           </a:lstStyle>
           <a:p>
             <a:r>
-              <a:rPr lang="en-US" noProof="0" dirty="0"/>
+              <a:rPr lang="en-US" noProof="0"/>
               <a:t>Add a footer</a:t>
             </a:r>
           </a:p>
@@ -21763,7 +21784,7 @@
           <a:lstStyle/>
           <a:p>
             <a:pPr algn="ctr"/>
-            <a:endParaRPr lang="en-US" noProof="0" dirty="0"/>
+            <a:endParaRPr lang="en-US" noProof="0"/>
           </a:p>
         </p:txBody>
       </p:sp>
@@ -21815,7 +21836,7 @@
           <a:lstStyle/>
           <a:p>
             <a:pPr algn="ctr"/>
-            <a:endParaRPr lang="en-US" noProof="0" dirty="0"/>
+            <a:endParaRPr lang="en-US" noProof="0"/>
           </a:p>
         </p:txBody>
       </p:sp>
@@ -21849,7 +21870,7 @@
           <a:p>
             <a:pPr algn="r"/>
             <a:r>
-              <a:rPr lang="en-US" sz="1200" b="0" noProof="0" dirty="0">
+              <a:rPr lang="en-US" sz="1200" b="0" noProof="0">
                 <a:solidFill>
                   <a:schemeClr val="bg1">
                     <a:lumMod val="65000"/>
@@ -22324,7 +22345,7 @@
           <a:lstStyle/>
           <a:p>
             <a:pPr algn="ctr"/>
-            <a:endParaRPr lang="en-US" dirty="0"/>
+            <a:endParaRPr lang="en-US"/>
           </a:p>
         </p:txBody>
       </p:sp>
@@ -22410,7 +22431,7 @@
           <a:lstStyle/>
           <a:p>
             <a:r>
-              <a:rPr lang="en-US" dirty="0"/>
+              <a:rPr lang="en-US"/>
               <a:t>Range Query and Skyline point in Spark and HDFS</a:t>
             </a:r>
           </a:p>
@@ -22495,21 +22516,21 @@
           <a:lstStyle/>
           <a:p>
             <a:r>
-              <a:rPr lang="en-US" dirty="0"/>
+              <a:rPr lang="en-US"/>
               <a:t>Nirmalya Gayen</a:t>
             </a:r>
           </a:p>
           <a:p>
             <a:r>
-              <a:rPr lang="en-US" dirty="0"/>
+              <a:rPr lang="en-US"/>
               <a:t>Umesh </a:t>
             </a:r>
             <a:r>
-              <a:rPr lang="en-US" dirty="0" err="1"/>
+              <a:rPr lang="en-US" err="1"/>
               <a:t>Maroti</a:t>
             </a:r>
             <a:r>
-              <a:rPr lang="en-US" dirty="0"/>
+              <a:rPr lang="en-US"/>
               <a:t> Gaikwad</a:t>
             </a:r>
           </a:p>
@@ -22601,7 +22622,7 @@
           <a:lstStyle/>
           <a:p>
             <a:r>
-              <a:rPr lang="en-US" dirty="0"/>
+              <a:rPr lang="en-US"/>
               <a:t>Closest Pair Points</a:t>
             </a:r>
           </a:p>
@@ -22686,7 +22707,7 @@
           <a:lstStyle/>
           <a:p>
             <a:r>
-              <a:rPr lang="en-US" dirty="0"/>
+              <a:rPr lang="en-US"/>
               <a:t>Find closet two points in each set of points.</a:t>
             </a:r>
           </a:p>
@@ -22745,7 +22766,7 @@
           <a:lstStyle/>
           <a:p>
             <a:pPr algn="ctr"/>
-            <a:endParaRPr lang="en-US" dirty="0"/>
+            <a:endParaRPr lang="en-US"/>
           </a:p>
         </p:txBody>
       </p:sp>
@@ -22811,7 +22832,7 @@
           <a:lstStyle/>
           <a:p>
             <a:r>
-              <a:rPr lang="en-US" dirty="0">
+              <a:rPr lang="en-US">
                 <a:solidFill>
                   <a:schemeClr val="tx1">
                     <a:lumMod val="75000"/>
@@ -22824,7 +22845,7 @@
           </a:p>
           <a:p>
             <a:r>
-              <a:rPr lang="en-US" dirty="0">
+              <a:rPr lang="en-US">
                 <a:solidFill>
                   <a:schemeClr val="tx1">
                     <a:lumMod val="75000"/>
@@ -22910,10 +22931,10 @@
           <a:lstStyle/>
           <a:p>
             <a:r>
-              <a:rPr lang="en-US" dirty="0"/>
+              <a:rPr lang="en-US"/>
               <a:t>Partition data by dividing the points in equal sized regions as key</a:t>
             </a:r>
-            <a:endParaRPr lang="en-US" dirty="0">
+            <a:endParaRPr lang="en-US">
               <a:solidFill>
                 <a:schemeClr val="tx1">
                   <a:lumMod val="75000"/>
@@ -22977,7 +22998,7 @@
           <a:lstStyle/>
           <a:p>
             <a:pPr algn="ctr"/>
-            <a:endParaRPr lang="en-US" dirty="0"/>
+            <a:endParaRPr lang="en-US"/>
           </a:p>
         </p:txBody>
       </p:sp>
@@ -23043,7 +23064,7 @@
           <a:lstStyle/>
           <a:p>
             <a:r>
-              <a:rPr lang="en-US" dirty="0">
+              <a:rPr lang="en-US">
                 <a:solidFill>
                   <a:schemeClr val="tx1">
                     <a:lumMod val="75000"/>
@@ -23129,10 +23150,10 @@
           <a:lstStyle/>
           <a:p>
             <a:r>
-              <a:rPr lang="en-US" dirty="0"/>
+              <a:rPr lang="en-US"/>
               <a:t>Map points in a region to find candidate points</a:t>
             </a:r>
-            <a:endParaRPr lang="en-US" dirty="0">
+            <a:endParaRPr lang="en-US">
               <a:solidFill>
                 <a:schemeClr val="tx1">
                   <a:lumMod val="75000"/>
@@ -23196,7 +23217,7 @@
           <a:lstStyle/>
           <a:p>
             <a:pPr algn="ctr"/>
-            <a:endParaRPr lang="en-US" dirty="0"/>
+            <a:endParaRPr lang="en-US"/>
           </a:p>
         </p:txBody>
       </p:sp>
@@ -23262,7 +23283,7 @@
           <a:lstStyle/>
           <a:p>
             <a:r>
-              <a:rPr lang="en-US" dirty="0">
+              <a:rPr lang="en-US">
                 <a:solidFill>
                   <a:schemeClr val="tx1">
                     <a:lumMod val="75000"/>
@@ -23343,10 +23364,10 @@
           <a:lstStyle/>
           <a:p>
             <a:r>
-              <a:rPr lang="en-US" dirty="0"/>
+              <a:rPr lang="en-US"/>
               <a:t>Find closest pair from the candidate points</a:t>
             </a:r>
-            <a:endParaRPr lang="en-US" dirty="0">
+            <a:endParaRPr lang="en-US">
               <a:solidFill>
                 <a:schemeClr val="tx1">
                   <a:lumMod val="75000"/>
@@ -23410,7 +23431,7 @@
           <a:lstStyle/>
           <a:p>
             <a:pPr algn="ctr"/>
-            <a:endParaRPr lang="en-US" dirty="0"/>
+            <a:endParaRPr lang="en-US"/>
           </a:p>
         </p:txBody>
       </p:sp>
@@ -23476,7 +23497,7 @@
           <a:lstStyle/>
           <a:p>
             <a:r>
-              <a:rPr lang="en-US" dirty="0">
+              <a:rPr lang="en-US">
                 <a:solidFill>
                   <a:schemeClr val="tx1">
                     <a:lumMod val="75000"/>
@@ -23557,17 +23578,17 @@
           <a:lstStyle/>
           <a:p>
             <a:r>
-              <a:rPr lang="en-US" dirty="0"/>
+              <a:rPr lang="en-US"/>
               <a:t>Lorem ipsum dolor</a:t>
             </a:r>
             <a:br>
-              <a:rPr lang="en-US" dirty="0"/>
+              <a:rPr lang="en-US"/>
             </a:br>
             <a:r>
-              <a:rPr lang="en-US" dirty="0"/>
+              <a:rPr lang="en-US"/>
               <a:t>sit amet</a:t>
             </a:r>
-            <a:endParaRPr lang="en-US" dirty="0">
+            <a:endParaRPr lang="en-US">
               <a:solidFill>
                 <a:schemeClr val="tx1">
                   <a:lumMod val="75000"/>
@@ -23604,7 +23625,7 @@
               <a:pPr/>
               <a:t>10</a:t>
             </a:fld>
-            <a:endParaRPr lang="en-US" dirty="0"/>
+            <a:endParaRPr lang="en-US"/>
           </a:p>
         </p:txBody>
       </p:sp>
@@ -23641,7 +23662,7 @@
           <a:lstStyle/>
           <a:p>
             <a:r>
-              <a:rPr lang="en-US" sz="1600" dirty="0">
+              <a:rPr lang="en-US" sz="1600">
                 <a:solidFill>
                   <a:schemeClr val="tx1">
                     <a:lumMod val="65000"/>
@@ -23651,7 +23672,7 @@
               </a:rPr>
               <a:t>Range Query and Skyline point in Spark and HDFS</a:t>
             </a:r>
-            <a:endParaRPr lang="en-IN" sz="1600" dirty="0">
+            <a:endParaRPr lang="en-IN" sz="1600">
               <a:solidFill>
                 <a:schemeClr val="tx1">
                   <a:lumMod val="65000"/>
@@ -23714,7 +23735,7 @@
           <a:lstStyle/>
           <a:p>
             <a:r>
-              <a:rPr lang="en-US" dirty="0"/>
+              <a:rPr lang="en-US"/>
               <a:t>Results: Closest Pair Points</a:t>
             </a:r>
           </a:p>
@@ -23742,7 +23763,7 @@
           <a:lstStyle/>
           <a:p>
             <a:r>
-              <a:rPr lang="en-US" dirty="0"/>
+              <a:rPr lang="en-US"/>
               <a:t>Readings in different dataset (executors 5, driver-memory 512m, executor-memory 1G, executor-cores 1)</a:t>
             </a:r>
           </a:p>
@@ -23823,7 +23844,7 @@
                     <a:p>
                       <a:pPr algn="ctr"/>
                       <a:r>
-                        <a:rPr lang="en-ZA" dirty="0"/>
+                        <a:rPr lang="en-ZA"/>
                         <a:t>Data size</a:t>
                       </a:r>
                     </a:p>
@@ -23864,7 +23885,7 @@
                     <a:p>
                       <a:pPr algn="ctr"/>
                       <a:r>
-                        <a:rPr lang="en-ZA" sz="1600" b="0" dirty="0">
+                        <a:rPr lang="en-ZA" sz="1600" b="0">
                           <a:latin typeface="+mn-lt"/>
                         </a:rPr>
                         <a:t>Time</a:t>
@@ -23873,7 +23894,7 @@
                     <a:p>
                       <a:pPr algn="ctr"/>
                       <a:r>
-                        <a:rPr lang="en-ZA" sz="1600" b="0" dirty="0">
+                        <a:rPr lang="en-ZA" sz="1600" b="0">
                           <a:latin typeface="+mn-lt"/>
                         </a:rPr>
                         <a:t>(Sec)</a:t>
@@ -23924,7 +23945,7 @@
                     <a:p>
                       <a:pPr algn="ctr"/>
                       <a:r>
-                        <a:rPr lang="en-ZA" sz="1600" b="0" dirty="0">
+                        <a:rPr lang="en-ZA" sz="1600" b="0">
                           <a:latin typeface="+mn-lt"/>
                         </a:rPr>
                         <a:t>File Size</a:t>
@@ -23933,7 +23954,7 @@
                     <a:p>
                       <a:pPr algn="ctr"/>
                       <a:r>
-                        <a:rPr lang="en-ZA" sz="1600" b="0" dirty="0">
+                        <a:rPr lang="en-ZA" sz="1600" b="0">
                           <a:latin typeface="+mn-lt"/>
                         </a:rPr>
                         <a:t>(MB)</a:t>
@@ -23984,7 +24005,7 @@
                     <a:p>
                       <a:pPr algn="ctr"/>
                       <a:r>
-                        <a:rPr lang="en-ZA" sz="1600" b="0" dirty="0">
+                        <a:rPr lang="en-ZA" sz="1600" b="0">
                           <a:latin typeface="+mn-lt"/>
                         </a:rPr>
                         <a:t>No. of Executors</a:t>
@@ -24035,7 +24056,7 @@
                     <a:p>
                       <a:pPr algn="ctr"/>
                       <a:r>
-                        <a:rPr lang="en-ZA" sz="1600" b="0" dirty="0">
+                        <a:rPr lang="en-ZA" sz="1600" b="0">
                           <a:latin typeface="+mn-lt"/>
                         </a:rPr>
                         <a:t>No. of Exec. Provided</a:t>
@@ -24093,7 +24114,7 @@
                     <a:p>
                       <a:pPr algn="ctr"/>
                       <a:r>
-                        <a:rPr lang="en-ZA" sz="1600" b="1" dirty="0"/>
+                        <a:rPr lang="en-ZA" sz="1600" b="1"/>
                         <a:t>1K</a:t>
                       </a:r>
                     </a:p>
@@ -24141,7 +24162,7 @@
                     <a:p>
                       <a:pPr algn="r"/>
                       <a:r>
-                        <a:rPr lang="en-ZA" sz="1600" dirty="0">
+                        <a:rPr lang="en-ZA" sz="1600">
                           <a:solidFill>
                             <a:schemeClr val="tx1">
                               <a:lumMod val="75000"/>
@@ -24299,7 +24320,1120 @@
                     <a:p>
                       <a:pPr algn="r"/>
                       <a:r>
-                        <a:rPr lang="en-ZA" sz="1600" dirty="0">
+                        <a:rPr lang="en-ZA" sz="1600">
+                          <a:solidFill>
+                            <a:schemeClr val="tx1">
+                              <a:lumMod val="75000"/>
+                              <a:lumOff val="25000"/>
+                            </a:schemeClr>
+                          </a:solidFill>
+                        </a:rPr>
+                        <a:t>5</a:t>
+                      </a:r>
+                    </a:p>
+                  </a:txBody>
+                  <a:tcPr anchor="ctr">
+                    <a:lnL w="3175" cap="flat" cmpd="sng" algn="ctr">
+                      <a:solidFill>
+                        <a:schemeClr val="bg1">
+                          <a:lumMod val="75000"/>
+                        </a:schemeClr>
+                      </a:solidFill>
+                      <a:prstDash val="solid"/>
+                      <a:round/>
+                      <a:headEnd type="none" w="med" len="med"/>
+                      <a:tailEnd type="none" w="med" len="med"/>
+                    </a:lnL>
+                    <a:lnR w="3175" cap="flat" cmpd="sng" algn="ctr">
+                      <a:solidFill>
+                        <a:schemeClr val="bg1">
+                          <a:lumMod val="75000"/>
+                        </a:schemeClr>
+                      </a:solidFill>
+                      <a:prstDash val="solid"/>
+                      <a:round/>
+                      <a:headEnd type="none" w="med" len="med"/>
+                      <a:tailEnd type="none" w="med" len="med"/>
+                    </a:lnR>
+                    <a:lnT w="3175" cap="flat" cmpd="sng" algn="ctr">
+                      <a:solidFill>
+                        <a:schemeClr val="bg1">
+                          <a:lumMod val="75000"/>
+                        </a:schemeClr>
+                      </a:solidFill>
+                      <a:prstDash val="solid"/>
+                      <a:round/>
+                      <a:headEnd type="none" w="med" len="med"/>
+                      <a:tailEnd type="none" w="med" len="med"/>
+                    </a:lnT>
+                    <a:lnB w="3175" cap="flat" cmpd="sng" algn="ctr">
+                      <a:solidFill>
+                        <a:schemeClr val="bg1">
+                          <a:lumMod val="75000"/>
+                        </a:schemeClr>
+                      </a:solidFill>
+                      <a:prstDash val="solid"/>
+                      <a:round/>
+                      <a:headEnd type="none" w="med" len="med"/>
+                      <a:tailEnd type="none" w="med" len="med"/>
+                    </a:lnB>
+                    <a:lnTlToBr w="12700" cmpd="sng">
+                      <a:noFill/>
+                      <a:prstDash val="solid"/>
+                    </a:lnTlToBr>
+                    <a:lnBlToTr w="12700" cmpd="sng">
+                      <a:noFill/>
+                      <a:prstDash val="solid"/>
+                    </a:lnBlToTr>
+                    <a:solidFill>
+                      <a:schemeClr val="bg1">
+                        <a:lumMod val="85000"/>
+                      </a:schemeClr>
+                    </a:solidFill>
+                  </a:tcPr>
+                </a:tc>
+                <a:tc>
+                  <a:txBody>
+                    <a:bodyPr/>
+                    <a:lstStyle/>
+                    <a:p>
+                      <a:pPr algn="r"/>
+                      <a:r>
+                        <a:rPr lang="en-ZA" sz="1600">
+                          <a:solidFill>
+                            <a:schemeClr val="tx1">
+                              <a:lumMod val="75000"/>
+                              <a:lumOff val="25000"/>
+                            </a:schemeClr>
+                          </a:solidFill>
+                        </a:rPr>
+                        <a:t>5</a:t>
+                      </a:r>
+                    </a:p>
+                  </a:txBody>
+                  <a:tcPr anchor="ctr">
+                    <a:lnL w="3175" cap="flat" cmpd="sng" algn="ctr">
+                      <a:solidFill>
+                        <a:schemeClr val="bg1">
+                          <a:lumMod val="75000"/>
+                        </a:schemeClr>
+                      </a:solidFill>
+                      <a:prstDash val="solid"/>
+                      <a:round/>
+                      <a:headEnd type="none" w="med" len="med"/>
+                      <a:tailEnd type="none" w="med" len="med"/>
+                    </a:lnL>
+                    <a:lnR w="3175" cap="flat" cmpd="sng" algn="ctr">
+                      <a:solidFill>
+                        <a:schemeClr val="bg1">
+                          <a:lumMod val="75000"/>
+                        </a:schemeClr>
+                      </a:solidFill>
+                      <a:prstDash val="solid"/>
+                      <a:round/>
+                      <a:headEnd type="none" w="med" len="med"/>
+                      <a:tailEnd type="none" w="med" len="med"/>
+                    </a:lnR>
+                    <a:lnT w="3175" cap="flat" cmpd="sng" algn="ctr">
+                      <a:solidFill>
+                        <a:schemeClr val="bg1">
+                          <a:lumMod val="75000"/>
+                        </a:schemeClr>
+                      </a:solidFill>
+                      <a:prstDash val="solid"/>
+                      <a:round/>
+                      <a:headEnd type="none" w="med" len="med"/>
+                      <a:tailEnd type="none" w="med" len="med"/>
+                    </a:lnT>
+                    <a:lnB w="3175" cap="flat" cmpd="sng" algn="ctr">
+                      <a:solidFill>
+                        <a:schemeClr val="bg1">
+                          <a:lumMod val="75000"/>
+                        </a:schemeClr>
+                      </a:solidFill>
+                      <a:prstDash val="solid"/>
+                      <a:round/>
+                      <a:headEnd type="none" w="med" len="med"/>
+                      <a:tailEnd type="none" w="med" len="med"/>
+                    </a:lnB>
+                    <a:lnTlToBr w="12700" cmpd="sng">
+                      <a:noFill/>
+                      <a:prstDash val="solid"/>
+                    </a:lnTlToBr>
+                    <a:lnBlToTr w="12700" cmpd="sng">
+                      <a:noFill/>
+                      <a:prstDash val="solid"/>
+                    </a:lnBlToTr>
+                    <a:solidFill>
+                      <a:schemeClr val="bg1">
+                        <a:lumMod val="95000"/>
+                      </a:schemeClr>
+                    </a:solidFill>
+                  </a:tcPr>
+                </a:tc>
+                <a:extLst>
+                  <a:ext uri="{0D108BD9-81ED-4DB2-BD59-A6C34878D82A}">
+                    <a16:rowId xmlns:a16="http://schemas.microsoft.com/office/drawing/2014/main" val="1744550569"/>
+                  </a:ext>
+                </a:extLst>
+              </a:tr>
+              <a:tr h="749184">
+                <a:tc>
+                  <a:txBody>
+                    <a:bodyPr/>
+                    <a:lstStyle/>
+                    <a:p>
+                      <a:pPr algn="ctr"/>
+                      <a:r>
+                        <a:rPr lang="en-ZA" sz="1600" b="1"/>
+                        <a:t>1M</a:t>
+                      </a:r>
+                    </a:p>
+                  </a:txBody>
+                  <a:tcPr anchor="ctr">
+                    <a:lnL w="12700" cmpd="sng">
+                      <a:noFill/>
+                    </a:lnL>
+                    <a:lnR w="3175" cap="flat" cmpd="sng" algn="ctr">
+                      <a:solidFill>
+                        <a:schemeClr val="bg1">
+                          <a:lumMod val="75000"/>
+                        </a:schemeClr>
+                      </a:solidFill>
+                      <a:prstDash val="solid"/>
+                      <a:round/>
+                      <a:headEnd type="none" w="med" len="med"/>
+                      <a:tailEnd type="none" w="med" len="med"/>
+                    </a:lnR>
+                    <a:lnT w="38100" cmpd="sng">
+                      <a:noFill/>
+                    </a:lnT>
+                    <a:lnB w="12700" cmpd="sng">
+                      <a:noFill/>
+                    </a:lnB>
+                    <a:lnTlToBr w="12700" cmpd="sng">
+                      <a:noFill/>
+                      <a:prstDash val="solid"/>
+                    </a:lnTlToBr>
+                    <a:lnBlToTr w="12700" cmpd="sng">
+                      <a:noFill/>
+                      <a:prstDash val="solid"/>
+                    </a:lnBlToTr>
+                    <a:solidFill>
+                      <a:schemeClr val="accent1">
+                        <a:lumMod val="50000"/>
+                      </a:schemeClr>
+                    </a:solidFill>
+                  </a:tcPr>
+                </a:tc>
+                <a:tc>
+                  <a:txBody>
+                    <a:bodyPr/>
+                    <a:lstStyle/>
+                    <a:p>
+                      <a:pPr algn="r"/>
+                      <a:r>
+                        <a:rPr lang="en-ZA" sz="1600">
+                          <a:solidFill>
+                            <a:schemeClr val="tx1">
+                              <a:lumMod val="75000"/>
+                              <a:lumOff val="25000"/>
+                            </a:schemeClr>
+                          </a:solidFill>
+                        </a:rPr>
+                        <a:t>34</a:t>
+                      </a:r>
+                    </a:p>
+                  </a:txBody>
+                  <a:tcPr anchor="ctr">
+                    <a:lnL w="3175" cap="flat" cmpd="sng" algn="ctr">
+                      <a:solidFill>
+                        <a:schemeClr val="bg1">
+                          <a:lumMod val="75000"/>
+                        </a:schemeClr>
+                      </a:solidFill>
+                      <a:prstDash val="solid"/>
+                      <a:round/>
+                      <a:headEnd type="none" w="med" len="med"/>
+                      <a:tailEnd type="none" w="med" len="med"/>
+                    </a:lnL>
+                    <a:lnR w="3175" cap="flat" cmpd="sng" algn="ctr">
+                      <a:solidFill>
+                        <a:schemeClr val="bg1">
+                          <a:lumMod val="75000"/>
+                        </a:schemeClr>
+                      </a:solidFill>
+                      <a:prstDash val="solid"/>
+                      <a:round/>
+                      <a:headEnd type="none" w="med" len="med"/>
+                      <a:tailEnd type="none" w="med" len="med"/>
+                    </a:lnR>
+                    <a:lnT w="3175" cap="flat" cmpd="sng" algn="ctr">
+                      <a:solidFill>
+                        <a:schemeClr val="bg1">
+                          <a:lumMod val="75000"/>
+                        </a:schemeClr>
+                      </a:solidFill>
+                      <a:prstDash val="solid"/>
+                      <a:round/>
+                      <a:headEnd type="none" w="med" len="med"/>
+                      <a:tailEnd type="none" w="med" len="med"/>
+                    </a:lnT>
+                    <a:lnB w="3175" cap="flat" cmpd="sng" algn="ctr">
+                      <a:solidFill>
+                        <a:schemeClr val="bg1">
+                          <a:lumMod val="75000"/>
+                        </a:schemeClr>
+                      </a:solidFill>
+                      <a:prstDash val="solid"/>
+                      <a:round/>
+                      <a:headEnd type="none" w="med" len="med"/>
+                      <a:tailEnd type="none" w="med" len="med"/>
+                    </a:lnB>
+                    <a:lnTlToBr w="12700" cmpd="sng">
+                      <a:noFill/>
+                      <a:prstDash val="solid"/>
+                    </a:lnTlToBr>
+                    <a:lnBlToTr w="12700" cmpd="sng">
+                      <a:noFill/>
+                      <a:prstDash val="solid"/>
+                    </a:lnBlToTr>
+                    <a:solidFill>
+                      <a:schemeClr val="bg1">
+                        <a:lumMod val="95000"/>
+                      </a:schemeClr>
+                    </a:solidFill>
+                  </a:tcPr>
+                </a:tc>
+                <a:tc>
+                  <a:txBody>
+                    <a:bodyPr/>
+                    <a:lstStyle/>
+                    <a:p>
+                      <a:pPr algn="r"/>
+                      <a:r>
+                        <a:rPr lang="en-ZA" sz="1600">
+                          <a:solidFill>
+                            <a:schemeClr val="tx1">
+                              <a:lumMod val="75000"/>
+                              <a:lumOff val="25000"/>
+                            </a:schemeClr>
+                          </a:solidFill>
+                        </a:rPr>
+                        <a:t>21MB</a:t>
+                      </a:r>
+                    </a:p>
+                  </a:txBody>
+                  <a:tcPr anchor="ctr">
+                    <a:lnL w="3175" cap="flat" cmpd="sng" algn="ctr">
+                      <a:solidFill>
+                        <a:schemeClr val="bg1">
+                          <a:lumMod val="75000"/>
+                        </a:schemeClr>
+                      </a:solidFill>
+                      <a:prstDash val="solid"/>
+                      <a:round/>
+                      <a:headEnd type="none" w="med" len="med"/>
+                      <a:tailEnd type="none" w="med" len="med"/>
+                    </a:lnL>
+                    <a:lnR w="3175" cap="flat" cmpd="sng" algn="ctr">
+                      <a:solidFill>
+                        <a:schemeClr val="bg1">
+                          <a:lumMod val="75000"/>
+                        </a:schemeClr>
+                      </a:solidFill>
+                      <a:prstDash val="solid"/>
+                      <a:round/>
+                      <a:headEnd type="none" w="med" len="med"/>
+                      <a:tailEnd type="none" w="med" len="med"/>
+                    </a:lnR>
+                    <a:lnT w="3175" cap="flat" cmpd="sng" algn="ctr">
+                      <a:solidFill>
+                        <a:schemeClr val="bg1">
+                          <a:lumMod val="75000"/>
+                        </a:schemeClr>
+                      </a:solidFill>
+                      <a:prstDash val="solid"/>
+                      <a:round/>
+                      <a:headEnd type="none" w="med" len="med"/>
+                      <a:tailEnd type="none" w="med" len="med"/>
+                    </a:lnT>
+                    <a:lnB w="3175" cap="flat" cmpd="sng" algn="ctr">
+                      <a:solidFill>
+                        <a:schemeClr val="bg1">
+                          <a:lumMod val="75000"/>
+                        </a:schemeClr>
+                      </a:solidFill>
+                      <a:prstDash val="solid"/>
+                      <a:round/>
+                      <a:headEnd type="none" w="med" len="med"/>
+                      <a:tailEnd type="none" w="med" len="med"/>
+                    </a:lnB>
+                    <a:lnTlToBr w="12700" cmpd="sng">
+                      <a:noFill/>
+                      <a:prstDash val="solid"/>
+                    </a:lnTlToBr>
+                    <a:lnBlToTr w="12700" cmpd="sng">
+                      <a:noFill/>
+                      <a:prstDash val="solid"/>
+                    </a:lnBlToTr>
+                    <a:solidFill>
+                      <a:schemeClr val="bg1">
+                        <a:lumMod val="95000"/>
+                      </a:schemeClr>
+                    </a:solidFill>
+                  </a:tcPr>
+                </a:tc>
+                <a:tc>
+                  <a:txBody>
+                    <a:bodyPr/>
+                    <a:lstStyle/>
+                    <a:p>
+                      <a:pPr algn="r"/>
+                      <a:r>
+                        <a:rPr lang="en-ZA" sz="1600">
+                          <a:solidFill>
+                            <a:schemeClr val="tx1">
+                              <a:lumMod val="75000"/>
+                              <a:lumOff val="25000"/>
+                            </a:schemeClr>
+                          </a:solidFill>
+                        </a:rPr>
+                        <a:t>5</a:t>
+                      </a:r>
+                    </a:p>
+                  </a:txBody>
+                  <a:tcPr anchor="ctr">
+                    <a:lnL w="3175" cap="flat" cmpd="sng" algn="ctr">
+                      <a:solidFill>
+                        <a:schemeClr val="bg1">
+                          <a:lumMod val="75000"/>
+                        </a:schemeClr>
+                      </a:solidFill>
+                      <a:prstDash val="solid"/>
+                      <a:round/>
+                      <a:headEnd type="none" w="med" len="med"/>
+                      <a:tailEnd type="none" w="med" len="med"/>
+                    </a:lnL>
+                    <a:lnR w="3175" cap="flat" cmpd="sng" algn="ctr">
+                      <a:solidFill>
+                        <a:schemeClr val="bg1">
+                          <a:lumMod val="75000"/>
+                        </a:schemeClr>
+                      </a:solidFill>
+                      <a:prstDash val="solid"/>
+                      <a:round/>
+                      <a:headEnd type="none" w="med" len="med"/>
+                      <a:tailEnd type="none" w="med" len="med"/>
+                    </a:lnR>
+                    <a:lnT w="3175" cap="flat" cmpd="sng" algn="ctr">
+                      <a:solidFill>
+                        <a:schemeClr val="bg1">
+                          <a:lumMod val="75000"/>
+                        </a:schemeClr>
+                      </a:solidFill>
+                      <a:prstDash val="solid"/>
+                      <a:round/>
+                      <a:headEnd type="none" w="med" len="med"/>
+                      <a:tailEnd type="none" w="med" len="med"/>
+                    </a:lnT>
+                    <a:lnB w="3175" cap="flat" cmpd="sng" algn="ctr">
+                      <a:solidFill>
+                        <a:schemeClr val="bg1">
+                          <a:lumMod val="75000"/>
+                        </a:schemeClr>
+                      </a:solidFill>
+                      <a:prstDash val="solid"/>
+                      <a:round/>
+                      <a:headEnd type="none" w="med" len="med"/>
+                      <a:tailEnd type="none" w="med" len="med"/>
+                    </a:lnB>
+                    <a:lnTlToBr w="12700" cmpd="sng">
+                      <a:noFill/>
+                      <a:prstDash val="solid"/>
+                    </a:lnTlToBr>
+                    <a:lnBlToTr w="12700" cmpd="sng">
+                      <a:noFill/>
+                      <a:prstDash val="solid"/>
+                    </a:lnBlToTr>
+                    <a:solidFill>
+                      <a:schemeClr val="bg1">
+                        <a:lumMod val="85000"/>
+                      </a:schemeClr>
+                    </a:solidFill>
+                  </a:tcPr>
+                </a:tc>
+                <a:tc>
+                  <a:txBody>
+                    <a:bodyPr/>
+                    <a:lstStyle/>
+                    <a:p>
+                      <a:pPr algn="r"/>
+                      <a:r>
+                        <a:rPr lang="en-ZA" sz="1600">
+                          <a:solidFill>
+                            <a:schemeClr val="tx1">
+                              <a:lumMod val="75000"/>
+                              <a:lumOff val="25000"/>
+                            </a:schemeClr>
+                          </a:solidFill>
+                        </a:rPr>
+                        <a:t>5</a:t>
+                      </a:r>
+                    </a:p>
+                  </a:txBody>
+                  <a:tcPr anchor="ctr">
+                    <a:lnL w="3175" cap="flat" cmpd="sng" algn="ctr">
+                      <a:solidFill>
+                        <a:schemeClr val="bg1">
+                          <a:lumMod val="75000"/>
+                        </a:schemeClr>
+                      </a:solidFill>
+                      <a:prstDash val="solid"/>
+                      <a:round/>
+                      <a:headEnd type="none" w="med" len="med"/>
+                      <a:tailEnd type="none" w="med" len="med"/>
+                    </a:lnL>
+                    <a:lnR w="3175" cap="flat" cmpd="sng" algn="ctr">
+                      <a:solidFill>
+                        <a:schemeClr val="bg1">
+                          <a:lumMod val="75000"/>
+                        </a:schemeClr>
+                      </a:solidFill>
+                      <a:prstDash val="solid"/>
+                      <a:round/>
+                      <a:headEnd type="none" w="med" len="med"/>
+                      <a:tailEnd type="none" w="med" len="med"/>
+                    </a:lnR>
+                    <a:lnT w="3175" cap="flat" cmpd="sng" algn="ctr">
+                      <a:solidFill>
+                        <a:schemeClr val="bg1">
+                          <a:lumMod val="75000"/>
+                        </a:schemeClr>
+                      </a:solidFill>
+                      <a:prstDash val="solid"/>
+                      <a:round/>
+                      <a:headEnd type="none" w="med" len="med"/>
+                      <a:tailEnd type="none" w="med" len="med"/>
+                    </a:lnT>
+                    <a:lnB w="3175" cap="flat" cmpd="sng" algn="ctr">
+                      <a:solidFill>
+                        <a:schemeClr val="bg1">
+                          <a:lumMod val="75000"/>
+                        </a:schemeClr>
+                      </a:solidFill>
+                      <a:prstDash val="solid"/>
+                      <a:round/>
+                      <a:headEnd type="none" w="med" len="med"/>
+                      <a:tailEnd type="none" w="med" len="med"/>
+                    </a:lnB>
+                    <a:lnTlToBr w="12700" cmpd="sng">
+                      <a:noFill/>
+                      <a:prstDash val="solid"/>
+                    </a:lnTlToBr>
+                    <a:lnBlToTr w="12700" cmpd="sng">
+                      <a:noFill/>
+                      <a:prstDash val="solid"/>
+                    </a:lnBlToTr>
+                    <a:solidFill>
+                      <a:schemeClr val="bg1">
+                        <a:lumMod val="95000"/>
+                      </a:schemeClr>
+                    </a:solidFill>
+                  </a:tcPr>
+                </a:tc>
+                <a:extLst>
+                  <a:ext uri="{0D108BD9-81ED-4DB2-BD59-A6C34878D82A}">
+                    <a16:rowId xmlns:a16="http://schemas.microsoft.com/office/drawing/2014/main" val="3583495943"/>
+                  </a:ext>
+                </a:extLst>
+              </a:tr>
+              <a:tr h="749184">
+                <a:tc>
+                  <a:txBody>
+                    <a:bodyPr/>
+                    <a:lstStyle/>
+                    <a:p>
+                      <a:pPr algn="ctr"/>
+                      <a:r>
+                        <a:rPr lang="en-ZA" sz="1600" b="1"/>
+                        <a:t>5M</a:t>
+                      </a:r>
+                    </a:p>
+                  </a:txBody>
+                  <a:tcPr anchor="ctr">
+                    <a:lnL w="12700" cmpd="sng">
+                      <a:noFill/>
+                    </a:lnL>
+                    <a:lnR w="3175" cap="flat" cmpd="sng" algn="ctr">
+                      <a:solidFill>
+                        <a:schemeClr val="bg1">
+                          <a:lumMod val="75000"/>
+                        </a:schemeClr>
+                      </a:solidFill>
+                      <a:prstDash val="solid"/>
+                      <a:round/>
+                      <a:headEnd type="none" w="med" len="med"/>
+                      <a:tailEnd type="none" w="med" len="med"/>
+                    </a:lnR>
+                    <a:lnT w="12700" cmpd="sng">
+                      <a:noFill/>
+                    </a:lnT>
+                    <a:lnB w="12700" cmpd="sng">
+                      <a:noFill/>
+                    </a:lnB>
+                    <a:lnTlToBr w="12700" cmpd="sng">
+                      <a:noFill/>
+                      <a:prstDash val="solid"/>
+                    </a:lnTlToBr>
+                    <a:lnBlToTr w="12700" cmpd="sng">
+                      <a:noFill/>
+                      <a:prstDash val="solid"/>
+                    </a:lnBlToTr>
+                    <a:solidFill>
+                      <a:schemeClr val="accent1">
+                        <a:lumMod val="50000"/>
+                      </a:schemeClr>
+                    </a:solidFill>
+                  </a:tcPr>
+                </a:tc>
+                <a:tc>
+                  <a:txBody>
+                    <a:bodyPr/>
+                    <a:lstStyle/>
+                    <a:p>
+                      <a:pPr algn="r"/>
+                      <a:r>
+                        <a:rPr lang="en-ZA" sz="1600">
+                          <a:solidFill>
+                            <a:schemeClr val="tx1">
+                              <a:lumMod val="75000"/>
+                              <a:lumOff val="25000"/>
+                            </a:schemeClr>
+                          </a:solidFill>
+                        </a:rPr>
+                        <a:t>101</a:t>
+                      </a:r>
+                    </a:p>
+                  </a:txBody>
+                  <a:tcPr anchor="ctr">
+                    <a:lnL w="3175" cap="flat" cmpd="sng" algn="ctr">
+                      <a:solidFill>
+                        <a:schemeClr val="bg1">
+                          <a:lumMod val="75000"/>
+                        </a:schemeClr>
+                      </a:solidFill>
+                      <a:prstDash val="solid"/>
+                      <a:round/>
+                      <a:headEnd type="none" w="med" len="med"/>
+                      <a:tailEnd type="none" w="med" len="med"/>
+                    </a:lnL>
+                    <a:lnR w="3175" cap="flat" cmpd="sng" algn="ctr">
+                      <a:solidFill>
+                        <a:schemeClr val="bg1">
+                          <a:lumMod val="75000"/>
+                        </a:schemeClr>
+                      </a:solidFill>
+                      <a:prstDash val="solid"/>
+                      <a:round/>
+                      <a:headEnd type="none" w="med" len="med"/>
+                      <a:tailEnd type="none" w="med" len="med"/>
+                    </a:lnR>
+                    <a:lnT w="3175" cap="flat" cmpd="sng" algn="ctr">
+                      <a:solidFill>
+                        <a:schemeClr val="bg1">
+                          <a:lumMod val="75000"/>
+                        </a:schemeClr>
+                      </a:solidFill>
+                      <a:prstDash val="solid"/>
+                      <a:round/>
+                      <a:headEnd type="none" w="med" len="med"/>
+                      <a:tailEnd type="none" w="med" len="med"/>
+                    </a:lnT>
+                    <a:lnB w="3175" cap="flat" cmpd="sng" algn="ctr">
+                      <a:solidFill>
+                        <a:schemeClr val="bg1">
+                          <a:lumMod val="75000"/>
+                        </a:schemeClr>
+                      </a:solidFill>
+                      <a:prstDash val="solid"/>
+                      <a:round/>
+                      <a:headEnd type="none" w="med" len="med"/>
+                      <a:tailEnd type="none" w="med" len="med"/>
+                    </a:lnB>
+                    <a:lnTlToBr w="12700" cmpd="sng">
+                      <a:noFill/>
+                      <a:prstDash val="solid"/>
+                    </a:lnTlToBr>
+                    <a:lnBlToTr w="12700" cmpd="sng">
+                      <a:noFill/>
+                      <a:prstDash val="solid"/>
+                    </a:lnBlToTr>
+                    <a:solidFill>
+                      <a:schemeClr val="bg1">
+                        <a:lumMod val="95000"/>
+                      </a:schemeClr>
+                    </a:solidFill>
+                  </a:tcPr>
+                </a:tc>
+                <a:tc>
+                  <a:txBody>
+                    <a:bodyPr/>
+                    <a:lstStyle/>
+                    <a:p>
+                      <a:pPr algn="r"/>
+                      <a:r>
+                        <a:rPr lang="en-ZA" sz="1600">
+                          <a:solidFill>
+                            <a:schemeClr val="tx1">
+                              <a:lumMod val="75000"/>
+                              <a:lumOff val="25000"/>
+                            </a:schemeClr>
+                          </a:solidFill>
+                        </a:rPr>
+                        <a:t>103MB</a:t>
+                      </a:r>
+                    </a:p>
+                  </a:txBody>
+                  <a:tcPr anchor="ctr">
+                    <a:lnL w="3175" cap="flat" cmpd="sng" algn="ctr">
+                      <a:solidFill>
+                        <a:schemeClr val="bg1">
+                          <a:lumMod val="75000"/>
+                        </a:schemeClr>
+                      </a:solidFill>
+                      <a:prstDash val="solid"/>
+                      <a:round/>
+                      <a:headEnd type="none" w="med" len="med"/>
+                      <a:tailEnd type="none" w="med" len="med"/>
+                    </a:lnL>
+                    <a:lnR w="3175" cap="flat" cmpd="sng" algn="ctr">
+                      <a:solidFill>
+                        <a:schemeClr val="bg1">
+                          <a:lumMod val="75000"/>
+                        </a:schemeClr>
+                      </a:solidFill>
+                      <a:prstDash val="solid"/>
+                      <a:round/>
+                      <a:headEnd type="none" w="med" len="med"/>
+                      <a:tailEnd type="none" w="med" len="med"/>
+                    </a:lnR>
+                    <a:lnT w="3175" cap="flat" cmpd="sng" algn="ctr">
+                      <a:solidFill>
+                        <a:schemeClr val="bg1">
+                          <a:lumMod val="75000"/>
+                        </a:schemeClr>
+                      </a:solidFill>
+                      <a:prstDash val="solid"/>
+                      <a:round/>
+                      <a:headEnd type="none" w="med" len="med"/>
+                      <a:tailEnd type="none" w="med" len="med"/>
+                    </a:lnT>
+                    <a:lnB w="3175" cap="flat" cmpd="sng" algn="ctr">
+                      <a:solidFill>
+                        <a:schemeClr val="bg1">
+                          <a:lumMod val="75000"/>
+                        </a:schemeClr>
+                      </a:solidFill>
+                      <a:prstDash val="solid"/>
+                      <a:round/>
+                      <a:headEnd type="none" w="med" len="med"/>
+                      <a:tailEnd type="none" w="med" len="med"/>
+                    </a:lnB>
+                    <a:lnTlToBr w="12700" cmpd="sng">
+                      <a:noFill/>
+                      <a:prstDash val="solid"/>
+                    </a:lnTlToBr>
+                    <a:lnBlToTr w="12700" cmpd="sng">
+                      <a:noFill/>
+                      <a:prstDash val="solid"/>
+                    </a:lnBlToTr>
+                    <a:solidFill>
+                      <a:schemeClr val="bg1">
+                        <a:lumMod val="95000"/>
+                      </a:schemeClr>
+                    </a:solidFill>
+                  </a:tcPr>
+                </a:tc>
+                <a:tc>
+                  <a:txBody>
+                    <a:bodyPr/>
+                    <a:lstStyle/>
+                    <a:p>
+                      <a:pPr algn="r"/>
+                      <a:r>
+                        <a:rPr lang="en-ZA" sz="1600">
+                          <a:solidFill>
+                            <a:schemeClr val="tx1">
+                              <a:lumMod val="75000"/>
+                              <a:lumOff val="25000"/>
+                            </a:schemeClr>
+                          </a:solidFill>
+                        </a:rPr>
+                        <a:t>5</a:t>
+                      </a:r>
+                    </a:p>
+                  </a:txBody>
+                  <a:tcPr anchor="ctr">
+                    <a:lnL w="3175" cap="flat" cmpd="sng" algn="ctr">
+                      <a:solidFill>
+                        <a:schemeClr val="bg1">
+                          <a:lumMod val="75000"/>
+                        </a:schemeClr>
+                      </a:solidFill>
+                      <a:prstDash val="solid"/>
+                      <a:round/>
+                      <a:headEnd type="none" w="med" len="med"/>
+                      <a:tailEnd type="none" w="med" len="med"/>
+                    </a:lnL>
+                    <a:lnR w="3175" cap="flat" cmpd="sng" algn="ctr">
+                      <a:solidFill>
+                        <a:schemeClr val="bg1">
+                          <a:lumMod val="75000"/>
+                        </a:schemeClr>
+                      </a:solidFill>
+                      <a:prstDash val="solid"/>
+                      <a:round/>
+                      <a:headEnd type="none" w="med" len="med"/>
+                      <a:tailEnd type="none" w="med" len="med"/>
+                    </a:lnR>
+                    <a:lnT w="3175" cap="flat" cmpd="sng" algn="ctr">
+                      <a:solidFill>
+                        <a:schemeClr val="bg1">
+                          <a:lumMod val="75000"/>
+                        </a:schemeClr>
+                      </a:solidFill>
+                      <a:prstDash val="solid"/>
+                      <a:round/>
+                      <a:headEnd type="none" w="med" len="med"/>
+                      <a:tailEnd type="none" w="med" len="med"/>
+                    </a:lnT>
+                    <a:lnB w="3175" cap="flat" cmpd="sng" algn="ctr">
+                      <a:solidFill>
+                        <a:schemeClr val="bg1">
+                          <a:lumMod val="75000"/>
+                        </a:schemeClr>
+                      </a:solidFill>
+                      <a:prstDash val="solid"/>
+                      <a:round/>
+                      <a:headEnd type="none" w="med" len="med"/>
+                      <a:tailEnd type="none" w="med" len="med"/>
+                    </a:lnB>
+                    <a:lnTlToBr w="12700" cmpd="sng">
+                      <a:noFill/>
+                      <a:prstDash val="solid"/>
+                    </a:lnTlToBr>
+                    <a:lnBlToTr w="12700" cmpd="sng">
+                      <a:noFill/>
+                      <a:prstDash val="solid"/>
+                    </a:lnBlToTr>
+                    <a:solidFill>
+                      <a:schemeClr val="bg1">
+                        <a:lumMod val="85000"/>
+                      </a:schemeClr>
+                    </a:solidFill>
+                  </a:tcPr>
+                </a:tc>
+                <a:tc>
+                  <a:txBody>
+                    <a:bodyPr/>
+                    <a:lstStyle/>
+                    <a:p>
+                      <a:pPr algn="r"/>
+                      <a:r>
+                        <a:rPr lang="en-ZA" sz="1600">
+                          <a:solidFill>
+                            <a:schemeClr val="tx1">
+                              <a:lumMod val="75000"/>
+                              <a:lumOff val="25000"/>
+                            </a:schemeClr>
+                          </a:solidFill>
+                        </a:rPr>
+                        <a:t>5</a:t>
+                      </a:r>
+                    </a:p>
+                  </a:txBody>
+                  <a:tcPr anchor="ctr">
+                    <a:lnL w="3175" cap="flat" cmpd="sng" algn="ctr">
+                      <a:solidFill>
+                        <a:schemeClr val="bg1">
+                          <a:lumMod val="75000"/>
+                        </a:schemeClr>
+                      </a:solidFill>
+                      <a:prstDash val="solid"/>
+                      <a:round/>
+                      <a:headEnd type="none" w="med" len="med"/>
+                      <a:tailEnd type="none" w="med" len="med"/>
+                    </a:lnL>
+                    <a:lnR w="3175" cap="flat" cmpd="sng" algn="ctr">
+                      <a:solidFill>
+                        <a:schemeClr val="bg1">
+                          <a:lumMod val="75000"/>
+                        </a:schemeClr>
+                      </a:solidFill>
+                      <a:prstDash val="solid"/>
+                      <a:round/>
+                      <a:headEnd type="none" w="med" len="med"/>
+                      <a:tailEnd type="none" w="med" len="med"/>
+                    </a:lnR>
+                    <a:lnT w="3175" cap="flat" cmpd="sng" algn="ctr">
+                      <a:solidFill>
+                        <a:schemeClr val="bg1">
+                          <a:lumMod val="75000"/>
+                        </a:schemeClr>
+                      </a:solidFill>
+                      <a:prstDash val="solid"/>
+                      <a:round/>
+                      <a:headEnd type="none" w="med" len="med"/>
+                      <a:tailEnd type="none" w="med" len="med"/>
+                    </a:lnT>
+                    <a:lnB w="3175" cap="flat" cmpd="sng" algn="ctr">
+                      <a:solidFill>
+                        <a:schemeClr val="bg1">
+                          <a:lumMod val="75000"/>
+                        </a:schemeClr>
+                      </a:solidFill>
+                      <a:prstDash val="solid"/>
+                      <a:round/>
+                      <a:headEnd type="none" w="med" len="med"/>
+                      <a:tailEnd type="none" w="med" len="med"/>
+                    </a:lnB>
+                    <a:lnTlToBr w="12700" cmpd="sng">
+                      <a:noFill/>
+                      <a:prstDash val="solid"/>
+                    </a:lnTlToBr>
+                    <a:lnBlToTr w="12700" cmpd="sng">
+                      <a:noFill/>
+                      <a:prstDash val="solid"/>
+                    </a:lnBlToTr>
+                    <a:solidFill>
+                      <a:schemeClr val="bg1">
+                        <a:lumMod val="95000"/>
+                      </a:schemeClr>
+                    </a:solidFill>
+                  </a:tcPr>
+                </a:tc>
+                <a:extLst>
+                  <a:ext uri="{0D108BD9-81ED-4DB2-BD59-A6C34878D82A}">
+                    <a16:rowId xmlns:a16="http://schemas.microsoft.com/office/drawing/2014/main" val="2912132828"/>
+                  </a:ext>
+                </a:extLst>
+              </a:tr>
+              <a:tr h="749184">
+                <a:tc>
+                  <a:txBody>
+                    <a:bodyPr/>
+                    <a:lstStyle/>
+                    <a:p>
+                      <a:pPr algn="ctr"/>
+                      <a:r>
+                        <a:rPr lang="en-ZA" sz="1600" b="1"/>
+                        <a:t>10M</a:t>
+                      </a:r>
+                    </a:p>
+                  </a:txBody>
+                  <a:tcPr anchor="ctr">
+                    <a:lnL w="12700" cmpd="sng">
+                      <a:noFill/>
+                    </a:lnL>
+                    <a:lnR w="3175" cap="flat" cmpd="sng" algn="ctr">
+                      <a:solidFill>
+                        <a:schemeClr val="bg1">
+                          <a:lumMod val="75000"/>
+                        </a:schemeClr>
+                      </a:solidFill>
+                      <a:prstDash val="solid"/>
+                      <a:round/>
+                      <a:headEnd type="none" w="med" len="med"/>
+                      <a:tailEnd type="none" w="med" len="med"/>
+                    </a:lnR>
+                    <a:lnT w="12700" cmpd="sng">
+                      <a:noFill/>
+                    </a:lnT>
+                    <a:lnB w="12700" cmpd="sng">
+                      <a:noFill/>
+                    </a:lnB>
+                    <a:lnTlToBr w="12700" cmpd="sng">
+                      <a:noFill/>
+                      <a:prstDash val="solid"/>
+                    </a:lnTlToBr>
+                    <a:lnBlToTr w="12700" cmpd="sng">
+                      <a:noFill/>
+                      <a:prstDash val="solid"/>
+                    </a:lnBlToTr>
+                    <a:solidFill>
+                      <a:schemeClr val="accent1">
+                        <a:lumMod val="50000"/>
+                      </a:schemeClr>
+                    </a:solidFill>
+                  </a:tcPr>
+                </a:tc>
+                <a:tc>
+                  <a:txBody>
+                    <a:bodyPr/>
+                    <a:lstStyle/>
+                    <a:p>
+                      <a:pPr algn="r"/>
+                      <a:r>
+                        <a:rPr lang="en-ZA" sz="1600">
+                          <a:solidFill>
+                            <a:schemeClr val="tx1">
+                              <a:lumMod val="75000"/>
+                              <a:lumOff val="25000"/>
+                            </a:schemeClr>
+                          </a:solidFill>
+                        </a:rPr>
+                        <a:t>212</a:t>
+                      </a:r>
+                    </a:p>
+                  </a:txBody>
+                  <a:tcPr anchor="ctr">
+                    <a:lnL w="3175" cap="flat" cmpd="sng" algn="ctr">
+                      <a:solidFill>
+                        <a:schemeClr val="bg1">
+                          <a:lumMod val="75000"/>
+                        </a:schemeClr>
+                      </a:solidFill>
+                      <a:prstDash val="solid"/>
+                      <a:round/>
+                      <a:headEnd type="none" w="med" len="med"/>
+                      <a:tailEnd type="none" w="med" len="med"/>
+                    </a:lnL>
+                    <a:lnR w="3175" cap="flat" cmpd="sng" algn="ctr">
+                      <a:solidFill>
+                        <a:schemeClr val="bg1">
+                          <a:lumMod val="75000"/>
+                        </a:schemeClr>
+                      </a:solidFill>
+                      <a:prstDash val="solid"/>
+                      <a:round/>
+                      <a:headEnd type="none" w="med" len="med"/>
+                      <a:tailEnd type="none" w="med" len="med"/>
+                    </a:lnR>
+                    <a:lnT w="3175" cap="flat" cmpd="sng" algn="ctr">
+                      <a:solidFill>
+                        <a:schemeClr val="bg1">
+                          <a:lumMod val="75000"/>
+                        </a:schemeClr>
+                      </a:solidFill>
+                      <a:prstDash val="solid"/>
+                      <a:round/>
+                      <a:headEnd type="none" w="med" len="med"/>
+                      <a:tailEnd type="none" w="med" len="med"/>
+                    </a:lnT>
+                    <a:lnB w="3175" cap="flat" cmpd="sng" algn="ctr">
+                      <a:solidFill>
+                        <a:schemeClr val="bg1">
+                          <a:lumMod val="75000"/>
+                        </a:schemeClr>
+                      </a:solidFill>
+                      <a:prstDash val="solid"/>
+                      <a:round/>
+                      <a:headEnd type="none" w="med" len="med"/>
+                      <a:tailEnd type="none" w="med" len="med"/>
+                    </a:lnB>
+                    <a:lnTlToBr w="12700" cmpd="sng">
+                      <a:noFill/>
+                      <a:prstDash val="solid"/>
+                    </a:lnTlToBr>
+                    <a:lnBlToTr w="12700" cmpd="sng">
+                      <a:noFill/>
+                      <a:prstDash val="solid"/>
+                    </a:lnBlToTr>
+                    <a:solidFill>
+                      <a:schemeClr val="bg1">
+                        <a:lumMod val="95000"/>
+                      </a:schemeClr>
+                    </a:solidFill>
+                  </a:tcPr>
+                </a:tc>
+                <a:tc>
+                  <a:txBody>
+                    <a:bodyPr/>
+                    <a:lstStyle/>
+                    <a:p>
+                      <a:pPr algn="r"/>
+                      <a:r>
+                        <a:rPr lang="en-ZA" sz="1600">
+                          <a:solidFill>
+                            <a:schemeClr val="tx1">
+                              <a:lumMod val="75000"/>
+                              <a:lumOff val="25000"/>
+                            </a:schemeClr>
+                          </a:solidFill>
+                        </a:rPr>
+                        <a:t>206MB</a:t>
+                      </a:r>
+                    </a:p>
+                  </a:txBody>
+                  <a:tcPr anchor="ctr">
+                    <a:lnL w="3175" cap="flat" cmpd="sng" algn="ctr">
+                      <a:solidFill>
+                        <a:schemeClr val="bg1">
+                          <a:lumMod val="75000"/>
+                        </a:schemeClr>
+                      </a:solidFill>
+                      <a:prstDash val="solid"/>
+                      <a:round/>
+                      <a:headEnd type="none" w="med" len="med"/>
+                      <a:tailEnd type="none" w="med" len="med"/>
+                    </a:lnL>
+                    <a:lnR w="3175" cap="flat" cmpd="sng" algn="ctr">
+                      <a:solidFill>
+                        <a:schemeClr val="bg1">
+                          <a:lumMod val="75000"/>
+                        </a:schemeClr>
+                      </a:solidFill>
+                      <a:prstDash val="solid"/>
+                      <a:round/>
+                      <a:headEnd type="none" w="med" len="med"/>
+                      <a:tailEnd type="none" w="med" len="med"/>
+                    </a:lnR>
+                    <a:lnT w="3175" cap="flat" cmpd="sng" algn="ctr">
+                      <a:solidFill>
+                        <a:schemeClr val="bg1">
+                          <a:lumMod val="75000"/>
+                        </a:schemeClr>
+                      </a:solidFill>
+                      <a:prstDash val="solid"/>
+                      <a:round/>
+                      <a:headEnd type="none" w="med" len="med"/>
+                      <a:tailEnd type="none" w="med" len="med"/>
+                    </a:lnT>
+                    <a:lnB w="3175" cap="flat" cmpd="sng" algn="ctr">
+                      <a:solidFill>
+                        <a:schemeClr val="bg1">
+                          <a:lumMod val="75000"/>
+                        </a:schemeClr>
+                      </a:solidFill>
+                      <a:prstDash val="solid"/>
+                      <a:round/>
+                      <a:headEnd type="none" w="med" len="med"/>
+                      <a:tailEnd type="none" w="med" len="med"/>
+                    </a:lnB>
+                    <a:lnTlToBr w="12700" cmpd="sng">
+                      <a:noFill/>
+                      <a:prstDash val="solid"/>
+                    </a:lnTlToBr>
+                    <a:lnBlToTr w="12700" cmpd="sng">
+                      <a:noFill/>
+                      <a:prstDash val="solid"/>
+                    </a:lnBlToTr>
+                    <a:solidFill>
+                      <a:schemeClr val="bg1">
+                        <a:lumMod val="95000"/>
+                      </a:schemeClr>
+                    </a:solidFill>
+                  </a:tcPr>
+                </a:tc>
+                <a:tc>
+                  <a:txBody>
+                    <a:bodyPr/>
+                    <a:lstStyle/>
+                    <a:p>
+                      <a:pPr algn="r"/>
+                      <a:r>
+                        <a:rPr lang="en-ZA" sz="1600">
                           <a:solidFill>
                             <a:schemeClr val="tx1">
                               <a:lumMod val="75000"/>
@@ -24452,1119 +25586,6 @@
                 </a:tc>
                 <a:extLst>
                   <a:ext uri="{0D108BD9-81ED-4DB2-BD59-A6C34878D82A}">
-                    <a16:rowId xmlns:a16="http://schemas.microsoft.com/office/drawing/2014/main" val="1744550569"/>
-                  </a:ext>
-                </a:extLst>
-              </a:tr>
-              <a:tr h="749184">
-                <a:tc>
-                  <a:txBody>
-                    <a:bodyPr/>
-                    <a:lstStyle/>
-                    <a:p>
-                      <a:pPr algn="ctr"/>
-                      <a:r>
-                        <a:rPr lang="en-ZA" sz="1600" b="1" dirty="0"/>
-                        <a:t>1M</a:t>
-                      </a:r>
-                    </a:p>
-                  </a:txBody>
-                  <a:tcPr anchor="ctr">
-                    <a:lnL w="12700" cmpd="sng">
-                      <a:noFill/>
-                    </a:lnL>
-                    <a:lnR w="3175" cap="flat" cmpd="sng" algn="ctr">
-                      <a:solidFill>
-                        <a:schemeClr val="bg1">
-                          <a:lumMod val="75000"/>
-                        </a:schemeClr>
-                      </a:solidFill>
-                      <a:prstDash val="solid"/>
-                      <a:round/>
-                      <a:headEnd type="none" w="med" len="med"/>
-                      <a:tailEnd type="none" w="med" len="med"/>
-                    </a:lnR>
-                    <a:lnT w="38100" cmpd="sng">
-                      <a:noFill/>
-                    </a:lnT>
-                    <a:lnB w="12700" cmpd="sng">
-                      <a:noFill/>
-                    </a:lnB>
-                    <a:lnTlToBr w="12700" cmpd="sng">
-                      <a:noFill/>
-                      <a:prstDash val="solid"/>
-                    </a:lnTlToBr>
-                    <a:lnBlToTr w="12700" cmpd="sng">
-                      <a:noFill/>
-                      <a:prstDash val="solid"/>
-                    </a:lnBlToTr>
-                    <a:solidFill>
-                      <a:schemeClr val="accent1">
-                        <a:lumMod val="50000"/>
-                      </a:schemeClr>
-                    </a:solidFill>
-                  </a:tcPr>
-                </a:tc>
-                <a:tc>
-                  <a:txBody>
-                    <a:bodyPr/>
-                    <a:lstStyle/>
-                    <a:p>
-                      <a:pPr algn="r"/>
-                      <a:r>
-                        <a:rPr lang="en-ZA" sz="1600" dirty="0">
-                          <a:solidFill>
-                            <a:schemeClr val="tx1">
-                              <a:lumMod val="75000"/>
-                              <a:lumOff val="25000"/>
-                            </a:schemeClr>
-                          </a:solidFill>
-                        </a:rPr>
-                        <a:t>34</a:t>
-                      </a:r>
-                    </a:p>
-                  </a:txBody>
-                  <a:tcPr anchor="ctr">
-                    <a:lnL w="3175" cap="flat" cmpd="sng" algn="ctr">
-                      <a:solidFill>
-                        <a:schemeClr val="bg1">
-                          <a:lumMod val="75000"/>
-                        </a:schemeClr>
-                      </a:solidFill>
-                      <a:prstDash val="solid"/>
-                      <a:round/>
-                      <a:headEnd type="none" w="med" len="med"/>
-                      <a:tailEnd type="none" w="med" len="med"/>
-                    </a:lnL>
-                    <a:lnR w="3175" cap="flat" cmpd="sng" algn="ctr">
-                      <a:solidFill>
-                        <a:schemeClr val="bg1">
-                          <a:lumMod val="75000"/>
-                        </a:schemeClr>
-                      </a:solidFill>
-                      <a:prstDash val="solid"/>
-                      <a:round/>
-                      <a:headEnd type="none" w="med" len="med"/>
-                      <a:tailEnd type="none" w="med" len="med"/>
-                    </a:lnR>
-                    <a:lnT w="3175" cap="flat" cmpd="sng" algn="ctr">
-                      <a:solidFill>
-                        <a:schemeClr val="bg1">
-                          <a:lumMod val="75000"/>
-                        </a:schemeClr>
-                      </a:solidFill>
-                      <a:prstDash val="solid"/>
-                      <a:round/>
-                      <a:headEnd type="none" w="med" len="med"/>
-                      <a:tailEnd type="none" w="med" len="med"/>
-                    </a:lnT>
-                    <a:lnB w="3175" cap="flat" cmpd="sng" algn="ctr">
-                      <a:solidFill>
-                        <a:schemeClr val="bg1">
-                          <a:lumMod val="75000"/>
-                        </a:schemeClr>
-                      </a:solidFill>
-                      <a:prstDash val="solid"/>
-                      <a:round/>
-                      <a:headEnd type="none" w="med" len="med"/>
-                      <a:tailEnd type="none" w="med" len="med"/>
-                    </a:lnB>
-                    <a:lnTlToBr w="12700" cmpd="sng">
-                      <a:noFill/>
-                      <a:prstDash val="solid"/>
-                    </a:lnTlToBr>
-                    <a:lnBlToTr w="12700" cmpd="sng">
-                      <a:noFill/>
-                      <a:prstDash val="solid"/>
-                    </a:lnBlToTr>
-                    <a:solidFill>
-                      <a:schemeClr val="bg1">
-                        <a:lumMod val="95000"/>
-                      </a:schemeClr>
-                    </a:solidFill>
-                  </a:tcPr>
-                </a:tc>
-                <a:tc>
-                  <a:txBody>
-                    <a:bodyPr/>
-                    <a:lstStyle/>
-                    <a:p>
-                      <a:pPr algn="r"/>
-                      <a:r>
-                        <a:rPr lang="en-ZA" sz="1600" dirty="0">
-                          <a:solidFill>
-                            <a:schemeClr val="tx1">
-                              <a:lumMod val="75000"/>
-                              <a:lumOff val="25000"/>
-                            </a:schemeClr>
-                          </a:solidFill>
-                        </a:rPr>
-                        <a:t>21MB</a:t>
-                      </a:r>
-                    </a:p>
-                  </a:txBody>
-                  <a:tcPr anchor="ctr">
-                    <a:lnL w="3175" cap="flat" cmpd="sng" algn="ctr">
-                      <a:solidFill>
-                        <a:schemeClr val="bg1">
-                          <a:lumMod val="75000"/>
-                        </a:schemeClr>
-                      </a:solidFill>
-                      <a:prstDash val="solid"/>
-                      <a:round/>
-                      <a:headEnd type="none" w="med" len="med"/>
-                      <a:tailEnd type="none" w="med" len="med"/>
-                    </a:lnL>
-                    <a:lnR w="3175" cap="flat" cmpd="sng" algn="ctr">
-                      <a:solidFill>
-                        <a:schemeClr val="bg1">
-                          <a:lumMod val="75000"/>
-                        </a:schemeClr>
-                      </a:solidFill>
-                      <a:prstDash val="solid"/>
-                      <a:round/>
-                      <a:headEnd type="none" w="med" len="med"/>
-                      <a:tailEnd type="none" w="med" len="med"/>
-                    </a:lnR>
-                    <a:lnT w="3175" cap="flat" cmpd="sng" algn="ctr">
-                      <a:solidFill>
-                        <a:schemeClr val="bg1">
-                          <a:lumMod val="75000"/>
-                        </a:schemeClr>
-                      </a:solidFill>
-                      <a:prstDash val="solid"/>
-                      <a:round/>
-                      <a:headEnd type="none" w="med" len="med"/>
-                      <a:tailEnd type="none" w="med" len="med"/>
-                    </a:lnT>
-                    <a:lnB w="3175" cap="flat" cmpd="sng" algn="ctr">
-                      <a:solidFill>
-                        <a:schemeClr val="bg1">
-                          <a:lumMod val="75000"/>
-                        </a:schemeClr>
-                      </a:solidFill>
-                      <a:prstDash val="solid"/>
-                      <a:round/>
-                      <a:headEnd type="none" w="med" len="med"/>
-                      <a:tailEnd type="none" w="med" len="med"/>
-                    </a:lnB>
-                    <a:lnTlToBr w="12700" cmpd="sng">
-                      <a:noFill/>
-                      <a:prstDash val="solid"/>
-                    </a:lnTlToBr>
-                    <a:lnBlToTr w="12700" cmpd="sng">
-                      <a:noFill/>
-                      <a:prstDash val="solid"/>
-                    </a:lnBlToTr>
-                    <a:solidFill>
-                      <a:schemeClr val="bg1">
-                        <a:lumMod val="95000"/>
-                      </a:schemeClr>
-                    </a:solidFill>
-                  </a:tcPr>
-                </a:tc>
-                <a:tc>
-                  <a:txBody>
-                    <a:bodyPr/>
-                    <a:lstStyle/>
-                    <a:p>
-                      <a:pPr algn="r"/>
-                      <a:r>
-                        <a:rPr lang="en-ZA" sz="1600" dirty="0">
-                          <a:solidFill>
-                            <a:schemeClr val="tx1">
-                              <a:lumMod val="75000"/>
-                              <a:lumOff val="25000"/>
-                            </a:schemeClr>
-                          </a:solidFill>
-                        </a:rPr>
-                        <a:t>5</a:t>
-                      </a:r>
-                    </a:p>
-                  </a:txBody>
-                  <a:tcPr anchor="ctr">
-                    <a:lnL w="3175" cap="flat" cmpd="sng" algn="ctr">
-                      <a:solidFill>
-                        <a:schemeClr val="bg1">
-                          <a:lumMod val="75000"/>
-                        </a:schemeClr>
-                      </a:solidFill>
-                      <a:prstDash val="solid"/>
-                      <a:round/>
-                      <a:headEnd type="none" w="med" len="med"/>
-                      <a:tailEnd type="none" w="med" len="med"/>
-                    </a:lnL>
-                    <a:lnR w="3175" cap="flat" cmpd="sng" algn="ctr">
-                      <a:solidFill>
-                        <a:schemeClr val="bg1">
-                          <a:lumMod val="75000"/>
-                        </a:schemeClr>
-                      </a:solidFill>
-                      <a:prstDash val="solid"/>
-                      <a:round/>
-                      <a:headEnd type="none" w="med" len="med"/>
-                      <a:tailEnd type="none" w="med" len="med"/>
-                    </a:lnR>
-                    <a:lnT w="3175" cap="flat" cmpd="sng" algn="ctr">
-                      <a:solidFill>
-                        <a:schemeClr val="bg1">
-                          <a:lumMod val="75000"/>
-                        </a:schemeClr>
-                      </a:solidFill>
-                      <a:prstDash val="solid"/>
-                      <a:round/>
-                      <a:headEnd type="none" w="med" len="med"/>
-                      <a:tailEnd type="none" w="med" len="med"/>
-                    </a:lnT>
-                    <a:lnB w="3175" cap="flat" cmpd="sng" algn="ctr">
-                      <a:solidFill>
-                        <a:schemeClr val="bg1">
-                          <a:lumMod val="75000"/>
-                        </a:schemeClr>
-                      </a:solidFill>
-                      <a:prstDash val="solid"/>
-                      <a:round/>
-                      <a:headEnd type="none" w="med" len="med"/>
-                      <a:tailEnd type="none" w="med" len="med"/>
-                    </a:lnB>
-                    <a:lnTlToBr w="12700" cmpd="sng">
-                      <a:noFill/>
-                      <a:prstDash val="solid"/>
-                    </a:lnTlToBr>
-                    <a:lnBlToTr w="12700" cmpd="sng">
-                      <a:noFill/>
-                      <a:prstDash val="solid"/>
-                    </a:lnBlToTr>
-                    <a:solidFill>
-                      <a:schemeClr val="bg1">
-                        <a:lumMod val="85000"/>
-                      </a:schemeClr>
-                    </a:solidFill>
-                  </a:tcPr>
-                </a:tc>
-                <a:tc>
-                  <a:txBody>
-                    <a:bodyPr/>
-                    <a:lstStyle/>
-                    <a:p>
-                      <a:pPr algn="r"/>
-                      <a:r>
-                        <a:rPr lang="en-ZA" sz="1600" dirty="0">
-                          <a:solidFill>
-                            <a:schemeClr val="tx1">
-                              <a:lumMod val="75000"/>
-                              <a:lumOff val="25000"/>
-                            </a:schemeClr>
-                          </a:solidFill>
-                        </a:rPr>
-                        <a:t>5</a:t>
-                      </a:r>
-                    </a:p>
-                  </a:txBody>
-                  <a:tcPr anchor="ctr">
-                    <a:lnL w="3175" cap="flat" cmpd="sng" algn="ctr">
-                      <a:solidFill>
-                        <a:schemeClr val="bg1">
-                          <a:lumMod val="75000"/>
-                        </a:schemeClr>
-                      </a:solidFill>
-                      <a:prstDash val="solid"/>
-                      <a:round/>
-                      <a:headEnd type="none" w="med" len="med"/>
-                      <a:tailEnd type="none" w="med" len="med"/>
-                    </a:lnL>
-                    <a:lnR w="3175" cap="flat" cmpd="sng" algn="ctr">
-                      <a:solidFill>
-                        <a:schemeClr val="bg1">
-                          <a:lumMod val="75000"/>
-                        </a:schemeClr>
-                      </a:solidFill>
-                      <a:prstDash val="solid"/>
-                      <a:round/>
-                      <a:headEnd type="none" w="med" len="med"/>
-                      <a:tailEnd type="none" w="med" len="med"/>
-                    </a:lnR>
-                    <a:lnT w="3175" cap="flat" cmpd="sng" algn="ctr">
-                      <a:solidFill>
-                        <a:schemeClr val="bg1">
-                          <a:lumMod val="75000"/>
-                        </a:schemeClr>
-                      </a:solidFill>
-                      <a:prstDash val="solid"/>
-                      <a:round/>
-                      <a:headEnd type="none" w="med" len="med"/>
-                      <a:tailEnd type="none" w="med" len="med"/>
-                    </a:lnT>
-                    <a:lnB w="3175" cap="flat" cmpd="sng" algn="ctr">
-                      <a:solidFill>
-                        <a:schemeClr val="bg1">
-                          <a:lumMod val="75000"/>
-                        </a:schemeClr>
-                      </a:solidFill>
-                      <a:prstDash val="solid"/>
-                      <a:round/>
-                      <a:headEnd type="none" w="med" len="med"/>
-                      <a:tailEnd type="none" w="med" len="med"/>
-                    </a:lnB>
-                    <a:lnTlToBr w="12700" cmpd="sng">
-                      <a:noFill/>
-                      <a:prstDash val="solid"/>
-                    </a:lnTlToBr>
-                    <a:lnBlToTr w="12700" cmpd="sng">
-                      <a:noFill/>
-                      <a:prstDash val="solid"/>
-                    </a:lnBlToTr>
-                    <a:solidFill>
-                      <a:schemeClr val="bg1">
-                        <a:lumMod val="95000"/>
-                      </a:schemeClr>
-                    </a:solidFill>
-                  </a:tcPr>
-                </a:tc>
-                <a:extLst>
-                  <a:ext uri="{0D108BD9-81ED-4DB2-BD59-A6C34878D82A}">
-                    <a16:rowId xmlns:a16="http://schemas.microsoft.com/office/drawing/2014/main" val="3583495943"/>
-                  </a:ext>
-                </a:extLst>
-              </a:tr>
-              <a:tr h="749184">
-                <a:tc>
-                  <a:txBody>
-                    <a:bodyPr/>
-                    <a:lstStyle/>
-                    <a:p>
-                      <a:pPr algn="ctr"/>
-                      <a:r>
-                        <a:rPr lang="en-ZA" sz="1600" b="1" dirty="0"/>
-                        <a:t>5M</a:t>
-                      </a:r>
-                    </a:p>
-                  </a:txBody>
-                  <a:tcPr anchor="ctr">
-                    <a:lnL w="12700" cmpd="sng">
-                      <a:noFill/>
-                    </a:lnL>
-                    <a:lnR w="3175" cap="flat" cmpd="sng" algn="ctr">
-                      <a:solidFill>
-                        <a:schemeClr val="bg1">
-                          <a:lumMod val="75000"/>
-                        </a:schemeClr>
-                      </a:solidFill>
-                      <a:prstDash val="solid"/>
-                      <a:round/>
-                      <a:headEnd type="none" w="med" len="med"/>
-                      <a:tailEnd type="none" w="med" len="med"/>
-                    </a:lnR>
-                    <a:lnT w="12700" cmpd="sng">
-                      <a:noFill/>
-                    </a:lnT>
-                    <a:lnB w="12700" cmpd="sng">
-                      <a:noFill/>
-                    </a:lnB>
-                    <a:lnTlToBr w="12700" cmpd="sng">
-                      <a:noFill/>
-                      <a:prstDash val="solid"/>
-                    </a:lnTlToBr>
-                    <a:lnBlToTr w="12700" cmpd="sng">
-                      <a:noFill/>
-                      <a:prstDash val="solid"/>
-                    </a:lnBlToTr>
-                    <a:solidFill>
-                      <a:schemeClr val="accent1">
-                        <a:lumMod val="50000"/>
-                      </a:schemeClr>
-                    </a:solidFill>
-                  </a:tcPr>
-                </a:tc>
-                <a:tc>
-                  <a:txBody>
-                    <a:bodyPr/>
-                    <a:lstStyle/>
-                    <a:p>
-                      <a:pPr algn="r"/>
-                      <a:r>
-                        <a:rPr lang="en-ZA" sz="1600" dirty="0">
-                          <a:solidFill>
-                            <a:schemeClr val="tx1">
-                              <a:lumMod val="75000"/>
-                              <a:lumOff val="25000"/>
-                            </a:schemeClr>
-                          </a:solidFill>
-                        </a:rPr>
-                        <a:t>101</a:t>
-                      </a:r>
-                    </a:p>
-                  </a:txBody>
-                  <a:tcPr anchor="ctr">
-                    <a:lnL w="3175" cap="flat" cmpd="sng" algn="ctr">
-                      <a:solidFill>
-                        <a:schemeClr val="bg1">
-                          <a:lumMod val="75000"/>
-                        </a:schemeClr>
-                      </a:solidFill>
-                      <a:prstDash val="solid"/>
-                      <a:round/>
-                      <a:headEnd type="none" w="med" len="med"/>
-                      <a:tailEnd type="none" w="med" len="med"/>
-                    </a:lnL>
-                    <a:lnR w="3175" cap="flat" cmpd="sng" algn="ctr">
-                      <a:solidFill>
-                        <a:schemeClr val="bg1">
-                          <a:lumMod val="75000"/>
-                        </a:schemeClr>
-                      </a:solidFill>
-                      <a:prstDash val="solid"/>
-                      <a:round/>
-                      <a:headEnd type="none" w="med" len="med"/>
-                      <a:tailEnd type="none" w="med" len="med"/>
-                    </a:lnR>
-                    <a:lnT w="3175" cap="flat" cmpd="sng" algn="ctr">
-                      <a:solidFill>
-                        <a:schemeClr val="bg1">
-                          <a:lumMod val="75000"/>
-                        </a:schemeClr>
-                      </a:solidFill>
-                      <a:prstDash val="solid"/>
-                      <a:round/>
-                      <a:headEnd type="none" w="med" len="med"/>
-                      <a:tailEnd type="none" w="med" len="med"/>
-                    </a:lnT>
-                    <a:lnB w="3175" cap="flat" cmpd="sng" algn="ctr">
-                      <a:solidFill>
-                        <a:schemeClr val="bg1">
-                          <a:lumMod val="75000"/>
-                        </a:schemeClr>
-                      </a:solidFill>
-                      <a:prstDash val="solid"/>
-                      <a:round/>
-                      <a:headEnd type="none" w="med" len="med"/>
-                      <a:tailEnd type="none" w="med" len="med"/>
-                    </a:lnB>
-                    <a:lnTlToBr w="12700" cmpd="sng">
-                      <a:noFill/>
-                      <a:prstDash val="solid"/>
-                    </a:lnTlToBr>
-                    <a:lnBlToTr w="12700" cmpd="sng">
-                      <a:noFill/>
-                      <a:prstDash val="solid"/>
-                    </a:lnBlToTr>
-                    <a:solidFill>
-                      <a:schemeClr val="bg1">
-                        <a:lumMod val="95000"/>
-                      </a:schemeClr>
-                    </a:solidFill>
-                  </a:tcPr>
-                </a:tc>
-                <a:tc>
-                  <a:txBody>
-                    <a:bodyPr/>
-                    <a:lstStyle/>
-                    <a:p>
-                      <a:pPr algn="r"/>
-                      <a:r>
-                        <a:rPr lang="en-ZA" sz="1600" dirty="0">
-                          <a:solidFill>
-                            <a:schemeClr val="tx1">
-                              <a:lumMod val="75000"/>
-                              <a:lumOff val="25000"/>
-                            </a:schemeClr>
-                          </a:solidFill>
-                        </a:rPr>
-                        <a:t>103MB</a:t>
-                      </a:r>
-                    </a:p>
-                  </a:txBody>
-                  <a:tcPr anchor="ctr">
-                    <a:lnL w="3175" cap="flat" cmpd="sng" algn="ctr">
-                      <a:solidFill>
-                        <a:schemeClr val="bg1">
-                          <a:lumMod val="75000"/>
-                        </a:schemeClr>
-                      </a:solidFill>
-                      <a:prstDash val="solid"/>
-                      <a:round/>
-                      <a:headEnd type="none" w="med" len="med"/>
-                      <a:tailEnd type="none" w="med" len="med"/>
-                    </a:lnL>
-                    <a:lnR w="3175" cap="flat" cmpd="sng" algn="ctr">
-                      <a:solidFill>
-                        <a:schemeClr val="bg1">
-                          <a:lumMod val="75000"/>
-                        </a:schemeClr>
-                      </a:solidFill>
-                      <a:prstDash val="solid"/>
-                      <a:round/>
-                      <a:headEnd type="none" w="med" len="med"/>
-                      <a:tailEnd type="none" w="med" len="med"/>
-                    </a:lnR>
-                    <a:lnT w="3175" cap="flat" cmpd="sng" algn="ctr">
-                      <a:solidFill>
-                        <a:schemeClr val="bg1">
-                          <a:lumMod val="75000"/>
-                        </a:schemeClr>
-                      </a:solidFill>
-                      <a:prstDash val="solid"/>
-                      <a:round/>
-                      <a:headEnd type="none" w="med" len="med"/>
-                      <a:tailEnd type="none" w="med" len="med"/>
-                    </a:lnT>
-                    <a:lnB w="3175" cap="flat" cmpd="sng" algn="ctr">
-                      <a:solidFill>
-                        <a:schemeClr val="bg1">
-                          <a:lumMod val="75000"/>
-                        </a:schemeClr>
-                      </a:solidFill>
-                      <a:prstDash val="solid"/>
-                      <a:round/>
-                      <a:headEnd type="none" w="med" len="med"/>
-                      <a:tailEnd type="none" w="med" len="med"/>
-                    </a:lnB>
-                    <a:lnTlToBr w="12700" cmpd="sng">
-                      <a:noFill/>
-                      <a:prstDash val="solid"/>
-                    </a:lnTlToBr>
-                    <a:lnBlToTr w="12700" cmpd="sng">
-                      <a:noFill/>
-                      <a:prstDash val="solid"/>
-                    </a:lnBlToTr>
-                    <a:solidFill>
-                      <a:schemeClr val="bg1">
-                        <a:lumMod val="95000"/>
-                      </a:schemeClr>
-                    </a:solidFill>
-                  </a:tcPr>
-                </a:tc>
-                <a:tc>
-                  <a:txBody>
-                    <a:bodyPr/>
-                    <a:lstStyle/>
-                    <a:p>
-                      <a:pPr algn="r"/>
-                      <a:r>
-                        <a:rPr lang="en-ZA" sz="1600" dirty="0">
-                          <a:solidFill>
-                            <a:schemeClr val="tx1">
-                              <a:lumMod val="75000"/>
-                              <a:lumOff val="25000"/>
-                            </a:schemeClr>
-                          </a:solidFill>
-                        </a:rPr>
-                        <a:t>5</a:t>
-                      </a:r>
-                    </a:p>
-                  </a:txBody>
-                  <a:tcPr anchor="ctr">
-                    <a:lnL w="3175" cap="flat" cmpd="sng" algn="ctr">
-                      <a:solidFill>
-                        <a:schemeClr val="bg1">
-                          <a:lumMod val="75000"/>
-                        </a:schemeClr>
-                      </a:solidFill>
-                      <a:prstDash val="solid"/>
-                      <a:round/>
-                      <a:headEnd type="none" w="med" len="med"/>
-                      <a:tailEnd type="none" w="med" len="med"/>
-                    </a:lnL>
-                    <a:lnR w="3175" cap="flat" cmpd="sng" algn="ctr">
-                      <a:solidFill>
-                        <a:schemeClr val="bg1">
-                          <a:lumMod val="75000"/>
-                        </a:schemeClr>
-                      </a:solidFill>
-                      <a:prstDash val="solid"/>
-                      <a:round/>
-                      <a:headEnd type="none" w="med" len="med"/>
-                      <a:tailEnd type="none" w="med" len="med"/>
-                    </a:lnR>
-                    <a:lnT w="3175" cap="flat" cmpd="sng" algn="ctr">
-                      <a:solidFill>
-                        <a:schemeClr val="bg1">
-                          <a:lumMod val="75000"/>
-                        </a:schemeClr>
-                      </a:solidFill>
-                      <a:prstDash val="solid"/>
-                      <a:round/>
-                      <a:headEnd type="none" w="med" len="med"/>
-                      <a:tailEnd type="none" w="med" len="med"/>
-                    </a:lnT>
-                    <a:lnB w="3175" cap="flat" cmpd="sng" algn="ctr">
-                      <a:solidFill>
-                        <a:schemeClr val="bg1">
-                          <a:lumMod val="75000"/>
-                        </a:schemeClr>
-                      </a:solidFill>
-                      <a:prstDash val="solid"/>
-                      <a:round/>
-                      <a:headEnd type="none" w="med" len="med"/>
-                      <a:tailEnd type="none" w="med" len="med"/>
-                    </a:lnB>
-                    <a:lnTlToBr w="12700" cmpd="sng">
-                      <a:noFill/>
-                      <a:prstDash val="solid"/>
-                    </a:lnTlToBr>
-                    <a:lnBlToTr w="12700" cmpd="sng">
-                      <a:noFill/>
-                      <a:prstDash val="solid"/>
-                    </a:lnBlToTr>
-                    <a:solidFill>
-                      <a:schemeClr val="bg1">
-                        <a:lumMod val="85000"/>
-                      </a:schemeClr>
-                    </a:solidFill>
-                  </a:tcPr>
-                </a:tc>
-                <a:tc>
-                  <a:txBody>
-                    <a:bodyPr/>
-                    <a:lstStyle/>
-                    <a:p>
-                      <a:pPr algn="r"/>
-                      <a:r>
-                        <a:rPr lang="en-ZA" sz="1600" dirty="0">
-                          <a:solidFill>
-                            <a:schemeClr val="tx1">
-                              <a:lumMod val="75000"/>
-                              <a:lumOff val="25000"/>
-                            </a:schemeClr>
-                          </a:solidFill>
-                        </a:rPr>
-                        <a:t>5</a:t>
-                      </a:r>
-                    </a:p>
-                  </a:txBody>
-                  <a:tcPr anchor="ctr">
-                    <a:lnL w="3175" cap="flat" cmpd="sng" algn="ctr">
-                      <a:solidFill>
-                        <a:schemeClr val="bg1">
-                          <a:lumMod val="75000"/>
-                        </a:schemeClr>
-                      </a:solidFill>
-                      <a:prstDash val="solid"/>
-                      <a:round/>
-                      <a:headEnd type="none" w="med" len="med"/>
-                      <a:tailEnd type="none" w="med" len="med"/>
-                    </a:lnL>
-                    <a:lnR w="3175" cap="flat" cmpd="sng" algn="ctr">
-                      <a:solidFill>
-                        <a:schemeClr val="bg1">
-                          <a:lumMod val="75000"/>
-                        </a:schemeClr>
-                      </a:solidFill>
-                      <a:prstDash val="solid"/>
-                      <a:round/>
-                      <a:headEnd type="none" w="med" len="med"/>
-                      <a:tailEnd type="none" w="med" len="med"/>
-                    </a:lnR>
-                    <a:lnT w="3175" cap="flat" cmpd="sng" algn="ctr">
-                      <a:solidFill>
-                        <a:schemeClr val="bg1">
-                          <a:lumMod val="75000"/>
-                        </a:schemeClr>
-                      </a:solidFill>
-                      <a:prstDash val="solid"/>
-                      <a:round/>
-                      <a:headEnd type="none" w="med" len="med"/>
-                      <a:tailEnd type="none" w="med" len="med"/>
-                    </a:lnT>
-                    <a:lnB w="3175" cap="flat" cmpd="sng" algn="ctr">
-                      <a:solidFill>
-                        <a:schemeClr val="bg1">
-                          <a:lumMod val="75000"/>
-                        </a:schemeClr>
-                      </a:solidFill>
-                      <a:prstDash val="solid"/>
-                      <a:round/>
-                      <a:headEnd type="none" w="med" len="med"/>
-                      <a:tailEnd type="none" w="med" len="med"/>
-                    </a:lnB>
-                    <a:lnTlToBr w="12700" cmpd="sng">
-                      <a:noFill/>
-                      <a:prstDash val="solid"/>
-                    </a:lnTlToBr>
-                    <a:lnBlToTr w="12700" cmpd="sng">
-                      <a:noFill/>
-                      <a:prstDash val="solid"/>
-                    </a:lnBlToTr>
-                    <a:solidFill>
-                      <a:schemeClr val="bg1">
-                        <a:lumMod val="95000"/>
-                      </a:schemeClr>
-                    </a:solidFill>
-                  </a:tcPr>
-                </a:tc>
-                <a:extLst>
-                  <a:ext uri="{0D108BD9-81ED-4DB2-BD59-A6C34878D82A}">
-                    <a16:rowId xmlns:a16="http://schemas.microsoft.com/office/drawing/2014/main" val="2912132828"/>
-                  </a:ext>
-                </a:extLst>
-              </a:tr>
-              <a:tr h="749184">
-                <a:tc>
-                  <a:txBody>
-                    <a:bodyPr/>
-                    <a:lstStyle/>
-                    <a:p>
-                      <a:pPr algn="ctr"/>
-                      <a:r>
-                        <a:rPr lang="en-ZA" sz="1600" b="1" dirty="0"/>
-                        <a:t>10M</a:t>
-                      </a:r>
-                    </a:p>
-                  </a:txBody>
-                  <a:tcPr anchor="ctr">
-                    <a:lnL w="12700" cmpd="sng">
-                      <a:noFill/>
-                    </a:lnL>
-                    <a:lnR w="3175" cap="flat" cmpd="sng" algn="ctr">
-                      <a:solidFill>
-                        <a:schemeClr val="bg1">
-                          <a:lumMod val="75000"/>
-                        </a:schemeClr>
-                      </a:solidFill>
-                      <a:prstDash val="solid"/>
-                      <a:round/>
-                      <a:headEnd type="none" w="med" len="med"/>
-                      <a:tailEnd type="none" w="med" len="med"/>
-                    </a:lnR>
-                    <a:lnT w="12700" cmpd="sng">
-                      <a:noFill/>
-                    </a:lnT>
-                    <a:lnB w="12700" cmpd="sng">
-                      <a:noFill/>
-                    </a:lnB>
-                    <a:lnTlToBr w="12700" cmpd="sng">
-                      <a:noFill/>
-                      <a:prstDash val="solid"/>
-                    </a:lnTlToBr>
-                    <a:lnBlToTr w="12700" cmpd="sng">
-                      <a:noFill/>
-                      <a:prstDash val="solid"/>
-                    </a:lnBlToTr>
-                    <a:solidFill>
-                      <a:schemeClr val="accent1">
-                        <a:lumMod val="50000"/>
-                      </a:schemeClr>
-                    </a:solidFill>
-                  </a:tcPr>
-                </a:tc>
-                <a:tc>
-                  <a:txBody>
-                    <a:bodyPr/>
-                    <a:lstStyle/>
-                    <a:p>
-                      <a:pPr algn="r"/>
-                      <a:r>
-                        <a:rPr lang="en-ZA" sz="1600" dirty="0">
-                          <a:solidFill>
-                            <a:schemeClr val="tx1">
-                              <a:lumMod val="75000"/>
-                              <a:lumOff val="25000"/>
-                            </a:schemeClr>
-                          </a:solidFill>
-                        </a:rPr>
-                        <a:t>212</a:t>
-                      </a:r>
-                    </a:p>
-                  </a:txBody>
-                  <a:tcPr anchor="ctr">
-                    <a:lnL w="3175" cap="flat" cmpd="sng" algn="ctr">
-                      <a:solidFill>
-                        <a:schemeClr val="bg1">
-                          <a:lumMod val="75000"/>
-                        </a:schemeClr>
-                      </a:solidFill>
-                      <a:prstDash val="solid"/>
-                      <a:round/>
-                      <a:headEnd type="none" w="med" len="med"/>
-                      <a:tailEnd type="none" w="med" len="med"/>
-                    </a:lnL>
-                    <a:lnR w="3175" cap="flat" cmpd="sng" algn="ctr">
-                      <a:solidFill>
-                        <a:schemeClr val="bg1">
-                          <a:lumMod val="75000"/>
-                        </a:schemeClr>
-                      </a:solidFill>
-                      <a:prstDash val="solid"/>
-                      <a:round/>
-                      <a:headEnd type="none" w="med" len="med"/>
-                      <a:tailEnd type="none" w="med" len="med"/>
-                    </a:lnR>
-                    <a:lnT w="3175" cap="flat" cmpd="sng" algn="ctr">
-                      <a:solidFill>
-                        <a:schemeClr val="bg1">
-                          <a:lumMod val="75000"/>
-                        </a:schemeClr>
-                      </a:solidFill>
-                      <a:prstDash val="solid"/>
-                      <a:round/>
-                      <a:headEnd type="none" w="med" len="med"/>
-                      <a:tailEnd type="none" w="med" len="med"/>
-                    </a:lnT>
-                    <a:lnB w="3175" cap="flat" cmpd="sng" algn="ctr">
-                      <a:solidFill>
-                        <a:schemeClr val="bg1">
-                          <a:lumMod val="75000"/>
-                        </a:schemeClr>
-                      </a:solidFill>
-                      <a:prstDash val="solid"/>
-                      <a:round/>
-                      <a:headEnd type="none" w="med" len="med"/>
-                      <a:tailEnd type="none" w="med" len="med"/>
-                    </a:lnB>
-                    <a:lnTlToBr w="12700" cmpd="sng">
-                      <a:noFill/>
-                      <a:prstDash val="solid"/>
-                    </a:lnTlToBr>
-                    <a:lnBlToTr w="12700" cmpd="sng">
-                      <a:noFill/>
-                      <a:prstDash val="solid"/>
-                    </a:lnBlToTr>
-                    <a:solidFill>
-                      <a:schemeClr val="bg1">
-                        <a:lumMod val="95000"/>
-                      </a:schemeClr>
-                    </a:solidFill>
-                  </a:tcPr>
-                </a:tc>
-                <a:tc>
-                  <a:txBody>
-                    <a:bodyPr/>
-                    <a:lstStyle/>
-                    <a:p>
-                      <a:pPr algn="r"/>
-                      <a:r>
-                        <a:rPr lang="en-ZA" sz="1600" dirty="0">
-                          <a:solidFill>
-                            <a:schemeClr val="tx1">
-                              <a:lumMod val="75000"/>
-                              <a:lumOff val="25000"/>
-                            </a:schemeClr>
-                          </a:solidFill>
-                        </a:rPr>
-                        <a:t>206MB</a:t>
-                      </a:r>
-                    </a:p>
-                  </a:txBody>
-                  <a:tcPr anchor="ctr">
-                    <a:lnL w="3175" cap="flat" cmpd="sng" algn="ctr">
-                      <a:solidFill>
-                        <a:schemeClr val="bg1">
-                          <a:lumMod val="75000"/>
-                        </a:schemeClr>
-                      </a:solidFill>
-                      <a:prstDash val="solid"/>
-                      <a:round/>
-                      <a:headEnd type="none" w="med" len="med"/>
-                      <a:tailEnd type="none" w="med" len="med"/>
-                    </a:lnL>
-                    <a:lnR w="3175" cap="flat" cmpd="sng" algn="ctr">
-                      <a:solidFill>
-                        <a:schemeClr val="bg1">
-                          <a:lumMod val="75000"/>
-                        </a:schemeClr>
-                      </a:solidFill>
-                      <a:prstDash val="solid"/>
-                      <a:round/>
-                      <a:headEnd type="none" w="med" len="med"/>
-                      <a:tailEnd type="none" w="med" len="med"/>
-                    </a:lnR>
-                    <a:lnT w="3175" cap="flat" cmpd="sng" algn="ctr">
-                      <a:solidFill>
-                        <a:schemeClr val="bg1">
-                          <a:lumMod val="75000"/>
-                        </a:schemeClr>
-                      </a:solidFill>
-                      <a:prstDash val="solid"/>
-                      <a:round/>
-                      <a:headEnd type="none" w="med" len="med"/>
-                      <a:tailEnd type="none" w="med" len="med"/>
-                    </a:lnT>
-                    <a:lnB w="3175" cap="flat" cmpd="sng" algn="ctr">
-                      <a:solidFill>
-                        <a:schemeClr val="bg1">
-                          <a:lumMod val="75000"/>
-                        </a:schemeClr>
-                      </a:solidFill>
-                      <a:prstDash val="solid"/>
-                      <a:round/>
-                      <a:headEnd type="none" w="med" len="med"/>
-                      <a:tailEnd type="none" w="med" len="med"/>
-                    </a:lnB>
-                    <a:lnTlToBr w="12700" cmpd="sng">
-                      <a:noFill/>
-                      <a:prstDash val="solid"/>
-                    </a:lnTlToBr>
-                    <a:lnBlToTr w="12700" cmpd="sng">
-                      <a:noFill/>
-                      <a:prstDash val="solid"/>
-                    </a:lnBlToTr>
-                    <a:solidFill>
-                      <a:schemeClr val="bg1">
-                        <a:lumMod val="95000"/>
-                      </a:schemeClr>
-                    </a:solidFill>
-                  </a:tcPr>
-                </a:tc>
-                <a:tc>
-                  <a:txBody>
-                    <a:bodyPr/>
-                    <a:lstStyle/>
-                    <a:p>
-                      <a:pPr algn="r"/>
-                      <a:r>
-                        <a:rPr lang="en-ZA" sz="1600" dirty="0">
-                          <a:solidFill>
-                            <a:schemeClr val="tx1">
-                              <a:lumMod val="75000"/>
-                              <a:lumOff val="25000"/>
-                            </a:schemeClr>
-                          </a:solidFill>
-                        </a:rPr>
-                        <a:t>5</a:t>
-                      </a:r>
-                    </a:p>
-                  </a:txBody>
-                  <a:tcPr anchor="ctr">
-                    <a:lnL w="3175" cap="flat" cmpd="sng" algn="ctr">
-                      <a:solidFill>
-                        <a:schemeClr val="bg1">
-                          <a:lumMod val="75000"/>
-                        </a:schemeClr>
-                      </a:solidFill>
-                      <a:prstDash val="solid"/>
-                      <a:round/>
-                      <a:headEnd type="none" w="med" len="med"/>
-                      <a:tailEnd type="none" w="med" len="med"/>
-                    </a:lnL>
-                    <a:lnR w="3175" cap="flat" cmpd="sng" algn="ctr">
-                      <a:solidFill>
-                        <a:schemeClr val="bg1">
-                          <a:lumMod val="75000"/>
-                        </a:schemeClr>
-                      </a:solidFill>
-                      <a:prstDash val="solid"/>
-                      <a:round/>
-                      <a:headEnd type="none" w="med" len="med"/>
-                      <a:tailEnd type="none" w="med" len="med"/>
-                    </a:lnR>
-                    <a:lnT w="3175" cap="flat" cmpd="sng" algn="ctr">
-                      <a:solidFill>
-                        <a:schemeClr val="bg1">
-                          <a:lumMod val="75000"/>
-                        </a:schemeClr>
-                      </a:solidFill>
-                      <a:prstDash val="solid"/>
-                      <a:round/>
-                      <a:headEnd type="none" w="med" len="med"/>
-                      <a:tailEnd type="none" w="med" len="med"/>
-                    </a:lnT>
-                    <a:lnB w="3175" cap="flat" cmpd="sng" algn="ctr">
-                      <a:solidFill>
-                        <a:schemeClr val="bg1">
-                          <a:lumMod val="75000"/>
-                        </a:schemeClr>
-                      </a:solidFill>
-                      <a:prstDash val="solid"/>
-                      <a:round/>
-                      <a:headEnd type="none" w="med" len="med"/>
-                      <a:tailEnd type="none" w="med" len="med"/>
-                    </a:lnB>
-                    <a:lnTlToBr w="12700" cmpd="sng">
-                      <a:noFill/>
-                      <a:prstDash val="solid"/>
-                    </a:lnTlToBr>
-                    <a:lnBlToTr w="12700" cmpd="sng">
-                      <a:noFill/>
-                      <a:prstDash val="solid"/>
-                    </a:lnBlToTr>
-                    <a:solidFill>
-                      <a:schemeClr val="bg1">
-                        <a:lumMod val="85000"/>
-                      </a:schemeClr>
-                    </a:solidFill>
-                  </a:tcPr>
-                </a:tc>
-                <a:tc>
-                  <a:txBody>
-                    <a:bodyPr/>
-                    <a:lstStyle/>
-                    <a:p>
-                      <a:pPr algn="r"/>
-                      <a:r>
-                        <a:rPr lang="en-ZA" sz="1600" dirty="0">
-                          <a:solidFill>
-                            <a:schemeClr val="tx1">
-                              <a:lumMod val="75000"/>
-                              <a:lumOff val="25000"/>
-                            </a:schemeClr>
-                          </a:solidFill>
-                        </a:rPr>
-                        <a:t>5</a:t>
-                      </a:r>
-                    </a:p>
-                  </a:txBody>
-                  <a:tcPr anchor="ctr">
-                    <a:lnL w="3175" cap="flat" cmpd="sng" algn="ctr">
-                      <a:solidFill>
-                        <a:schemeClr val="bg1">
-                          <a:lumMod val="75000"/>
-                        </a:schemeClr>
-                      </a:solidFill>
-                      <a:prstDash val="solid"/>
-                      <a:round/>
-                      <a:headEnd type="none" w="med" len="med"/>
-                      <a:tailEnd type="none" w="med" len="med"/>
-                    </a:lnL>
-                    <a:lnR w="3175" cap="flat" cmpd="sng" algn="ctr">
-                      <a:solidFill>
-                        <a:schemeClr val="bg1">
-                          <a:lumMod val="75000"/>
-                        </a:schemeClr>
-                      </a:solidFill>
-                      <a:prstDash val="solid"/>
-                      <a:round/>
-                      <a:headEnd type="none" w="med" len="med"/>
-                      <a:tailEnd type="none" w="med" len="med"/>
-                    </a:lnR>
-                    <a:lnT w="3175" cap="flat" cmpd="sng" algn="ctr">
-                      <a:solidFill>
-                        <a:schemeClr val="bg1">
-                          <a:lumMod val="75000"/>
-                        </a:schemeClr>
-                      </a:solidFill>
-                      <a:prstDash val="solid"/>
-                      <a:round/>
-                      <a:headEnd type="none" w="med" len="med"/>
-                      <a:tailEnd type="none" w="med" len="med"/>
-                    </a:lnT>
-                    <a:lnB w="3175" cap="flat" cmpd="sng" algn="ctr">
-                      <a:solidFill>
-                        <a:schemeClr val="bg1">
-                          <a:lumMod val="75000"/>
-                        </a:schemeClr>
-                      </a:solidFill>
-                      <a:prstDash val="solid"/>
-                      <a:round/>
-                      <a:headEnd type="none" w="med" len="med"/>
-                      <a:tailEnd type="none" w="med" len="med"/>
-                    </a:lnB>
-                    <a:lnTlToBr w="12700" cmpd="sng">
-                      <a:noFill/>
-                      <a:prstDash val="solid"/>
-                    </a:lnTlToBr>
-                    <a:lnBlToTr w="12700" cmpd="sng">
-                      <a:noFill/>
-                      <a:prstDash val="solid"/>
-                    </a:lnBlToTr>
-                    <a:solidFill>
-                      <a:schemeClr val="bg1">
-                        <a:lumMod val="95000"/>
-                      </a:schemeClr>
-                    </a:solidFill>
-                  </a:tcPr>
-                </a:tc>
-                <a:extLst>
-                  <a:ext uri="{0D108BD9-81ED-4DB2-BD59-A6C34878D82A}">
                     <a16:rowId xmlns:a16="http://schemas.microsoft.com/office/drawing/2014/main" val="1094300830"/>
                   </a:ext>
                 </a:extLst>
@@ -25586,7 +25607,7 @@
           <p:nvPr>
             <p:extLst>
               <p:ext uri="{D42A27DB-BD31-4B8C-83A1-F6EECF244321}">
-                <p14:modId xmlns:p14="http://schemas.microsoft.com/office/powerpoint/2010/main" val="115481354"/>
+                <p14:modId xmlns:p14="http://schemas.microsoft.com/office/powerpoint/2010/main" val="985492996"/>
               </p:ext>
             </p:extLst>
           </p:nvPr>
@@ -25627,7 +25648,7 @@
               <a:pPr/>
               <a:t>11</a:t>
             </a:fld>
-            <a:endParaRPr lang="en-US" dirty="0"/>
+            <a:endParaRPr lang="en-US"/>
           </a:p>
         </p:txBody>
       </p:sp>
@@ -25770,7 +25791,7 @@
           <a:lstStyle/>
           <a:p>
             <a:r>
-              <a:rPr lang="en-US" dirty="0"/>
+              <a:rPr lang="en-US"/>
               <a:t>Summary</a:t>
             </a:r>
           </a:p>
@@ -25859,7 +25880,7 @@
               <a:pPr/>
               <a:t>12</a:t>
             </a:fld>
-            <a:endParaRPr lang="en-US" dirty="0"/>
+            <a:endParaRPr lang="en-US"/>
           </a:p>
         </p:txBody>
       </p:sp>
@@ -25919,7 +25940,7 @@
         </p:nvSpPr>
         <p:spPr>
           <a:xfrm>
-            <a:off x="432000" y="1430593"/>
+            <a:off x="432000" y="1391264"/>
             <a:ext cx="4416225" cy="2112022"/>
           </a:xfrm>
         </p:spPr>
@@ -25928,13 +25949,13 @@
           <a:lstStyle/>
           <a:p>
             <a:r>
-              <a:rPr lang="en-US"/>
+              <a:rPr lang="en-US" dirty="0"/>
               <a:t>Many geospatial algorithms can be implemented in scalable fashion</a:t>
             </a:r>
           </a:p>
           <a:p>
             <a:r>
-              <a:rPr lang="en-US"/>
+              <a:rPr lang="en-US" dirty="0"/>
               <a:t>Many Approximation algorithms are still need to be evolve to implement in scalable fashion</a:t>
             </a:r>
           </a:p>
@@ -26219,7 +26240,7 @@
           <a:lstStyle/>
           <a:p>
             <a:pPr algn="ctr"/>
-            <a:endParaRPr lang="en-US" dirty="0"/>
+            <a:endParaRPr lang="en-US"/>
           </a:p>
         </p:txBody>
       </p:sp>
@@ -26245,7 +26266,7 @@
           <a:lstStyle/>
           <a:p>
             <a:r>
-              <a:rPr lang="en-US" dirty="0"/>
+              <a:rPr lang="en-US"/>
               <a:t>Thank You</a:t>
             </a:r>
           </a:p>
@@ -26406,7 +26427,7 @@
           <a:lstStyle/>
           <a:p>
             <a:r>
-              <a:rPr lang="en-US" dirty="0"/>
+              <a:rPr lang="en-US"/>
               <a:t>Introduction</a:t>
             </a:r>
           </a:p>
@@ -26496,7 +26517,7 @@
           <a:lstStyle/>
           <a:p>
             <a:r>
-              <a:rPr lang="en-US" dirty="0"/>
+              <a:rPr lang="en-US"/>
               <a:t>The algorithms implemented.</a:t>
             </a:r>
           </a:p>
@@ -26528,7 +26549,7 @@
               <a:pPr/>
               <a:t>2</a:t>
             </a:fld>
-            <a:endParaRPr lang="en-US" dirty="0"/>
+            <a:endParaRPr lang="en-US"/>
           </a:p>
         </p:txBody>
       </p:sp>
@@ -26562,7 +26583,7 @@
               <a:buNone/>
             </a:pPr>
             <a:r>
-              <a:rPr lang="en-US" sz="3200" dirty="0">
+              <a:rPr lang="en-US" sz="3200">
                 <a:solidFill>
                   <a:schemeClr val="tx1">
                     <a:lumMod val="75000"/>
@@ -26578,7 +26599,7 @@
               <a:buNone/>
             </a:pPr>
             <a:r>
-              <a:rPr lang="en-US" dirty="0"/>
+              <a:rPr lang="en-US"/>
               <a:t>Geometric algorithms are used in many spatial query.</a:t>
             </a:r>
           </a:p>
@@ -26587,7 +26608,7 @@
               <a:buNone/>
             </a:pPr>
             <a:r>
-              <a:rPr lang="en-US" dirty="0"/>
+              <a:rPr lang="en-US"/>
               <a:t>Main use cases:</a:t>
             </a:r>
           </a:p>
@@ -26596,7 +26617,7 @@
               <a:buNone/>
             </a:pPr>
             <a:r>
-              <a:rPr lang="en-US" dirty="0"/>
+              <a:rPr lang="en-US"/>
               <a:t>Getting minimum distance between some objects in map.</a:t>
             </a:r>
           </a:p>
@@ -26605,7 +26626,7 @@
               <a:buNone/>
             </a:pPr>
             <a:r>
-              <a:rPr lang="en-US" dirty="0"/>
+              <a:rPr lang="en-US"/>
               <a:t>Getting data points in a query range in 2D map.</a:t>
             </a:r>
           </a:p>
@@ -26614,7 +26635,7 @@
               <a:buNone/>
             </a:pPr>
             <a:r>
-              <a:rPr lang="en-US" dirty="0"/>
+              <a:rPr lang="en-US"/>
               <a:t>Getting dominating points in data set.</a:t>
             </a:r>
           </a:p>
@@ -26718,7 +26739,7 @@
           <a:lstStyle/>
           <a:p>
             <a:r>
-              <a:rPr lang="en-US" dirty="0"/>
+              <a:rPr lang="en-US"/>
               <a:t>Introduction</a:t>
             </a:r>
           </a:p>
@@ -26808,7 +26829,7 @@
           <a:lstStyle/>
           <a:p>
             <a:r>
-              <a:rPr lang="en-US" dirty="0"/>
+              <a:rPr lang="en-US"/>
               <a:t>The algorithms implemented.</a:t>
             </a:r>
           </a:p>
@@ -26840,7 +26861,7 @@
               <a:pPr/>
               <a:t>3</a:t>
             </a:fld>
-            <a:endParaRPr lang="en-US" dirty="0"/>
+            <a:endParaRPr lang="en-US"/>
           </a:p>
         </p:txBody>
       </p:sp>
@@ -26874,7 +26895,7 @@
               <a:buNone/>
             </a:pPr>
             <a:r>
-              <a:rPr lang="en-US" sz="3200" dirty="0">
+              <a:rPr lang="en-US" sz="3200">
                 <a:solidFill>
                   <a:schemeClr val="tx1">
                     <a:lumMod val="75000"/>
@@ -26890,7 +26911,7 @@
               <a:buNone/>
             </a:pPr>
             <a:r>
-              <a:rPr lang="en-US" dirty="0"/>
+              <a:rPr lang="en-US"/>
               <a:t>Points that will not get dominated by any other points in given data samples.</a:t>
             </a:r>
           </a:p>
@@ -27111,7 +27132,7 @@
               <a:buNone/>
             </a:pPr>
             <a:r>
-              <a:rPr lang="en-US" sz="3200" dirty="0">
+              <a:rPr lang="en-US" sz="3200">
                 <a:solidFill>
                   <a:schemeClr val="tx1">
                     <a:lumMod val="75000"/>
@@ -27128,46 +27149,46 @@
               <a:buNone/>
             </a:pPr>
             <a:r>
-              <a:rPr lang="en-US" dirty="0"/>
+              <a:rPr lang="en-US"/>
               <a:t>Given a set of point 𝑃 and query range </a:t>
             </a:r>
             <a:r>
-              <a:rPr lang="en-IN" dirty="0"/>
+              <a:rPr lang="en-IN"/>
               <a:t>[𝑥</a:t>
             </a:r>
             <a:r>
-              <a:rPr lang="en-IN" baseline="-25000" dirty="0"/>
+              <a:rPr lang="en-IN" baseline="-25000"/>
               <a:t>1</a:t>
             </a:r>
             <a:r>
-              <a:rPr lang="en-IN" dirty="0"/>
+              <a:rPr lang="en-IN"/>
               <a:t>, 𝑥</a:t>
             </a:r>
             <a:r>
-              <a:rPr lang="en-IN" baseline="-25000" dirty="0"/>
+              <a:rPr lang="en-IN" baseline="-25000"/>
               <a:t>1′ </a:t>
             </a:r>
             <a:r>
-              <a:rPr lang="en-IN" dirty="0"/>
+              <a:rPr lang="en-IN"/>
               <a:t>][𝑥</a:t>
             </a:r>
             <a:r>
-              <a:rPr lang="en-IN" baseline="-25000" dirty="0"/>
+              <a:rPr lang="en-IN" baseline="-25000"/>
               <a:t>2</a:t>
             </a:r>
             <a:r>
-              <a:rPr lang="en-IN" dirty="0"/>
+              <a:rPr lang="en-IN"/>
               <a:t>, 𝑥</a:t>
             </a:r>
             <a:r>
-              <a:rPr lang="en-IN" baseline="-25000" dirty="0"/>
+              <a:rPr lang="en-IN" baseline="-25000"/>
               <a:t>2′ </a:t>
             </a:r>
             <a:r>
-              <a:rPr lang="en-IN" dirty="0"/>
+              <a:rPr lang="en-IN"/>
               <a:t>] output the points inside the range.</a:t>
             </a:r>
-            <a:endParaRPr lang="en-US" dirty="0"/>
+            <a:endParaRPr lang="en-US"/>
           </a:p>
         </p:txBody>
       </p:sp>
@@ -27386,7 +27407,7 @@
               <a:buNone/>
             </a:pPr>
             <a:r>
-              <a:rPr lang="en-US" sz="3200" dirty="0">
+              <a:rPr lang="en-US" sz="3200">
                 <a:solidFill>
                   <a:schemeClr val="tx1">
                     <a:lumMod val="75000"/>
@@ -27403,7 +27424,7 @@
               <a:buNone/>
             </a:pPr>
             <a:r>
-              <a:rPr lang="en-US" dirty="0"/>
+              <a:rPr lang="en-US"/>
               <a:t>Find closet two points in each set of points.</a:t>
             </a:r>
           </a:p>
@@ -27495,7 +27516,7 @@
           <a:lstStyle/>
           <a:p>
             <a:r>
-              <a:rPr lang="en-US" dirty="0"/>
+              <a:rPr lang="en-US"/>
               <a:t>Sky-line</a:t>
             </a:r>
           </a:p>
@@ -27580,7 +27601,7 @@
           <a:lstStyle/>
           <a:p>
             <a:r>
-              <a:rPr lang="en-US" dirty="0"/>
+              <a:rPr lang="en-US"/>
               <a:t>Points that will not get dominated by any other points in given data samples.</a:t>
             </a:r>
           </a:p>
@@ -27639,7 +27660,7 @@
           <a:lstStyle/>
           <a:p>
             <a:pPr algn="ctr"/>
-            <a:endParaRPr lang="en-US" dirty="0"/>
+            <a:endParaRPr lang="en-US"/>
           </a:p>
         </p:txBody>
       </p:sp>
@@ -27705,7 +27726,7 @@
           <a:lstStyle/>
           <a:p>
             <a:r>
-              <a:rPr lang="en-US" dirty="0">
+              <a:rPr lang="en-US">
                 <a:solidFill>
                   <a:schemeClr val="tx1">
                     <a:lumMod val="75000"/>
@@ -27791,7 +27812,7 @@
           <a:lstStyle/>
           <a:p>
             <a:r>
-              <a:rPr lang="en-US" dirty="0"/>
+              <a:rPr lang="en-US"/>
               <a:t>Map all points as skyline point</a:t>
             </a:r>
           </a:p>
@@ -27850,7 +27871,7 @@
           <a:lstStyle/>
           <a:p>
             <a:pPr algn="ctr"/>
-            <a:endParaRPr lang="en-US" dirty="0"/>
+            <a:endParaRPr lang="en-US"/>
           </a:p>
         </p:txBody>
       </p:sp>
@@ -27916,7 +27937,7 @@
           <a:lstStyle/>
           <a:p>
             <a:r>
-              <a:rPr lang="en-US" dirty="0">
+              <a:rPr lang="en-US">
                 <a:solidFill>
                   <a:schemeClr val="tx1">
                     <a:lumMod val="75000"/>
@@ -28002,7 +28023,7 @@
           <a:lstStyle/>
           <a:p>
             <a:r>
-              <a:rPr lang="en-US" dirty="0"/>
+              <a:rPr lang="en-US"/>
               <a:t>Merge two set of skyline points</a:t>
             </a:r>
           </a:p>
@@ -28061,7 +28082,7 @@
           <a:lstStyle/>
           <a:p>
             <a:pPr algn="ctr"/>
-            <a:endParaRPr lang="en-US" dirty="0"/>
+            <a:endParaRPr lang="en-US"/>
           </a:p>
         </p:txBody>
       </p:sp>
@@ -28127,7 +28148,7 @@
           <a:lstStyle/>
           <a:p>
             <a:r>
-              <a:rPr lang="en-US" dirty="0">
+              <a:rPr lang="en-US">
                 <a:solidFill>
                   <a:schemeClr val="tx1">
                     <a:lumMod val="75000"/>
@@ -28213,15 +28234,15 @@
           <a:lstStyle/>
           <a:p>
             <a:r>
-              <a:rPr lang="en-US" dirty="0"/>
+              <a:rPr lang="en-US"/>
               <a:t>It is O(</a:t>
             </a:r>
             <a:r>
-              <a:rPr lang="en-US" dirty="0" err="1"/>
+              <a:rPr lang="en-US" err="1"/>
               <a:t>n.p</a:t>
             </a:r>
             <a:r>
-              <a:rPr lang="en-US" dirty="0"/>
+              <a:rPr lang="en-US"/>
               <a:t>)</a:t>
             </a:r>
           </a:p>
@@ -28253,7 +28274,7 @@
               <a:pPr/>
               <a:t>4</a:t>
             </a:fld>
-            <a:endParaRPr lang="en-US" dirty="0"/>
+            <a:endParaRPr lang="en-US"/>
           </a:p>
         </p:txBody>
       </p:sp>
@@ -28290,7 +28311,7 @@
           <a:lstStyle/>
           <a:p>
             <a:r>
-              <a:rPr lang="en-US" sz="1600" dirty="0">
+              <a:rPr lang="en-US" sz="1600">
                 <a:solidFill>
                   <a:schemeClr val="tx1">
                     <a:lumMod val="65000"/>
@@ -28300,7 +28321,7 @@
               </a:rPr>
               <a:t>Range Query and Skyline point in Spark and HDFS</a:t>
             </a:r>
-            <a:endParaRPr lang="en-IN" sz="1600" dirty="0">
+            <a:endParaRPr lang="en-IN" sz="1600">
               <a:solidFill>
                 <a:schemeClr val="tx1">
                   <a:lumMod val="65000"/>
@@ -28363,7 +28384,7 @@
           <a:lstStyle/>
           <a:p>
             <a:r>
-              <a:rPr lang="en-US" dirty="0"/>
+              <a:rPr lang="en-US"/>
               <a:t>Results: Sky-line</a:t>
             </a:r>
           </a:p>
@@ -28391,7 +28412,7 @@
           <a:lstStyle/>
           <a:p>
             <a:r>
-              <a:rPr lang="en-US" dirty="0"/>
+              <a:rPr lang="en-US"/>
               <a:t>Readings in different dataset (executors 10, driver-memory 512m, executor-memory 1G, executor-cores 1)</a:t>
             </a:r>
           </a:p>
@@ -28472,14 +28493,14 @@
                     <a:p>
                       <a:pPr algn="ctr"/>
                       <a:r>
-                        <a:rPr lang="en-ZA" dirty="0"/>
+                        <a:rPr lang="en-ZA"/>
                         <a:t>Data size</a:t>
                       </a:r>
                     </a:p>
                     <a:p>
                       <a:pPr algn="ctr"/>
                       <a:r>
-                        <a:rPr lang="en-ZA" dirty="0"/>
+                        <a:rPr lang="en-ZA"/>
                         <a:t>(Million)</a:t>
                       </a:r>
                     </a:p>
@@ -28520,7 +28541,7 @@
                     <a:p>
                       <a:pPr algn="ctr"/>
                       <a:r>
-                        <a:rPr lang="en-ZA" sz="1600" b="0" dirty="0">
+                        <a:rPr lang="en-ZA" sz="1600" b="0">
                           <a:latin typeface="+mn-lt"/>
                         </a:rPr>
                         <a:t>Time</a:t>
@@ -28529,7 +28550,7 @@
                     <a:p>
                       <a:pPr algn="ctr"/>
                       <a:r>
-                        <a:rPr lang="en-ZA" sz="1600" b="0" dirty="0">
+                        <a:rPr lang="en-ZA" sz="1600" b="0">
                           <a:latin typeface="+mn-lt"/>
                         </a:rPr>
                         <a:t>(Sec)</a:t>
@@ -28580,7 +28601,7 @@
                     <a:p>
                       <a:pPr algn="ctr"/>
                       <a:r>
-                        <a:rPr lang="en-ZA" sz="1600" b="0" dirty="0">
+                        <a:rPr lang="en-ZA" sz="1600" b="0">
                           <a:latin typeface="+mn-lt"/>
                         </a:rPr>
                         <a:t>File Size</a:t>
@@ -28589,7 +28610,7 @@
                     <a:p>
                       <a:pPr algn="ctr"/>
                       <a:r>
-                        <a:rPr lang="en-ZA" sz="1600" b="0" dirty="0">
+                        <a:rPr lang="en-ZA" sz="1600" b="0">
                           <a:latin typeface="+mn-lt"/>
                         </a:rPr>
                         <a:t>(MB)</a:t>
@@ -28640,7 +28661,7 @@
                     <a:p>
                       <a:pPr algn="ctr"/>
                       <a:r>
-                        <a:rPr lang="en-ZA" sz="1600" b="0" dirty="0">
+                        <a:rPr lang="en-ZA" sz="1600" b="0">
                           <a:latin typeface="+mn-lt"/>
                         </a:rPr>
                         <a:t>No. of Executors</a:t>
@@ -28691,7 +28712,7 @@
                     <a:p>
                       <a:pPr algn="ctr"/>
                       <a:r>
-                        <a:rPr lang="en-ZA" sz="1600" b="0" dirty="0">
+                        <a:rPr lang="en-ZA" sz="1600" b="0">
                           <a:latin typeface="+mn-lt"/>
                         </a:rPr>
                         <a:t>No. of Exec. Provided</a:t>
@@ -28749,7 +28770,7 @@
                     <a:p>
                       <a:pPr algn="ctr"/>
                       <a:r>
-                        <a:rPr lang="en-ZA" sz="1600" b="1" dirty="0"/>
+                        <a:rPr lang="en-ZA" sz="1600" b="1"/>
                         <a:t>1</a:t>
                       </a:r>
                     </a:p>
@@ -28797,7 +28818,7 @@
                     <a:p>
                       <a:pPr algn="r"/>
                       <a:r>
-                        <a:rPr lang="en-ZA" sz="1600" dirty="0">
+                        <a:rPr lang="en-ZA" sz="1600">
                           <a:solidFill>
                             <a:schemeClr val="tx1">
                               <a:lumMod val="75000"/>
@@ -28876,7 +28897,7 @@
                     <a:p>
                       <a:pPr algn="r"/>
                       <a:r>
-                        <a:rPr lang="en-ZA" sz="1600" dirty="0">
+                        <a:rPr lang="en-ZA" sz="1600">
                           <a:solidFill>
                             <a:schemeClr val="tx1">
                               <a:lumMod val="75000"/>
@@ -28955,7 +28976,7 @@
                     <a:p>
                       <a:pPr algn="r"/>
                       <a:r>
-                        <a:rPr lang="en-ZA" sz="1600" dirty="0">
+                        <a:rPr lang="en-ZA" sz="1600">
                           <a:solidFill>
                             <a:schemeClr val="tx1">
                               <a:lumMod val="75000"/>
@@ -29034,7 +29055,7 @@
                     <a:p>
                       <a:pPr algn="r"/>
                       <a:r>
-                        <a:rPr lang="en-ZA" sz="1600" dirty="0">
+                        <a:rPr lang="en-ZA" sz="1600">
                           <a:solidFill>
                             <a:schemeClr val="tx1">
                               <a:lumMod val="75000"/>
@@ -29120,7 +29141,7 @@
                     <a:p>
                       <a:pPr algn="ctr"/>
                       <a:r>
-                        <a:rPr lang="en-ZA" sz="1600" b="1" dirty="0"/>
+                        <a:rPr lang="en-ZA" sz="1600" b="1"/>
                         <a:t>10</a:t>
                       </a:r>
                     </a:p>
@@ -29168,7 +29189,7 @@
                     <a:p>
                       <a:pPr algn="r"/>
                       <a:r>
-                        <a:rPr lang="en-ZA" sz="1600" dirty="0">
+                        <a:rPr lang="en-ZA" sz="1600">
                           <a:solidFill>
                             <a:schemeClr val="tx1">
                               <a:lumMod val="75000"/>
@@ -29247,7 +29268,7 @@
                     <a:p>
                       <a:pPr algn="r"/>
                       <a:r>
-                        <a:rPr lang="en-ZA" sz="1600" dirty="0">
+                        <a:rPr lang="en-ZA" sz="1600">
                           <a:solidFill>
                             <a:schemeClr val="tx1">
                               <a:lumMod val="75000"/>
@@ -29326,7 +29347,7 @@
                     <a:p>
                       <a:pPr algn="r"/>
                       <a:r>
-                        <a:rPr lang="en-ZA" sz="1600" dirty="0">
+                        <a:rPr lang="en-ZA" sz="1600">
                           <a:solidFill>
                             <a:schemeClr val="tx1">
                               <a:lumMod val="75000"/>
@@ -29405,7 +29426,7 @@
                     <a:p>
                       <a:pPr algn="r"/>
                       <a:r>
-                        <a:rPr lang="en-ZA" sz="1600" dirty="0">
+                        <a:rPr lang="en-ZA" sz="1600">
                           <a:solidFill>
                             <a:schemeClr val="tx1">
                               <a:lumMod val="75000"/>
@@ -29491,7 +29512,7 @@
                     <a:p>
                       <a:pPr algn="ctr"/>
                       <a:r>
-                        <a:rPr lang="en-ZA" sz="1600" b="1" dirty="0"/>
+                        <a:rPr lang="en-ZA" sz="1600" b="1"/>
                         <a:t>20</a:t>
                       </a:r>
                     </a:p>
@@ -29539,7 +29560,7 @@
                     <a:p>
                       <a:pPr algn="r"/>
                       <a:r>
-                        <a:rPr lang="en-ZA" sz="1600" dirty="0">
+                        <a:rPr lang="en-ZA" sz="1600">
                           <a:solidFill>
                             <a:schemeClr val="tx1">
                               <a:lumMod val="75000"/>
@@ -29618,7 +29639,7 @@
                     <a:p>
                       <a:pPr algn="r"/>
                       <a:r>
-                        <a:rPr lang="en-ZA" sz="1600" dirty="0">
+                        <a:rPr lang="en-ZA" sz="1600">
                           <a:solidFill>
                             <a:schemeClr val="tx1">
                               <a:lumMod val="75000"/>
@@ -29697,7 +29718,7 @@
                     <a:p>
                       <a:pPr algn="r"/>
                       <a:r>
-                        <a:rPr lang="en-ZA" sz="1600" dirty="0">
+                        <a:rPr lang="en-ZA" sz="1600">
                           <a:solidFill>
                             <a:schemeClr val="tx1">
                               <a:lumMod val="75000"/>
@@ -29776,7 +29797,7 @@
                     <a:p>
                       <a:pPr algn="r"/>
                       <a:r>
-                        <a:rPr lang="en-ZA" sz="1600" dirty="0">
+                        <a:rPr lang="en-ZA" sz="1600">
                           <a:solidFill>
                             <a:schemeClr val="tx1">
                               <a:lumMod val="75000"/>
@@ -29862,7 +29883,7 @@
                     <a:p>
                       <a:pPr algn="ctr"/>
                       <a:r>
-                        <a:rPr lang="en-ZA" sz="1600" b="1" dirty="0"/>
+                        <a:rPr lang="en-ZA" sz="1600" b="1"/>
                         <a:t>30</a:t>
                       </a:r>
                     </a:p>
@@ -29910,7 +29931,7 @@
                     <a:p>
                       <a:pPr algn="r"/>
                       <a:r>
-                        <a:rPr lang="en-ZA" sz="1600" dirty="0">
+                        <a:rPr lang="en-ZA" sz="1600">
                           <a:solidFill>
                             <a:schemeClr val="tx1">
                               <a:lumMod val="75000"/>
@@ -29989,7 +30010,7 @@
                     <a:p>
                       <a:pPr algn="r"/>
                       <a:r>
-                        <a:rPr lang="en-ZA" sz="1600" dirty="0">
+                        <a:rPr lang="en-ZA" sz="1600">
                           <a:solidFill>
                             <a:schemeClr val="tx1">
                               <a:lumMod val="75000"/>
@@ -30068,7 +30089,7 @@
                     <a:p>
                       <a:pPr algn="r"/>
                       <a:r>
-                        <a:rPr lang="en-ZA" sz="1600" dirty="0">
+                        <a:rPr lang="en-ZA" sz="1600">
                           <a:solidFill>
                             <a:schemeClr val="tx1">
                               <a:lumMod val="75000"/>
@@ -30147,7 +30168,7 @@
                     <a:p>
                       <a:pPr algn="r"/>
                       <a:r>
-                        <a:rPr lang="en-ZA" sz="1600" dirty="0">
+                        <a:rPr lang="en-ZA" sz="1600">
                           <a:solidFill>
                             <a:schemeClr val="tx1">
                               <a:lumMod val="75000"/>
@@ -30242,7 +30263,7 @@
           <p:nvPr>
             <p:extLst>
               <p:ext uri="{D42A27DB-BD31-4B8C-83A1-F6EECF244321}">
-                <p14:modId xmlns:p14="http://schemas.microsoft.com/office/powerpoint/2010/main" val="2628316395"/>
+                <p14:modId xmlns:p14="http://schemas.microsoft.com/office/powerpoint/2010/main" val="612040422"/>
               </p:ext>
             </p:extLst>
           </p:nvPr>
@@ -30283,7 +30304,7 @@
               <a:pPr/>
               <a:t>5</a:t>
             </a:fld>
-            <a:endParaRPr lang="en-US" dirty="0"/>
+            <a:endParaRPr lang="en-US"/>
           </a:p>
         </p:txBody>
       </p:sp>
@@ -30320,7 +30341,7 @@
           <a:lstStyle/>
           <a:p>
             <a:r>
-              <a:rPr lang="en-US" sz="1600" dirty="0">
+              <a:rPr lang="en-US" sz="1600">
                 <a:solidFill>
                   <a:schemeClr val="tx1">
                     <a:lumMod val="65000"/>
@@ -30330,7 +30351,7 @@
               </a:rPr>
               <a:t>Range Query and Skyline point in Spark and HDFS</a:t>
             </a:r>
-            <a:endParaRPr lang="en-IN" sz="1600" dirty="0">
+            <a:endParaRPr lang="en-IN" sz="1600">
               <a:solidFill>
                 <a:schemeClr val="tx1">
                   <a:lumMod val="65000"/>
@@ -30427,17 +30448,17 @@
           <a:lstStyle/>
           <a:p>
             <a:r>
-              <a:rPr lang="en-US" dirty="0"/>
+              <a:rPr lang="en-US"/>
               <a:t>Range Search</a:t>
             </a:r>
             <a:br>
-              <a:rPr lang="en-US" dirty="0"/>
+              <a:rPr lang="en-US"/>
             </a:br>
             <a:r>
-              <a:rPr lang="en-US" sz="2800" dirty="0"/>
+              <a:rPr lang="en-US" sz="2800"/>
               <a:t>using Filter</a:t>
             </a:r>
-            <a:endParaRPr lang="en-US" dirty="0"/>
+            <a:endParaRPr lang="en-US"/>
           </a:p>
         </p:txBody>
       </p:sp>
@@ -30520,7 +30541,7 @@
           <a:lstStyle/>
           <a:p>
             <a:r>
-              <a:rPr lang="en-US" dirty="0"/>
+              <a:rPr lang="en-US"/>
               <a:t>Given a set of point 𝑃 and query range [𝑥1, 𝑥1′ ] [𝑥2, 𝑥2′ ] output the points inside the range.</a:t>
             </a:r>
           </a:p>
@@ -30579,7 +30600,7 @@
           <a:lstStyle/>
           <a:p>
             <a:pPr algn="ctr"/>
-            <a:endParaRPr lang="en-US" dirty="0"/>
+            <a:endParaRPr lang="en-US"/>
           </a:p>
         </p:txBody>
       </p:sp>
@@ -30645,11 +30666,11 @@
           <a:lstStyle/>
           <a:p>
             <a:r>
-              <a:rPr lang="en-US" dirty="0"/>
+              <a:rPr lang="en-US"/>
               <a:t>map</a:t>
             </a:r>
             <a:r>
-              <a:rPr lang="en-US" dirty="0">
+              <a:rPr lang="en-US">
                 <a:solidFill>
                   <a:schemeClr val="tx1">
                     <a:lumMod val="75000"/>
@@ -30735,7 +30756,7 @@
           <a:lstStyle/>
           <a:p>
             <a:r>
-              <a:rPr lang="en-US" dirty="0">
+              <a:rPr lang="en-US">
                 <a:solidFill>
                   <a:schemeClr val="tx1">
                     <a:lumMod val="75000"/>
@@ -30801,7 +30822,7 @@
           <a:lstStyle/>
           <a:p>
             <a:pPr algn="ctr"/>
-            <a:endParaRPr lang="en-US" dirty="0"/>
+            <a:endParaRPr lang="en-US"/>
           </a:p>
         </p:txBody>
       </p:sp>
@@ -30867,7 +30888,7 @@
           <a:lstStyle/>
           <a:p>
             <a:r>
-              <a:rPr lang="en-US" dirty="0">
+              <a:rPr lang="en-US">
                 <a:solidFill>
                   <a:schemeClr val="tx1">
                     <a:lumMod val="75000"/>
@@ -30953,10 +30974,10 @@
           <a:lstStyle/>
           <a:p>
             <a:r>
-              <a:rPr lang="en-US" dirty="0"/>
+              <a:rPr lang="en-US"/>
               <a:t>Filter points in a given query range</a:t>
             </a:r>
-            <a:endParaRPr lang="en-US" dirty="0">
+            <a:endParaRPr lang="en-US">
               <a:solidFill>
                 <a:schemeClr val="tx1">
                   <a:lumMod val="75000"/>
@@ -31020,7 +31041,7 @@
           <a:lstStyle/>
           <a:p>
             <a:pPr algn="ctr"/>
-            <a:endParaRPr lang="en-US" dirty="0"/>
+            <a:endParaRPr lang="en-US"/>
           </a:p>
         </p:txBody>
       </p:sp>
@@ -31086,7 +31107,7 @@
           <a:lstStyle/>
           <a:p>
             <a:r>
-              <a:rPr lang="en-US" dirty="0">
+              <a:rPr lang="en-US">
                 <a:solidFill>
                   <a:schemeClr val="tx1">
                     <a:lumMod val="75000"/>
@@ -31167,7 +31188,7 @@
           <a:lstStyle/>
           <a:p>
             <a:r>
-              <a:rPr lang="en-US" dirty="0">
+              <a:rPr lang="en-US">
                 <a:solidFill>
                   <a:schemeClr val="tx1">
                     <a:lumMod val="75000"/>
@@ -31233,7 +31254,7 @@
           <a:lstStyle/>
           <a:p>
             <a:pPr algn="ctr"/>
-            <a:endParaRPr lang="en-US" dirty="0"/>
+            <a:endParaRPr lang="en-US"/>
           </a:p>
         </p:txBody>
       </p:sp>
@@ -31299,7 +31320,7 @@
           <a:lstStyle/>
           <a:p>
             <a:r>
-              <a:rPr lang="en-US" dirty="0">
+              <a:rPr lang="en-US">
                 <a:solidFill>
                   <a:schemeClr val="tx1">
                     <a:lumMod val="75000"/>
@@ -31380,7 +31401,7 @@
           <a:lstStyle/>
           <a:p>
             <a:r>
-              <a:rPr lang="en-US" dirty="0">
+              <a:rPr lang="en-US">
                 <a:solidFill>
                   <a:schemeClr val="tx1">
                     <a:lumMod val="75000"/>
@@ -31419,7 +31440,7 @@
               <a:pPr/>
               <a:t>6</a:t>
             </a:fld>
-            <a:endParaRPr lang="en-US" dirty="0"/>
+            <a:endParaRPr lang="en-US"/>
           </a:p>
         </p:txBody>
       </p:sp>
@@ -31456,7 +31477,7 @@
           <a:lstStyle/>
           <a:p>
             <a:r>
-              <a:rPr lang="en-US" sz="1600" dirty="0">
+              <a:rPr lang="en-US" sz="1600">
                 <a:solidFill>
                   <a:schemeClr val="tx1">
                     <a:lumMod val="65000"/>
@@ -31466,7 +31487,7 @@
               </a:rPr>
               <a:t>Range Query and Skyline point in Spark and HDFS</a:t>
             </a:r>
-            <a:endParaRPr lang="en-IN" sz="1600" dirty="0">
+            <a:endParaRPr lang="en-IN" sz="1600">
               <a:solidFill>
                 <a:schemeClr val="tx1">
                   <a:lumMod val="65000"/>
@@ -31529,7 +31550,7 @@
           <a:lstStyle/>
           <a:p>
             <a:r>
-              <a:rPr lang="en-US" dirty="0"/>
+              <a:rPr lang="en-US"/>
               <a:t>Results: Range Search (using Filter)</a:t>
             </a:r>
           </a:p>
@@ -31557,7 +31578,7 @@
           <a:lstStyle/>
           <a:p>
             <a:r>
-              <a:rPr lang="en-US" dirty="0"/>
+              <a:rPr lang="en-US"/>
               <a:t>Readings in different dataset (executors 5, driver-memory 512m, executor-memory 1G, executor-cores 1)</a:t>
             </a:r>
           </a:p>
@@ -31652,14 +31673,14 @@
                     <a:p>
                       <a:pPr algn="ctr"/>
                       <a:r>
-                        <a:rPr lang="en-ZA" dirty="0"/>
+                        <a:rPr lang="en-ZA"/>
                         <a:t>Data size</a:t>
                       </a:r>
                     </a:p>
                     <a:p>
                       <a:pPr algn="ctr"/>
                       <a:r>
-                        <a:rPr lang="en-ZA" dirty="0"/>
+                        <a:rPr lang="en-ZA"/>
                         <a:t>(Million)</a:t>
                       </a:r>
                     </a:p>
@@ -31700,7 +31721,7 @@
                     <a:p>
                       <a:pPr algn="ctr"/>
                       <a:r>
-                        <a:rPr lang="en-ZA" sz="1600" b="0" dirty="0">
+                        <a:rPr lang="en-ZA" sz="1600" b="0">
                           <a:latin typeface="+mn-lt"/>
                         </a:rPr>
                         <a:t>Start Time</a:t>
@@ -31709,7 +31730,7 @@
                     <a:p>
                       <a:pPr algn="ctr"/>
                       <a:r>
-                        <a:rPr lang="en-ZA" sz="1600" b="0" dirty="0">
+                        <a:rPr lang="en-ZA" sz="1600" b="0">
                           <a:latin typeface="+mn-lt"/>
                         </a:rPr>
                         <a:t>(Sec)</a:t>
@@ -31760,7 +31781,7 @@
                     <a:p>
                       <a:pPr algn="ctr"/>
                       <a:r>
-                        <a:rPr lang="en-ZA" sz="1600" b="0" dirty="0">
+                        <a:rPr lang="en-ZA" sz="1600" b="0">
                           <a:latin typeface="+mn-lt"/>
                         </a:rPr>
                         <a:t>Query1 Time</a:t>
@@ -31769,7 +31790,7 @@
                     <a:p>
                       <a:pPr algn="ctr"/>
                       <a:r>
-                        <a:rPr lang="en-ZA" sz="1600" b="0" dirty="0">
+                        <a:rPr lang="en-ZA" sz="1600" b="0">
                           <a:latin typeface="+mn-lt"/>
                         </a:rPr>
                         <a:t>(Sec, no. of output)</a:t>
@@ -31820,7 +31841,7 @@
                     <a:p>
                       <a:pPr algn="ctr"/>
                       <a:r>
-                        <a:rPr lang="en-ZA" sz="1600" b="0" dirty="0">
+                        <a:rPr lang="en-ZA" sz="1600" b="0">
                           <a:latin typeface="+mn-lt"/>
                         </a:rPr>
                         <a:t>Query2 Time</a:t>
@@ -31829,7 +31850,7 @@
                     <a:p>
                       <a:pPr algn="ctr"/>
                       <a:r>
-                        <a:rPr lang="en-ZA" sz="1600" b="0" dirty="0">
+                        <a:rPr lang="en-ZA" sz="1600" b="0">
                           <a:latin typeface="+mn-lt"/>
                         </a:rPr>
                         <a:t>(Sec, no. of output)</a:t>
@@ -31880,7 +31901,7 @@
                     <a:p>
                       <a:pPr algn="ctr"/>
                       <a:r>
-                        <a:rPr lang="en-ZA" sz="1600" b="0" dirty="0">
+                        <a:rPr lang="en-ZA" sz="1600" b="0">
                           <a:latin typeface="+mn-lt"/>
                         </a:rPr>
                         <a:t>File Size</a:t>
@@ -31889,7 +31910,7 @@
                     <a:p>
                       <a:pPr algn="ctr"/>
                       <a:r>
-                        <a:rPr lang="en-ZA" sz="1600" b="0" dirty="0">
+                        <a:rPr lang="en-ZA" sz="1600" b="0">
                           <a:latin typeface="+mn-lt"/>
                         </a:rPr>
                         <a:t>(MB)</a:t>
@@ -31940,7 +31961,7 @@
                     <a:p>
                       <a:pPr algn="ctr"/>
                       <a:r>
-                        <a:rPr lang="en-ZA" sz="1600" b="0" dirty="0">
+                        <a:rPr lang="en-ZA" sz="1600" b="0">
                           <a:latin typeface="+mn-lt"/>
                         </a:rPr>
                         <a:t>No. of Executors</a:t>
@@ -31991,7 +32012,7 @@
                     <a:p>
                       <a:pPr algn="ctr"/>
                       <a:r>
-                        <a:rPr lang="en-ZA" sz="1600" b="0" dirty="0">
+                        <a:rPr lang="en-ZA" sz="1600" b="0">
                           <a:latin typeface="+mn-lt"/>
                         </a:rPr>
                         <a:t>No. of Exec. Provided</a:t>
@@ -32049,7 +32070,7 @@
                     <a:p>
                       <a:pPr algn="ctr"/>
                       <a:r>
-                        <a:rPr lang="en-ZA" sz="1600" b="1" dirty="0"/>
+                        <a:rPr lang="en-ZA" sz="1600" b="1"/>
                         <a:t>1</a:t>
                       </a:r>
                     </a:p>
@@ -32097,7 +32118,7 @@
                     <a:p>
                       <a:pPr algn="r"/>
                       <a:r>
-                        <a:rPr lang="en-ZA" sz="1600" dirty="0">
+                        <a:rPr lang="en-ZA" sz="1600">
                           <a:solidFill>
                             <a:schemeClr val="tx1">
                               <a:lumMod val="75000"/>
@@ -32176,7 +32197,7 @@
                     <a:p>
                       <a:pPr algn="r"/>
                       <a:r>
-                        <a:rPr lang="en-ZA" sz="1600" dirty="0">
+                        <a:rPr lang="en-ZA" sz="1600">
                           <a:solidFill>
                             <a:schemeClr val="tx1">
                               <a:lumMod val="75000"/>
@@ -32190,7 +32211,7 @@
                     <a:p>
                       <a:pPr algn="r"/>
                       <a:r>
-                        <a:rPr lang="en-ZA" sz="1600" dirty="0">
+                        <a:rPr lang="en-ZA" sz="1600">
                           <a:solidFill>
                             <a:schemeClr val="tx1">
                               <a:lumMod val="75000"/>
@@ -32269,7 +32290,7 @@
                     <a:p>
                       <a:pPr algn="r"/>
                       <a:r>
-                        <a:rPr lang="en-ZA" sz="1600" dirty="0">
+                        <a:rPr lang="en-ZA" sz="1600">
                           <a:solidFill>
                             <a:schemeClr val="tx1">
                               <a:lumMod val="75000"/>
@@ -32283,7 +32304,7 @@
                     <a:p>
                       <a:pPr algn="r"/>
                       <a:r>
-                        <a:rPr lang="en-ZA" sz="1600" dirty="0">
+                        <a:rPr lang="en-ZA" sz="1600">
                           <a:solidFill>
                             <a:schemeClr val="tx1">
                               <a:lumMod val="75000"/>
@@ -32362,7 +32383,7 @@
                     <a:p>
                       <a:pPr algn="r"/>
                       <a:r>
-                        <a:rPr lang="en-ZA" sz="1600" dirty="0">
+                        <a:rPr lang="en-ZA" sz="1600">
                           <a:solidFill>
                             <a:schemeClr val="tx1">
                               <a:lumMod val="75000"/>
@@ -32441,7 +32462,7 @@
                     <a:p>
                       <a:pPr algn="r"/>
                       <a:r>
-                        <a:rPr lang="en-ZA" sz="1600" dirty="0">
+                        <a:rPr lang="en-ZA" sz="1600">
                           <a:solidFill>
                             <a:schemeClr val="tx1">
                               <a:lumMod val="75000"/>
@@ -32520,7 +32541,7 @@
                     <a:p>
                       <a:pPr algn="r"/>
                       <a:r>
-                        <a:rPr lang="en-ZA" sz="1600" dirty="0">
+                        <a:rPr lang="en-ZA" sz="1600">
                           <a:solidFill>
                             <a:schemeClr val="tx1">
                               <a:lumMod val="75000"/>
@@ -32606,7 +32627,7 @@
                     <a:p>
                       <a:pPr algn="ctr"/>
                       <a:r>
-                        <a:rPr lang="en-ZA" sz="1600" b="1" dirty="0"/>
+                        <a:rPr lang="en-ZA" sz="1600" b="1"/>
                         <a:t>10</a:t>
                       </a:r>
                     </a:p>
@@ -32654,7 +32675,7 @@
                     <a:p>
                       <a:pPr algn="r"/>
                       <a:r>
-                        <a:rPr lang="en-ZA" sz="1600" dirty="0">
+                        <a:rPr lang="en-ZA" sz="1600">
                           <a:solidFill>
                             <a:schemeClr val="tx1">
                               <a:lumMod val="75000"/>
@@ -32733,7 +32754,7 @@
                     <a:p>
                       <a:pPr algn="r"/>
                       <a:r>
-                        <a:rPr lang="en-ZA" sz="1600" dirty="0">
+                        <a:rPr lang="en-ZA" sz="1600">
                           <a:solidFill>
                             <a:schemeClr val="tx1">
                               <a:lumMod val="75000"/>
@@ -32747,7 +32768,7 @@
                     <a:p>
                       <a:pPr algn="r"/>
                       <a:r>
-                        <a:rPr lang="en-ZA" sz="1600" dirty="0">
+                        <a:rPr lang="en-ZA" sz="1600">
                           <a:solidFill>
                             <a:schemeClr val="tx1">
                               <a:lumMod val="75000"/>
@@ -32826,7 +32847,7 @@
                     <a:p>
                       <a:pPr algn="r"/>
                       <a:r>
-                        <a:rPr lang="en-ZA" sz="1600" dirty="0">
+                        <a:rPr lang="en-ZA" sz="1600">
                           <a:solidFill>
                             <a:schemeClr val="tx1">
                               <a:lumMod val="75000"/>
@@ -32840,7 +32861,7 @@
                     <a:p>
                       <a:pPr algn="r"/>
                       <a:r>
-                        <a:rPr lang="en-ZA" sz="1600" dirty="0">
+                        <a:rPr lang="en-ZA" sz="1600">
                           <a:solidFill>
                             <a:schemeClr val="tx1">
                               <a:lumMod val="75000"/>
@@ -32919,7 +32940,7 @@
                     <a:p>
                       <a:pPr algn="r"/>
                       <a:r>
-                        <a:rPr lang="en-ZA" sz="1600" dirty="0">
+                        <a:rPr lang="en-ZA" sz="1600">
                           <a:solidFill>
                             <a:schemeClr val="tx1">
                               <a:lumMod val="75000"/>
@@ -32998,7 +33019,7 @@
                     <a:p>
                       <a:pPr algn="r"/>
                       <a:r>
-                        <a:rPr lang="en-ZA" sz="1600" dirty="0">
+                        <a:rPr lang="en-ZA" sz="1600">
                           <a:solidFill>
                             <a:schemeClr val="tx1">
                               <a:lumMod val="75000"/>
@@ -33077,7 +33098,7 @@
                     <a:p>
                       <a:pPr algn="r"/>
                       <a:r>
-                        <a:rPr lang="en-ZA" sz="1600" dirty="0">
+                        <a:rPr lang="en-ZA" sz="1600">
                           <a:solidFill>
                             <a:schemeClr val="tx1">
                               <a:lumMod val="75000"/>
@@ -33163,7 +33184,7 @@
                     <a:p>
                       <a:pPr algn="ctr"/>
                       <a:r>
-                        <a:rPr lang="en-ZA" sz="1600" b="1" dirty="0"/>
+                        <a:rPr lang="en-ZA" sz="1600" b="1"/>
                         <a:t>20</a:t>
                       </a:r>
                     </a:p>
@@ -33211,7 +33232,7 @@
                     <a:p>
                       <a:pPr algn="r"/>
                       <a:r>
-                        <a:rPr lang="en-ZA" sz="1600" dirty="0">
+                        <a:rPr lang="en-ZA" sz="1600">
                           <a:solidFill>
                             <a:schemeClr val="tx1">
                               <a:lumMod val="75000"/>
@@ -33290,7 +33311,7 @@
                     <a:p>
                       <a:pPr algn="r"/>
                       <a:r>
-                        <a:rPr lang="en-ZA" sz="1600" dirty="0">
+                        <a:rPr lang="en-ZA" sz="1600">
                           <a:solidFill>
                             <a:schemeClr val="tx1">
                               <a:lumMod val="75000"/>
@@ -33304,7 +33325,7 @@
                     <a:p>
                       <a:pPr algn="r"/>
                       <a:r>
-                        <a:rPr lang="en-ZA" sz="1600" dirty="0">
+                        <a:rPr lang="en-ZA" sz="1600">
                           <a:solidFill>
                             <a:schemeClr val="tx1">
                               <a:lumMod val="75000"/>
@@ -33383,7 +33404,7 @@
                     <a:p>
                       <a:pPr algn="r"/>
                       <a:r>
-                        <a:rPr lang="en-ZA" sz="1600" dirty="0">
+                        <a:rPr lang="en-ZA" sz="1600">
                           <a:solidFill>
                             <a:schemeClr val="tx1">
                               <a:lumMod val="75000"/>
@@ -33397,7 +33418,7 @@
                     <a:p>
                       <a:pPr algn="r"/>
                       <a:r>
-                        <a:rPr lang="en-ZA" sz="1600" dirty="0">
+                        <a:rPr lang="en-ZA" sz="1600">
                           <a:solidFill>
                             <a:schemeClr val="tx1">
                               <a:lumMod val="75000"/>
@@ -33476,7 +33497,7 @@
                     <a:p>
                       <a:pPr algn="r"/>
                       <a:r>
-                        <a:rPr lang="en-ZA" sz="1600" dirty="0">
+                        <a:rPr lang="en-ZA" sz="1600">
                           <a:solidFill>
                             <a:schemeClr val="tx1">
                               <a:lumMod val="75000"/>
@@ -33555,7 +33576,7 @@
                     <a:p>
                       <a:pPr algn="r"/>
                       <a:r>
-                        <a:rPr lang="en-ZA" sz="1600" dirty="0">
+                        <a:rPr lang="en-ZA" sz="1600">
                           <a:solidFill>
                             <a:schemeClr val="tx1">
                               <a:lumMod val="75000"/>
@@ -33634,7 +33655,7 @@
                     <a:p>
                       <a:pPr algn="r"/>
                       <a:r>
-                        <a:rPr lang="en-ZA" sz="1600" dirty="0">
+                        <a:rPr lang="en-ZA" sz="1600">
                           <a:solidFill>
                             <a:schemeClr val="tx1">
                               <a:lumMod val="75000"/>
@@ -33720,7 +33741,7 @@
                     <a:p>
                       <a:pPr algn="ctr"/>
                       <a:r>
-                        <a:rPr lang="en-ZA" sz="1600" b="1" dirty="0"/>
+                        <a:rPr lang="en-ZA" sz="1600" b="1"/>
                         <a:t>30</a:t>
                       </a:r>
                     </a:p>
@@ -33768,7 +33789,7 @@
                     <a:p>
                       <a:pPr algn="r"/>
                       <a:r>
-                        <a:rPr lang="en-ZA" sz="1600" dirty="0">
+                        <a:rPr lang="en-ZA" sz="1600">
                           <a:solidFill>
                             <a:schemeClr val="tx1">
                               <a:lumMod val="75000"/>
@@ -33847,7 +33868,7 @@
                     <a:p>
                       <a:pPr algn="r"/>
                       <a:r>
-                        <a:rPr lang="en-ZA" sz="1600" dirty="0">
+                        <a:rPr lang="en-ZA" sz="1600">
                           <a:solidFill>
                             <a:schemeClr val="tx1">
                               <a:lumMod val="75000"/>
@@ -33861,7 +33882,7 @@
                     <a:p>
                       <a:pPr algn="r"/>
                       <a:r>
-                        <a:rPr lang="en-ZA" sz="1600" dirty="0">
+                        <a:rPr lang="en-ZA" sz="1600">
                           <a:solidFill>
                             <a:schemeClr val="tx1">
                               <a:lumMod val="75000"/>
@@ -33940,7 +33961,7 @@
                     <a:p>
                       <a:pPr algn="r"/>
                       <a:r>
-                        <a:rPr lang="en-ZA" sz="1600" dirty="0">
+                        <a:rPr lang="en-ZA" sz="1600">
                           <a:solidFill>
                             <a:schemeClr val="tx1">
                               <a:lumMod val="75000"/>
@@ -33954,7 +33975,7 @@
                     <a:p>
                       <a:pPr algn="r"/>
                       <a:r>
-                        <a:rPr lang="en-ZA" sz="1600" dirty="0">
+                        <a:rPr lang="en-ZA" sz="1600">
                           <a:solidFill>
                             <a:schemeClr val="tx1">
                               <a:lumMod val="75000"/>
@@ -34033,7 +34054,7 @@
                     <a:p>
                       <a:pPr algn="r"/>
                       <a:r>
-                        <a:rPr lang="en-ZA" sz="1600" dirty="0">
+                        <a:rPr lang="en-ZA" sz="1600">
                           <a:solidFill>
                             <a:schemeClr val="tx1">
                               <a:lumMod val="75000"/>
@@ -34112,7 +34133,7 @@
                     <a:p>
                       <a:pPr algn="r"/>
                       <a:r>
-                        <a:rPr lang="en-ZA" sz="1600" dirty="0">
+                        <a:rPr lang="en-ZA" sz="1600">
                           <a:solidFill>
                             <a:schemeClr val="tx1">
                               <a:lumMod val="75000"/>
@@ -34191,7 +34212,7 @@
                     <a:p>
                       <a:pPr algn="r"/>
                       <a:r>
-                        <a:rPr lang="en-ZA" sz="1600" dirty="0">
+                        <a:rPr lang="en-ZA" sz="1600">
                           <a:solidFill>
                             <a:schemeClr val="tx1">
                               <a:lumMod val="75000"/>
@@ -34286,7 +34307,7 @@
           <p:nvPr>
             <p:extLst>
               <p:ext uri="{D42A27DB-BD31-4B8C-83A1-F6EECF244321}">
-                <p14:modId xmlns:p14="http://schemas.microsoft.com/office/powerpoint/2010/main" val="2131503534"/>
+                <p14:modId xmlns:p14="http://schemas.microsoft.com/office/powerpoint/2010/main" val="4019404923"/>
               </p:ext>
             </p:extLst>
           </p:nvPr>
@@ -34327,7 +34348,7 @@
               <a:pPr/>
               <a:t>7</a:t>
             </a:fld>
-            <a:endParaRPr lang="en-US" dirty="0"/>
+            <a:endParaRPr lang="en-US"/>
           </a:p>
         </p:txBody>
       </p:sp>
@@ -34364,7 +34385,7 @@
           <a:lstStyle/>
           <a:p>
             <a:r>
-              <a:rPr lang="en-US" sz="1600" dirty="0">
+              <a:rPr lang="en-US" sz="1600">
                 <a:solidFill>
                   <a:schemeClr val="tx1">
                     <a:lumMod val="65000"/>
@@ -34374,7 +34395,7 @@
               </a:rPr>
               <a:t>Range Query and Skyline point in Spark and HDFS</a:t>
             </a:r>
-            <a:endParaRPr lang="en-IN" sz="1600" dirty="0">
+            <a:endParaRPr lang="en-IN" sz="1600">
               <a:solidFill>
                 <a:schemeClr val="tx1">
                   <a:lumMod val="65000"/>
@@ -34471,21 +34492,21 @@
           <a:lstStyle/>
           <a:p>
             <a:r>
-              <a:rPr lang="en-US" dirty="0"/>
+              <a:rPr lang="en-US"/>
               <a:t>Range Search</a:t>
             </a:r>
             <a:br>
-              <a:rPr lang="en-US" dirty="0"/>
+              <a:rPr lang="en-US"/>
             </a:br>
             <a:r>
-              <a:rPr lang="en-US" sz="2800" dirty="0"/>
+              <a:rPr lang="en-US" sz="2800"/>
               <a:t>using </a:t>
             </a:r>
             <a:r>
-              <a:rPr lang="en-US" sz="2800" dirty="0" err="1"/>
+              <a:rPr lang="en-US" sz="2800" err="1"/>
               <a:t>QuadTree</a:t>
             </a:r>
-            <a:endParaRPr lang="en-US" dirty="0"/>
+            <a:endParaRPr lang="en-US"/>
           </a:p>
         </p:txBody>
       </p:sp>
@@ -34573,7 +34594,7 @@
           <a:lstStyle/>
           <a:p>
             <a:r>
-              <a:rPr lang="en-US" dirty="0"/>
+              <a:rPr lang="en-US"/>
               <a:t>Given a set of point 𝑃 and query range [𝑥1, 𝑥1′ ] [𝑥2, 𝑥2′ ] output the points inside the range.</a:t>
             </a:r>
           </a:p>
@@ -34632,7 +34653,7 @@
           <a:lstStyle/>
           <a:p>
             <a:pPr algn="ctr"/>
-            <a:endParaRPr lang="en-US" dirty="0"/>
+            <a:endParaRPr lang="en-US"/>
           </a:p>
         </p:txBody>
       </p:sp>
@@ -34698,7 +34719,7 @@
           <a:lstStyle/>
           <a:p>
             <a:r>
-              <a:rPr lang="en-US" dirty="0">
+              <a:rPr lang="en-US">
                 <a:solidFill>
                   <a:schemeClr val="tx1">
                     <a:lumMod val="75000"/>
@@ -34711,7 +34732,7 @@
           </a:p>
           <a:p>
             <a:r>
-              <a:rPr lang="en-US" dirty="0">
+              <a:rPr lang="en-US">
                 <a:solidFill>
                   <a:schemeClr val="tx1">
                     <a:lumMod val="75000"/>
@@ -34797,10 +34818,10 @@
           <a:lstStyle/>
           <a:p>
             <a:r>
-              <a:rPr lang="en-US" dirty="0"/>
+              <a:rPr lang="en-US"/>
               <a:t>Partition data by dividing the points in equal sized regions as key</a:t>
             </a:r>
-            <a:endParaRPr lang="en-US" dirty="0">
+            <a:endParaRPr lang="en-US">
               <a:solidFill>
                 <a:schemeClr val="tx1">
                   <a:lumMod val="75000"/>
@@ -34864,7 +34885,7 @@
           <a:lstStyle/>
           <a:p>
             <a:pPr algn="ctr"/>
-            <a:endParaRPr lang="en-US" dirty="0"/>
+            <a:endParaRPr lang="en-US"/>
           </a:p>
         </p:txBody>
       </p:sp>
@@ -34930,7 +34951,7 @@
           <a:lstStyle/>
           <a:p>
             <a:r>
-              <a:rPr lang="en-US" dirty="0">
+              <a:rPr lang="en-US">
                 <a:solidFill>
                   <a:schemeClr val="tx1">
                     <a:lumMod val="75000"/>
@@ -35016,14 +35037,14 @@
           <a:lstStyle/>
           <a:p>
             <a:r>
-              <a:rPr lang="en-US" dirty="0"/>
+              <a:rPr lang="en-US"/>
               <a:t>Map points in a region as </a:t>
             </a:r>
             <a:r>
-              <a:rPr lang="en-US" dirty="0" err="1"/>
+              <a:rPr lang="en-US" err="1"/>
               <a:t>QuadTree</a:t>
             </a:r>
-            <a:endParaRPr lang="en-US" dirty="0">
+            <a:endParaRPr lang="en-US">
               <a:solidFill>
                 <a:schemeClr val="tx1">
                   <a:lumMod val="75000"/>
@@ -35087,7 +35108,7 @@
           <a:lstStyle/>
           <a:p>
             <a:pPr algn="ctr"/>
-            <a:endParaRPr lang="en-US" dirty="0"/>
+            <a:endParaRPr lang="en-US"/>
           </a:p>
         </p:txBody>
       </p:sp>
@@ -35153,7 +35174,7 @@
           <a:lstStyle/>
           <a:p>
             <a:r>
-              <a:rPr lang="en-US" dirty="0">
+              <a:rPr lang="en-US">
                 <a:solidFill>
                   <a:schemeClr val="tx1">
                     <a:lumMod val="75000"/>
@@ -35234,18 +35255,18 @@
           <a:lstStyle/>
           <a:p>
             <a:r>
-              <a:rPr lang="en-US" dirty="0"/>
+              <a:rPr lang="en-US"/>
               <a:t>Query the points using </a:t>
             </a:r>
             <a:r>
-              <a:rPr lang="en-US" dirty="0" err="1"/>
+              <a:rPr lang="en-US" err="1"/>
               <a:t>QuadTree</a:t>
             </a:r>
             <a:r>
-              <a:rPr lang="en-US" dirty="0"/>
+              <a:rPr lang="en-US"/>
               <a:t> in each partition</a:t>
             </a:r>
-            <a:endParaRPr lang="en-US" dirty="0">
+            <a:endParaRPr lang="en-US">
               <a:solidFill>
                 <a:schemeClr val="tx1">
                   <a:lumMod val="75000"/>
@@ -35309,7 +35330,7 @@
           <a:lstStyle/>
           <a:p>
             <a:pPr algn="ctr"/>
-            <a:endParaRPr lang="en-US" dirty="0"/>
+            <a:endParaRPr lang="en-US"/>
           </a:p>
         </p:txBody>
       </p:sp>
@@ -35375,7 +35396,7 @@
           <a:lstStyle/>
           <a:p>
             <a:r>
-              <a:rPr lang="en-US" dirty="0">
+              <a:rPr lang="en-US">
                 <a:solidFill>
                   <a:schemeClr val="tx1">
                     <a:lumMod val="75000"/>
@@ -35456,10 +35477,10 @@
           <a:lstStyle/>
           <a:p>
             <a:r>
-              <a:rPr lang="en-US" dirty="0"/>
+              <a:rPr lang="en-US"/>
               <a:t>It is O(√n)</a:t>
             </a:r>
-            <a:endParaRPr lang="en-US" dirty="0">
+            <a:endParaRPr lang="en-US">
               <a:solidFill>
                 <a:schemeClr val="tx1">
                   <a:lumMod val="75000"/>
@@ -35496,7 +35517,7 @@
               <a:pPr/>
               <a:t>8</a:t>
             </a:fld>
-            <a:endParaRPr lang="en-US" dirty="0"/>
+            <a:endParaRPr lang="en-US"/>
           </a:p>
         </p:txBody>
       </p:sp>
@@ -35533,7 +35554,7 @@
           <a:lstStyle/>
           <a:p>
             <a:r>
-              <a:rPr lang="en-US" sz="1600" dirty="0">
+              <a:rPr lang="en-US" sz="1600">
                 <a:solidFill>
                   <a:schemeClr val="tx1">
                     <a:lumMod val="65000"/>
@@ -35543,7 +35564,7 @@
               </a:rPr>
               <a:t>Range Query and Skyline point in Spark and HDFS</a:t>
             </a:r>
-            <a:endParaRPr lang="en-IN" sz="1600" dirty="0">
+            <a:endParaRPr lang="en-IN" sz="1600">
               <a:solidFill>
                 <a:schemeClr val="tx1">
                   <a:lumMod val="65000"/>
@@ -35606,15 +35627,15 @@
           <a:lstStyle/>
           <a:p>
             <a:r>
-              <a:rPr lang="en-US" dirty="0"/>
+              <a:rPr lang="en-US"/>
               <a:t>Results: Range Search (</a:t>
             </a:r>
             <a:r>
-              <a:rPr lang="en-US" dirty="0" err="1"/>
+              <a:rPr lang="en-US" err="1"/>
               <a:t>QuadTree</a:t>
             </a:r>
             <a:r>
-              <a:rPr lang="en-US" dirty="0"/>
+              <a:rPr lang="en-US"/>
               <a:t>)</a:t>
             </a:r>
           </a:p>
@@ -35642,7 +35663,7 @@
           <a:lstStyle/>
           <a:p>
             <a:r>
-              <a:rPr lang="en-US" dirty="0"/>
+              <a:rPr lang="en-US"/>
               <a:t>Readings in different dataset (executors 5, driver-memory 512m, executor-memory 1G, executor-cores 1)</a:t>
             </a:r>
           </a:p>
@@ -35737,14 +35758,14 @@
                     <a:p>
                       <a:pPr algn="ctr"/>
                       <a:r>
-                        <a:rPr lang="en-ZA" dirty="0"/>
+                        <a:rPr lang="en-ZA"/>
                         <a:t>Data size</a:t>
                       </a:r>
                     </a:p>
                     <a:p>
                       <a:pPr algn="ctr"/>
                       <a:r>
-                        <a:rPr lang="en-ZA" dirty="0"/>
+                        <a:rPr lang="en-ZA"/>
                         <a:t>(Million)</a:t>
                       </a:r>
                     </a:p>
@@ -35785,7 +35806,7 @@
                     <a:p>
                       <a:pPr algn="ctr"/>
                       <a:r>
-                        <a:rPr lang="en-ZA" sz="1600" b="0" dirty="0">
+                        <a:rPr lang="en-ZA" sz="1600" b="0">
                           <a:latin typeface="+mn-lt"/>
                         </a:rPr>
                         <a:t>Start Time</a:t>
@@ -35794,7 +35815,7 @@
                     <a:p>
                       <a:pPr algn="ctr"/>
                       <a:r>
-                        <a:rPr lang="en-ZA" sz="1600" b="0" dirty="0">
+                        <a:rPr lang="en-ZA" sz="1600" b="0">
                           <a:latin typeface="+mn-lt"/>
                         </a:rPr>
                         <a:t>(Sec)</a:t>
@@ -35845,7 +35866,7 @@
                     <a:p>
                       <a:pPr algn="ctr"/>
                       <a:r>
-                        <a:rPr lang="en-ZA" sz="1600" b="0" dirty="0">
+                        <a:rPr lang="en-ZA" sz="1600" b="0">
                           <a:latin typeface="+mn-lt"/>
                         </a:rPr>
                         <a:t>Query1 Time</a:t>
@@ -35854,7 +35875,7 @@
                     <a:p>
                       <a:pPr algn="ctr"/>
                       <a:r>
-                        <a:rPr lang="en-ZA" sz="1600" b="0" dirty="0">
+                        <a:rPr lang="en-ZA" sz="1600" b="0">
                           <a:latin typeface="+mn-lt"/>
                         </a:rPr>
                         <a:t>(Sec, no. of output)</a:t>
@@ -35905,7 +35926,7 @@
                     <a:p>
                       <a:pPr algn="ctr"/>
                       <a:r>
-                        <a:rPr lang="en-ZA" sz="1600" b="0" dirty="0">
+                        <a:rPr lang="en-ZA" sz="1600" b="0">
                           <a:latin typeface="+mn-lt"/>
                         </a:rPr>
                         <a:t>Query2 Time</a:t>
@@ -35914,7 +35935,7 @@
                     <a:p>
                       <a:pPr algn="ctr"/>
                       <a:r>
-                        <a:rPr lang="en-ZA" sz="1600" b="0" dirty="0">
+                        <a:rPr lang="en-ZA" sz="1600" b="0">
                           <a:latin typeface="+mn-lt"/>
                         </a:rPr>
                         <a:t>(Sec, no. of output)</a:t>
@@ -35965,7 +35986,7 @@
                     <a:p>
                       <a:pPr algn="ctr"/>
                       <a:r>
-                        <a:rPr lang="en-ZA" sz="1600" b="0" dirty="0">
+                        <a:rPr lang="en-ZA" sz="1600" b="0">
                           <a:latin typeface="+mn-lt"/>
                         </a:rPr>
                         <a:t>File Size</a:t>
@@ -35974,7 +35995,7 @@
                     <a:p>
                       <a:pPr algn="ctr"/>
                       <a:r>
-                        <a:rPr lang="en-ZA" sz="1600" b="0" dirty="0">
+                        <a:rPr lang="en-ZA" sz="1600" b="0">
                           <a:latin typeface="+mn-lt"/>
                         </a:rPr>
                         <a:t>(MB)</a:t>
@@ -36025,7 +36046,7 @@
                     <a:p>
                       <a:pPr algn="ctr"/>
                       <a:r>
-                        <a:rPr lang="en-ZA" sz="1600" b="0" dirty="0">
+                        <a:rPr lang="en-ZA" sz="1600" b="0">
                           <a:latin typeface="+mn-lt"/>
                         </a:rPr>
                         <a:t>No. of Executors</a:t>
@@ -36076,7 +36097,7 @@
                     <a:p>
                       <a:pPr algn="ctr"/>
                       <a:r>
-                        <a:rPr lang="en-ZA" sz="1600" b="0" dirty="0">
+                        <a:rPr lang="en-ZA" sz="1600" b="0">
                           <a:latin typeface="+mn-lt"/>
                         </a:rPr>
                         <a:t>No. of Exec. Provided</a:t>
@@ -36134,7 +36155,7 @@
                     <a:p>
                       <a:pPr algn="ctr"/>
                       <a:r>
-                        <a:rPr lang="en-ZA" sz="1600" b="1" dirty="0"/>
+                        <a:rPr lang="en-ZA" sz="1600" b="1"/>
                         <a:t>1</a:t>
                       </a:r>
                     </a:p>
@@ -36182,7 +36203,7 @@
                     <a:p>
                       <a:pPr algn="r"/>
                       <a:r>
-                        <a:rPr lang="en-ZA" sz="1600" dirty="0">
+                        <a:rPr lang="en-ZA" sz="1600">
                           <a:solidFill>
                             <a:schemeClr val="tx1">
                               <a:lumMod val="75000"/>
@@ -36261,7 +36282,7 @@
                     <a:p>
                       <a:pPr algn="r"/>
                       <a:r>
-                        <a:rPr lang="en-ZA" sz="1600" dirty="0">
+                        <a:rPr lang="en-ZA" sz="1600">
                           <a:solidFill>
                             <a:schemeClr val="tx1">
                               <a:lumMod val="75000"/>
@@ -36275,7 +36296,7 @@
                     <a:p>
                       <a:pPr algn="r"/>
                       <a:r>
-                        <a:rPr lang="en-ZA" sz="1600" dirty="0">
+                        <a:rPr lang="en-ZA" sz="1600">
                           <a:solidFill>
                             <a:schemeClr val="tx1">
                               <a:lumMod val="75000"/>
@@ -36354,7 +36375,7 @@
                     <a:p>
                       <a:pPr algn="r"/>
                       <a:r>
-                        <a:rPr lang="en-ZA" sz="1600" dirty="0">
+                        <a:rPr lang="en-ZA" sz="1600">
                           <a:solidFill>
                             <a:schemeClr val="tx1">
                               <a:lumMod val="75000"/>
@@ -36368,7 +36389,7 @@
                     <a:p>
                       <a:pPr algn="r"/>
                       <a:r>
-                        <a:rPr lang="en-ZA" sz="1600" dirty="0">
+                        <a:rPr lang="en-ZA" sz="1600">
                           <a:solidFill>
                             <a:schemeClr val="tx1">
                               <a:lumMod val="75000"/>
@@ -36447,7 +36468,7 @@
                     <a:p>
                       <a:pPr algn="r"/>
                       <a:r>
-                        <a:rPr lang="en-ZA" sz="1600" dirty="0">
+                        <a:rPr lang="en-ZA" sz="1600">
                           <a:solidFill>
                             <a:schemeClr val="tx1">
                               <a:lumMod val="75000"/>
@@ -36526,7 +36547,7 @@
                     <a:p>
                       <a:pPr algn="r"/>
                       <a:r>
-                        <a:rPr lang="en-ZA" sz="1600" dirty="0">
+                        <a:rPr lang="en-ZA" sz="1600">
                           <a:solidFill>
                             <a:schemeClr val="tx1">
                               <a:lumMod val="75000"/>
@@ -36691,7 +36712,7 @@
                     <a:p>
                       <a:pPr algn="ctr"/>
                       <a:r>
-                        <a:rPr lang="en-ZA" sz="1600" b="1" dirty="0"/>
+                        <a:rPr lang="en-ZA" sz="1600" b="1"/>
                         <a:t>10</a:t>
                       </a:r>
                     </a:p>
@@ -36739,7 +36760,7 @@
                     <a:p>
                       <a:pPr algn="r"/>
                       <a:r>
-                        <a:rPr lang="en-ZA" sz="1600" dirty="0">
+                        <a:rPr lang="en-ZA" sz="1600">
                           <a:solidFill>
                             <a:schemeClr val="tx1">
                               <a:lumMod val="75000"/>
@@ -36818,7 +36839,7 @@
                     <a:p>
                       <a:pPr algn="r"/>
                       <a:r>
-                        <a:rPr lang="en-ZA" sz="1600" dirty="0">
+                        <a:rPr lang="en-ZA" sz="1600">
                           <a:solidFill>
                             <a:schemeClr val="tx1">
                               <a:lumMod val="75000"/>
@@ -36832,7 +36853,7 @@
                     <a:p>
                       <a:pPr algn="r"/>
                       <a:r>
-                        <a:rPr lang="en-ZA" sz="1600" dirty="0">
+                        <a:rPr lang="en-ZA" sz="1600">
                           <a:solidFill>
                             <a:schemeClr val="tx1">
                               <a:lumMod val="75000"/>
@@ -36911,7 +36932,7 @@
                     <a:p>
                       <a:pPr algn="r"/>
                       <a:r>
-                        <a:rPr lang="en-ZA" sz="1600" dirty="0">
+                        <a:rPr lang="en-ZA" sz="1600">
                           <a:solidFill>
                             <a:schemeClr val="tx1">
                               <a:lumMod val="75000"/>
@@ -36925,7 +36946,7 @@
                     <a:p>
                       <a:pPr algn="r"/>
                       <a:r>
-                        <a:rPr lang="en-ZA" sz="1600" dirty="0">
+                        <a:rPr lang="en-ZA" sz="1600">
                           <a:solidFill>
                             <a:schemeClr val="tx1">
                               <a:lumMod val="75000"/>
@@ -37004,7 +37025,7 @@
                     <a:p>
                       <a:pPr algn="r"/>
                       <a:r>
-                        <a:rPr lang="en-ZA" sz="1600" dirty="0">
+                        <a:rPr lang="en-ZA" sz="1600">
                           <a:solidFill>
                             <a:schemeClr val="tx1">
                               <a:lumMod val="75000"/>
@@ -37083,7 +37104,1121 @@
                     <a:p>
                       <a:pPr algn="r"/>
                       <a:r>
-                        <a:rPr lang="en-ZA" sz="1600" dirty="0">
+                        <a:rPr lang="en-ZA" sz="1600">
+                          <a:solidFill>
+                            <a:schemeClr val="tx1">
+                              <a:lumMod val="75000"/>
+                              <a:lumOff val="25000"/>
+                            </a:schemeClr>
+                          </a:solidFill>
+                        </a:rPr>
+                        <a:t>5</a:t>
+                      </a:r>
+                    </a:p>
+                  </a:txBody>
+                  <a:tcPr anchor="ctr">
+                    <a:lnL w="3175" cap="flat" cmpd="sng" algn="ctr">
+                      <a:solidFill>
+                        <a:schemeClr val="bg1">
+                          <a:lumMod val="75000"/>
+                        </a:schemeClr>
+                      </a:solidFill>
+                      <a:prstDash val="solid"/>
+                      <a:round/>
+                      <a:headEnd type="none" w="med" len="med"/>
+                      <a:tailEnd type="none" w="med" len="med"/>
+                    </a:lnL>
+                    <a:lnR w="3175" cap="flat" cmpd="sng" algn="ctr">
+                      <a:solidFill>
+                        <a:schemeClr val="bg1">
+                          <a:lumMod val="75000"/>
+                        </a:schemeClr>
+                      </a:solidFill>
+                      <a:prstDash val="solid"/>
+                      <a:round/>
+                      <a:headEnd type="none" w="med" len="med"/>
+                      <a:tailEnd type="none" w="med" len="med"/>
+                    </a:lnR>
+                    <a:lnT w="3175" cap="flat" cmpd="sng" algn="ctr">
+                      <a:solidFill>
+                        <a:schemeClr val="bg1">
+                          <a:lumMod val="75000"/>
+                        </a:schemeClr>
+                      </a:solidFill>
+                      <a:prstDash val="solid"/>
+                      <a:round/>
+                      <a:headEnd type="none" w="med" len="med"/>
+                      <a:tailEnd type="none" w="med" len="med"/>
+                    </a:lnT>
+                    <a:lnB w="3175" cap="flat" cmpd="sng" algn="ctr">
+                      <a:solidFill>
+                        <a:schemeClr val="bg1">
+                          <a:lumMod val="75000"/>
+                        </a:schemeClr>
+                      </a:solidFill>
+                      <a:prstDash val="solid"/>
+                      <a:round/>
+                      <a:headEnd type="none" w="med" len="med"/>
+                      <a:tailEnd type="none" w="med" len="med"/>
+                    </a:lnB>
+                    <a:lnTlToBr w="12700" cmpd="sng">
+                      <a:noFill/>
+                      <a:prstDash val="solid"/>
+                    </a:lnTlToBr>
+                    <a:lnBlToTr w="12700" cmpd="sng">
+                      <a:noFill/>
+                      <a:prstDash val="solid"/>
+                    </a:lnBlToTr>
+                    <a:solidFill>
+                      <a:schemeClr val="bg1">
+                        <a:lumMod val="85000"/>
+                      </a:schemeClr>
+                    </a:solidFill>
+                  </a:tcPr>
+                </a:tc>
+                <a:tc>
+                  <a:txBody>
+                    <a:bodyPr/>
+                    <a:lstStyle/>
+                    <a:p>
+                      <a:pPr algn="r"/>
+                      <a:r>
+                        <a:rPr lang="en-ZA" sz="1600">
+                          <a:solidFill>
+                            <a:schemeClr val="tx1">
+                              <a:lumMod val="75000"/>
+                              <a:lumOff val="25000"/>
+                            </a:schemeClr>
+                          </a:solidFill>
+                        </a:rPr>
+                        <a:t>5</a:t>
+                      </a:r>
+                    </a:p>
+                  </a:txBody>
+                  <a:tcPr anchor="ctr">
+                    <a:lnL w="3175" cap="flat" cmpd="sng" algn="ctr">
+                      <a:solidFill>
+                        <a:schemeClr val="bg1">
+                          <a:lumMod val="75000"/>
+                        </a:schemeClr>
+                      </a:solidFill>
+                      <a:prstDash val="solid"/>
+                      <a:round/>
+                      <a:headEnd type="none" w="med" len="med"/>
+                      <a:tailEnd type="none" w="med" len="med"/>
+                    </a:lnL>
+                    <a:lnR w="3175" cap="flat" cmpd="sng" algn="ctr">
+                      <a:solidFill>
+                        <a:schemeClr val="bg1">
+                          <a:lumMod val="75000"/>
+                        </a:schemeClr>
+                      </a:solidFill>
+                      <a:prstDash val="solid"/>
+                      <a:round/>
+                      <a:headEnd type="none" w="med" len="med"/>
+                      <a:tailEnd type="none" w="med" len="med"/>
+                    </a:lnR>
+                    <a:lnT w="3175" cap="flat" cmpd="sng" algn="ctr">
+                      <a:solidFill>
+                        <a:schemeClr val="bg1">
+                          <a:lumMod val="75000"/>
+                        </a:schemeClr>
+                      </a:solidFill>
+                      <a:prstDash val="solid"/>
+                      <a:round/>
+                      <a:headEnd type="none" w="med" len="med"/>
+                      <a:tailEnd type="none" w="med" len="med"/>
+                    </a:lnT>
+                    <a:lnB w="3175" cap="flat" cmpd="sng" algn="ctr">
+                      <a:solidFill>
+                        <a:schemeClr val="bg1">
+                          <a:lumMod val="75000"/>
+                        </a:schemeClr>
+                      </a:solidFill>
+                      <a:prstDash val="solid"/>
+                      <a:round/>
+                      <a:headEnd type="none" w="med" len="med"/>
+                      <a:tailEnd type="none" w="med" len="med"/>
+                    </a:lnB>
+                    <a:lnTlToBr w="12700" cmpd="sng">
+                      <a:noFill/>
+                      <a:prstDash val="solid"/>
+                    </a:lnTlToBr>
+                    <a:lnBlToTr w="12700" cmpd="sng">
+                      <a:noFill/>
+                      <a:prstDash val="solid"/>
+                    </a:lnBlToTr>
+                    <a:solidFill>
+                      <a:schemeClr val="bg1">
+                        <a:lumMod val="95000"/>
+                      </a:schemeClr>
+                    </a:solidFill>
+                  </a:tcPr>
+                </a:tc>
+                <a:extLst>
+                  <a:ext uri="{0D108BD9-81ED-4DB2-BD59-A6C34878D82A}">
+                    <a16:rowId xmlns:a16="http://schemas.microsoft.com/office/drawing/2014/main" val="2912132828"/>
+                  </a:ext>
+                </a:extLst>
+              </a:tr>
+              <a:tr h="749184">
+                <a:tc>
+                  <a:txBody>
+                    <a:bodyPr/>
+                    <a:lstStyle/>
+                    <a:p>
+                      <a:pPr algn="ctr"/>
+                      <a:r>
+                        <a:rPr lang="en-ZA" sz="1600" b="1"/>
+                        <a:t>20</a:t>
+                      </a:r>
+                    </a:p>
+                  </a:txBody>
+                  <a:tcPr anchor="ctr">
+                    <a:lnL w="12700" cmpd="sng">
+                      <a:noFill/>
+                    </a:lnL>
+                    <a:lnR w="3175" cap="flat" cmpd="sng" algn="ctr">
+                      <a:solidFill>
+                        <a:schemeClr val="bg1">
+                          <a:lumMod val="75000"/>
+                        </a:schemeClr>
+                      </a:solidFill>
+                      <a:prstDash val="solid"/>
+                      <a:round/>
+                      <a:headEnd type="none" w="med" len="med"/>
+                      <a:tailEnd type="none" w="med" len="med"/>
+                    </a:lnR>
+                    <a:lnT w="12700" cmpd="sng">
+                      <a:noFill/>
+                    </a:lnT>
+                    <a:lnB w="12700" cmpd="sng">
+                      <a:noFill/>
+                    </a:lnB>
+                    <a:lnTlToBr w="12700" cmpd="sng">
+                      <a:noFill/>
+                      <a:prstDash val="solid"/>
+                    </a:lnTlToBr>
+                    <a:lnBlToTr w="12700" cmpd="sng">
+                      <a:noFill/>
+                      <a:prstDash val="solid"/>
+                    </a:lnBlToTr>
+                    <a:solidFill>
+                      <a:schemeClr val="accent1">
+                        <a:lumMod val="50000"/>
+                      </a:schemeClr>
+                    </a:solidFill>
+                  </a:tcPr>
+                </a:tc>
+                <a:tc>
+                  <a:txBody>
+                    <a:bodyPr/>
+                    <a:lstStyle/>
+                    <a:p>
+                      <a:pPr algn="r"/>
+                      <a:r>
+                        <a:rPr lang="en-ZA" sz="1600">
+                          <a:solidFill>
+                            <a:schemeClr val="tx1">
+                              <a:lumMod val="75000"/>
+                              <a:lumOff val="25000"/>
+                            </a:schemeClr>
+                          </a:solidFill>
+                        </a:rPr>
+                        <a:t>80</a:t>
+                      </a:r>
+                    </a:p>
+                  </a:txBody>
+                  <a:tcPr anchor="ctr">
+                    <a:lnL w="3175" cap="flat" cmpd="sng" algn="ctr">
+                      <a:solidFill>
+                        <a:schemeClr val="bg1">
+                          <a:lumMod val="75000"/>
+                        </a:schemeClr>
+                      </a:solidFill>
+                      <a:prstDash val="solid"/>
+                      <a:round/>
+                      <a:headEnd type="none" w="med" len="med"/>
+                      <a:tailEnd type="none" w="med" len="med"/>
+                    </a:lnL>
+                    <a:lnR w="3175" cap="flat" cmpd="sng" algn="ctr">
+                      <a:solidFill>
+                        <a:schemeClr val="bg1">
+                          <a:lumMod val="75000"/>
+                        </a:schemeClr>
+                      </a:solidFill>
+                      <a:prstDash val="solid"/>
+                      <a:round/>
+                      <a:headEnd type="none" w="med" len="med"/>
+                      <a:tailEnd type="none" w="med" len="med"/>
+                    </a:lnR>
+                    <a:lnT w="3175" cap="flat" cmpd="sng" algn="ctr">
+                      <a:solidFill>
+                        <a:schemeClr val="bg1">
+                          <a:lumMod val="75000"/>
+                        </a:schemeClr>
+                      </a:solidFill>
+                      <a:prstDash val="solid"/>
+                      <a:round/>
+                      <a:headEnd type="none" w="med" len="med"/>
+                      <a:tailEnd type="none" w="med" len="med"/>
+                    </a:lnT>
+                    <a:lnB w="3175" cap="flat" cmpd="sng" algn="ctr">
+                      <a:solidFill>
+                        <a:schemeClr val="bg1">
+                          <a:lumMod val="75000"/>
+                        </a:schemeClr>
+                      </a:solidFill>
+                      <a:prstDash val="solid"/>
+                      <a:round/>
+                      <a:headEnd type="none" w="med" len="med"/>
+                      <a:tailEnd type="none" w="med" len="med"/>
+                    </a:lnB>
+                    <a:lnTlToBr w="12700" cmpd="sng">
+                      <a:noFill/>
+                      <a:prstDash val="solid"/>
+                    </a:lnTlToBr>
+                    <a:lnBlToTr w="12700" cmpd="sng">
+                      <a:noFill/>
+                      <a:prstDash val="solid"/>
+                    </a:lnBlToTr>
+                    <a:solidFill>
+                      <a:schemeClr val="bg1">
+                        <a:lumMod val="95000"/>
+                      </a:schemeClr>
+                    </a:solidFill>
+                  </a:tcPr>
+                </a:tc>
+                <a:tc>
+                  <a:txBody>
+                    <a:bodyPr/>
+                    <a:lstStyle/>
+                    <a:p>
+                      <a:pPr algn="r"/>
+                      <a:r>
+                        <a:rPr lang="en-ZA" sz="1600">
+                          <a:solidFill>
+                            <a:schemeClr val="tx1">
+                              <a:lumMod val="75000"/>
+                              <a:lumOff val="25000"/>
+                            </a:schemeClr>
+                          </a:solidFill>
+                        </a:rPr>
+                        <a:t>18</a:t>
+                      </a:r>
+                    </a:p>
+                    <a:p>
+                      <a:pPr algn="r"/>
+                      <a:r>
+                        <a:rPr lang="en-ZA" sz="1600">
+                          <a:solidFill>
+                            <a:schemeClr val="tx1">
+                              <a:lumMod val="75000"/>
+                              <a:lumOff val="25000"/>
+                            </a:schemeClr>
+                          </a:solidFill>
+                        </a:rPr>
+                        <a:t>4766851</a:t>
+                      </a:r>
+                    </a:p>
+                  </a:txBody>
+                  <a:tcPr anchor="ctr">
+                    <a:lnL w="3175" cap="flat" cmpd="sng" algn="ctr">
+                      <a:solidFill>
+                        <a:schemeClr val="bg1">
+                          <a:lumMod val="75000"/>
+                        </a:schemeClr>
+                      </a:solidFill>
+                      <a:prstDash val="solid"/>
+                      <a:round/>
+                      <a:headEnd type="none" w="med" len="med"/>
+                      <a:tailEnd type="none" w="med" len="med"/>
+                    </a:lnL>
+                    <a:lnR w="3175" cap="flat" cmpd="sng" algn="ctr">
+                      <a:solidFill>
+                        <a:schemeClr val="bg1">
+                          <a:lumMod val="75000"/>
+                        </a:schemeClr>
+                      </a:solidFill>
+                      <a:prstDash val="solid"/>
+                      <a:round/>
+                      <a:headEnd type="none" w="med" len="med"/>
+                      <a:tailEnd type="none" w="med" len="med"/>
+                    </a:lnR>
+                    <a:lnT w="3175" cap="flat" cmpd="sng" algn="ctr">
+                      <a:solidFill>
+                        <a:schemeClr val="bg1">
+                          <a:lumMod val="75000"/>
+                        </a:schemeClr>
+                      </a:solidFill>
+                      <a:prstDash val="solid"/>
+                      <a:round/>
+                      <a:headEnd type="none" w="med" len="med"/>
+                      <a:tailEnd type="none" w="med" len="med"/>
+                    </a:lnT>
+                    <a:lnB w="3175" cap="flat" cmpd="sng" algn="ctr">
+                      <a:solidFill>
+                        <a:schemeClr val="bg1">
+                          <a:lumMod val="75000"/>
+                        </a:schemeClr>
+                      </a:solidFill>
+                      <a:prstDash val="solid"/>
+                      <a:round/>
+                      <a:headEnd type="none" w="med" len="med"/>
+                      <a:tailEnd type="none" w="med" len="med"/>
+                    </a:lnB>
+                    <a:lnTlToBr w="12700" cmpd="sng">
+                      <a:noFill/>
+                      <a:prstDash val="solid"/>
+                    </a:lnTlToBr>
+                    <a:lnBlToTr w="12700" cmpd="sng">
+                      <a:noFill/>
+                      <a:prstDash val="solid"/>
+                    </a:lnBlToTr>
+                    <a:solidFill>
+                      <a:schemeClr val="bg1">
+                        <a:lumMod val="95000"/>
+                      </a:schemeClr>
+                    </a:solidFill>
+                  </a:tcPr>
+                </a:tc>
+                <a:tc>
+                  <a:txBody>
+                    <a:bodyPr/>
+                    <a:lstStyle/>
+                    <a:p>
+                      <a:pPr algn="r"/>
+                      <a:r>
+                        <a:rPr lang="en-ZA" sz="1600">
+                          <a:solidFill>
+                            <a:schemeClr val="tx1">
+                              <a:lumMod val="75000"/>
+                              <a:lumOff val="25000"/>
+                            </a:schemeClr>
+                          </a:solidFill>
+                        </a:rPr>
+                        <a:t>14</a:t>
+                      </a:r>
+                    </a:p>
+                    <a:p>
+                      <a:pPr algn="r"/>
+                      <a:r>
+                        <a:rPr lang="en-ZA" sz="1600">
+                          <a:solidFill>
+                            <a:schemeClr val="tx1">
+                              <a:lumMod val="75000"/>
+                              <a:lumOff val="25000"/>
+                            </a:schemeClr>
+                          </a:solidFill>
+                        </a:rPr>
+                        <a:t>81383</a:t>
+                      </a:r>
+                    </a:p>
+                  </a:txBody>
+                  <a:tcPr anchor="ctr">
+                    <a:lnL w="3175" cap="flat" cmpd="sng" algn="ctr">
+                      <a:solidFill>
+                        <a:schemeClr val="bg1">
+                          <a:lumMod val="75000"/>
+                        </a:schemeClr>
+                      </a:solidFill>
+                      <a:prstDash val="solid"/>
+                      <a:round/>
+                      <a:headEnd type="none" w="med" len="med"/>
+                      <a:tailEnd type="none" w="med" len="med"/>
+                    </a:lnL>
+                    <a:lnR w="3175" cap="flat" cmpd="sng" algn="ctr">
+                      <a:solidFill>
+                        <a:schemeClr val="bg1">
+                          <a:lumMod val="75000"/>
+                        </a:schemeClr>
+                      </a:solidFill>
+                      <a:prstDash val="solid"/>
+                      <a:round/>
+                      <a:headEnd type="none" w="med" len="med"/>
+                      <a:tailEnd type="none" w="med" len="med"/>
+                    </a:lnR>
+                    <a:lnT w="3175" cap="flat" cmpd="sng" algn="ctr">
+                      <a:solidFill>
+                        <a:schemeClr val="bg1">
+                          <a:lumMod val="75000"/>
+                        </a:schemeClr>
+                      </a:solidFill>
+                      <a:prstDash val="solid"/>
+                      <a:round/>
+                      <a:headEnd type="none" w="med" len="med"/>
+                      <a:tailEnd type="none" w="med" len="med"/>
+                    </a:lnT>
+                    <a:lnB w="3175" cap="flat" cmpd="sng" algn="ctr">
+                      <a:solidFill>
+                        <a:schemeClr val="bg1">
+                          <a:lumMod val="75000"/>
+                        </a:schemeClr>
+                      </a:solidFill>
+                      <a:prstDash val="solid"/>
+                      <a:round/>
+                      <a:headEnd type="none" w="med" len="med"/>
+                      <a:tailEnd type="none" w="med" len="med"/>
+                    </a:lnB>
+                    <a:lnTlToBr w="12700" cmpd="sng">
+                      <a:noFill/>
+                      <a:prstDash val="solid"/>
+                    </a:lnTlToBr>
+                    <a:lnBlToTr w="12700" cmpd="sng">
+                      <a:noFill/>
+                      <a:prstDash val="solid"/>
+                    </a:lnBlToTr>
+                    <a:solidFill>
+                      <a:schemeClr val="bg1">
+                        <a:lumMod val="95000"/>
+                      </a:schemeClr>
+                    </a:solidFill>
+                  </a:tcPr>
+                </a:tc>
+                <a:tc>
+                  <a:txBody>
+                    <a:bodyPr/>
+                    <a:lstStyle/>
+                    <a:p>
+                      <a:pPr algn="r"/>
+                      <a:r>
+                        <a:rPr lang="en-ZA" sz="1600">
+                          <a:solidFill>
+                            <a:schemeClr val="tx1">
+                              <a:lumMod val="75000"/>
+                              <a:lumOff val="25000"/>
+                            </a:schemeClr>
+                          </a:solidFill>
+                        </a:rPr>
+                        <a:t>412</a:t>
+                      </a:r>
+                    </a:p>
+                  </a:txBody>
+                  <a:tcPr anchor="ctr">
+                    <a:lnL w="3175" cap="flat" cmpd="sng" algn="ctr">
+                      <a:solidFill>
+                        <a:schemeClr val="bg1">
+                          <a:lumMod val="75000"/>
+                        </a:schemeClr>
+                      </a:solidFill>
+                      <a:prstDash val="solid"/>
+                      <a:round/>
+                      <a:headEnd type="none" w="med" len="med"/>
+                      <a:tailEnd type="none" w="med" len="med"/>
+                    </a:lnL>
+                    <a:lnR w="3175" cap="flat" cmpd="sng" algn="ctr">
+                      <a:solidFill>
+                        <a:schemeClr val="bg1">
+                          <a:lumMod val="75000"/>
+                        </a:schemeClr>
+                      </a:solidFill>
+                      <a:prstDash val="solid"/>
+                      <a:round/>
+                      <a:headEnd type="none" w="med" len="med"/>
+                      <a:tailEnd type="none" w="med" len="med"/>
+                    </a:lnR>
+                    <a:lnT w="3175" cap="flat" cmpd="sng" algn="ctr">
+                      <a:solidFill>
+                        <a:schemeClr val="bg1">
+                          <a:lumMod val="75000"/>
+                        </a:schemeClr>
+                      </a:solidFill>
+                      <a:prstDash val="solid"/>
+                      <a:round/>
+                      <a:headEnd type="none" w="med" len="med"/>
+                      <a:tailEnd type="none" w="med" len="med"/>
+                    </a:lnT>
+                    <a:lnB w="3175" cap="flat" cmpd="sng" algn="ctr">
+                      <a:solidFill>
+                        <a:schemeClr val="bg1">
+                          <a:lumMod val="75000"/>
+                        </a:schemeClr>
+                      </a:solidFill>
+                      <a:prstDash val="solid"/>
+                      <a:round/>
+                      <a:headEnd type="none" w="med" len="med"/>
+                      <a:tailEnd type="none" w="med" len="med"/>
+                    </a:lnB>
+                    <a:lnTlToBr w="12700" cmpd="sng">
+                      <a:noFill/>
+                      <a:prstDash val="solid"/>
+                    </a:lnTlToBr>
+                    <a:lnBlToTr w="12700" cmpd="sng">
+                      <a:noFill/>
+                      <a:prstDash val="solid"/>
+                    </a:lnBlToTr>
+                    <a:solidFill>
+                      <a:schemeClr val="bg1">
+                        <a:lumMod val="95000"/>
+                      </a:schemeClr>
+                    </a:solidFill>
+                  </a:tcPr>
+                </a:tc>
+                <a:tc>
+                  <a:txBody>
+                    <a:bodyPr/>
+                    <a:lstStyle/>
+                    <a:p>
+                      <a:pPr algn="r"/>
+                      <a:r>
+                        <a:rPr lang="en-ZA" sz="1600">
+                          <a:solidFill>
+                            <a:schemeClr val="tx1">
+                              <a:lumMod val="75000"/>
+                              <a:lumOff val="25000"/>
+                            </a:schemeClr>
+                          </a:solidFill>
+                        </a:rPr>
+                        <a:t>5</a:t>
+                      </a:r>
+                    </a:p>
+                  </a:txBody>
+                  <a:tcPr anchor="ctr">
+                    <a:lnL w="3175" cap="flat" cmpd="sng" algn="ctr">
+                      <a:solidFill>
+                        <a:schemeClr val="bg1">
+                          <a:lumMod val="75000"/>
+                        </a:schemeClr>
+                      </a:solidFill>
+                      <a:prstDash val="solid"/>
+                      <a:round/>
+                      <a:headEnd type="none" w="med" len="med"/>
+                      <a:tailEnd type="none" w="med" len="med"/>
+                    </a:lnL>
+                    <a:lnR w="3175" cap="flat" cmpd="sng" algn="ctr">
+                      <a:solidFill>
+                        <a:schemeClr val="bg1">
+                          <a:lumMod val="75000"/>
+                        </a:schemeClr>
+                      </a:solidFill>
+                      <a:prstDash val="solid"/>
+                      <a:round/>
+                      <a:headEnd type="none" w="med" len="med"/>
+                      <a:tailEnd type="none" w="med" len="med"/>
+                    </a:lnR>
+                    <a:lnT w="3175" cap="flat" cmpd="sng" algn="ctr">
+                      <a:solidFill>
+                        <a:schemeClr val="bg1">
+                          <a:lumMod val="75000"/>
+                        </a:schemeClr>
+                      </a:solidFill>
+                      <a:prstDash val="solid"/>
+                      <a:round/>
+                      <a:headEnd type="none" w="med" len="med"/>
+                      <a:tailEnd type="none" w="med" len="med"/>
+                    </a:lnT>
+                    <a:lnB w="3175" cap="flat" cmpd="sng" algn="ctr">
+                      <a:solidFill>
+                        <a:schemeClr val="bg1">
+                          <a:lumMod val="75000"/>
+                        </a:schemeClr>
+                      </a:solidFill>
+                      <a:prstDash val="solid"/>
+                      <a:round/>
+                      <a:headEnd type="none" w="med" len="med"/>
+                      <a:tailEnd type="none" w="med" len="med"/>
+                    </a:lnB>
+                    <a:lnTlToBr w="12700" cmpd="sng">
+                      <a:noFill/>
+                      <a:prstDash val="solid"/>
+                    </a:lnTlToBr>
+                    <a:lnBlToTr w="12700" cmpd="sng">
+                      <a:noFill/>
+                      <a:prstDash val="solid"/>
+                    </a:lnBlToTr>
+                    <a:solidFill>
+                      <a:schemeClr val="bg1">
+                        <a:lumMod val="85000"/>
+                      </a:schemeClr>
+                    </a:solidFill>
+                  </a:tcPr>
+                </a:tc>
+                <a:tc>
+                  <a:txBody>
+                    <a:bodyPr/>
+                    <a:lstStyle/>
+                    <a:p>
+                      <a:pPr algn="r"/>
+                      <a:r>
+                        <a:rPr lang="en-ZA" sz="1600">
+                          <a:solidFill>
+                            <a:schemeClr val="tx1">
+                              <a:lumMod val="75000"/>
+                              <a:lumOff val="25000"/>
+                            </a:schemeClr>
+                          </a:solidFill>
+                        </a:rPr>
+                        <a:t>5</a:t>
+                      </a:r>
+                    </a:p>
+                  </a:txBody>
+                  <a:tcPr anchor="ctr">
+                    <a:lnL w="3175" cap="flat" cmpd="sng" algn="ctr">
+                      <a:solidFill>
+                        <a:schemeClr val="bg1">
+                          <a:lumMod val="75000"/>
+                        </a:schemeClr>
+                      </a:solidFill>
+                      <a:prstDash val="solid"/>
+                      <a:round/>
+                      <a:headEnd type="none" w="med" len="med"/>
+                      <a:tailEnd type="none" w="med" len="med"/>
+                    </a:lnL>
+                    <a:lnR w="3175" cap="flat" cmpd="sng" algn="ctr">
+                      <a:solidFill>
+                        <a:schemeClr val="bg1">
+                          <a:lumMod val="75000"/>
+                        </a:schemeClr>
+                      </a:solidFill>
+                      <a:prstDash val="solid"/>
+                      <a:round/>
+                      <a:headEnd type="none" w="med" len="med"/>
+                      <a:tailEnd type="none" w="med" len="med"/>
+                    </a:lnR>
+                    <a:lnT w="3175" cap="flat" cmpd="sng" algn="ctr">
+                      <a:solidFill>
+                        <a:schemeClr val="bg1">
+                          <a:lumMod val="75000"/>
+                        </a:schemeClr>
+                      </a:solidFill>
+                      <a:prstDash val="solid"/>
+                      <a:round/>
+                      <a:headEnd type="none" w="med" len="med"/>
+                      <a:tailEnd type="none" w="med" len="med"/>
+                    </a:lnT>
+                    <a:lnB w="3175" cap="flat" cmpd="sng" algn="ctr">
+                      <a:solidFill>
+                        <a:schemeClr val="bg1">
+                          <a:lumMod val="75000"/>
+                        </a:schemeClr>
+                      </a:solidFill>
+                      <a:prstDash val="solid"/>
+                      <a:round/>
+                      <a:headEnd type="none" w="med" len="med"/>
+                      <a:tailEnd type="none" w="med" len="med"/>
+                    </a:lnB>
+                    <a:lnTlToBr w="12700" cmpd="sng">
+                      <a:noFill/>
+                      <a:prstDash val="solid"/>
+                    </a:lnTlToBr>
+                    <a:lnBlToTr w="12700" cmpd="sng">
+                      <a:noFill/>
+                      <a:prstDash val="solid"/>
+                    </a:lnBlToTr>
+                    <a:solidFill>
+                      <a:schemeClr val="bg1">
+                        <a:lumMod val="95000"/>
+                      </a:schemeClr>
+                    </a:solidFill>
+                  </a:tcPr>
+                </a:tc>
+                <a:extLst>
+                  <a:ext uri="{0D108BD9-81ED-4DB2-BD59-A6C34878D82A}">
+                    <a16:rowId xmlns:a16="http://schemas.microsoft.com/office/drawing/2014/main" val="1094300830"/>
+                  </a:ext>
+                </a:extLst>
+              </a:tr>
+              <a:tr h="749184">
+                <a:tc>
+                  <a:txBody>
+                    <a:bodyPr/>
+                    <a:lstStyle/>
+                    <a:p>
+                      <a:pPr algn="ctr"/>
+                      <a:r>
+                        <a:rPr lang="en-ZA" sz="1600" b="1"/>
+                        <a:t>30</a:t>
+                      </a:r>
+                    </a:p>
+                  </a:txBody>
+                  <a:tcPr anchor="ctr">
+                    <a:lnL w="12700" cmpd="sng">
+                      <a:noFill/>
+                    </a:lnL>
+                    <a:lnR w="3175" cap="flat" cmpd="sng" algn="ctr">
+                      <a:solidFill>
+                        <a:schemeClr val="bg1">
+                          <a:lumMod val="75000"/>
+                        </a:schemeClr>
+                      </a:solidFill>
+                      <a:prstDash val="solid"/>
+                      <a:round/>
+                      <a:headEnd type="none" w="med" len="med"/>
+                      <a:tailEnd type="none" w="med" len="med"/>
+                    </a:lnR>
+                    <a:lnT w="12700" cmpd="sng">
+                      <a:noFill/>
+                    </a:lnT>
+                    <a:lnB w="12700" cmpd="sng">
+                      <a:noFill/>
+                    </a:lnB>
+                    <a:lnTlToBr w="12700" cmpd="sng">
+                      <a:noFill/>
+                      <a:prstDash val="solid"/>
+                    </a:lnTlToBr>
+                    <a:lnBlToTr w="12700" cmpd="sng">
+                      <a:noFill/>
+                      <a:prstDash val="solid"/>
+                    </a:lnBlToTr>
+                    <a:solidFill>
+                      <a:schemeClr val="accent1">
+                        <a:lumMod val="50000"/>
+                      </a:schemeClr>
+                    </a:solidFill>
+                  </a:tcPr>
+                </a:tc>
+                <a:tc>
+                  <a:txBody>
+                    <a:bodyPr/>
+                    <a:lstStyle/>
+                    <a:p>
+                      <a:pPr algn="r"/>
+                      <a:r>
+                        <a:rPr lang="en-ZA" sz="1600">
+                          <a:solidFill>
+                            <a:schemeClr val="tx1">
+                              <a:lumMod val="75000"/>
+                              <a:lumOff val="25000"/>
+                            </a:schemeClr>
+                          </a:solidFill>
+                        </a:rPr>
+                        <a:t>73</a:t>
+                      </a:r>
+                    </a:p>
+                  </a:txBody>
+                  <a:tcPr anchor="ctr">
+                    <a:lnL w="3175" cap="flat" cmpd="sng" algn="ctr">
+                      <a:solidFill>
+                        <a:schemeClr val="bg1">
+                          <a:lumMod val="75000"/>
+                        </a:schemeClr>
+                      </a:solidFill>
+                      <a:prstDash val="solid"/>
+                      <a:round/>
+                      <a:headEnd type="none" w="med" len="med"/>
+                      <a:tailEnd type="none" w="med" len="med"/>
+                    </a:lnL>
+                    <a:lnR w="3175" cap="flat" cmpd="sng" algn="ctr">
+                      <a:solidFill>
+                        <a:schemeClr val="bg1">
+                          <a:lumMod val="75000"/>
+                        </a:schemeClr>
+                      </a:solidFill>
+                      <a:prstDash val="solid"/>
+                      <a:round/>
+                      <a:headEnd type="none" w="med" len="med"/>
+                      <a:tailEnd type="none" w="med" len="med"/>
+                    </a:lnR>
+                    <a:lnT w="3175" cap="flat" cmpd="sng" algn="ctr">
+                      <a:solidFill>
+                        <a:schemeClr val="bg1">
+                          <a:lumMod val="75000"/>
+                        </a:schemeClr>
+                      </a:solidFill>
+                      <a:prstDash val="solid"/>
+                      <a:round/>
+                      <a:headEnd type="none" w="med" len="med"/>
+                      <a:tailEnd type="none" w="med" len="med"/>
+                    </a:lnT>
+                    <a:lnB w="3175" cap="flat" cmpd="sng" algn="ctr">
+                      <a:solidFill>
+                        <a:schemeClr val="bg1">
+                          <a:lumMod val="75000"/>
+                        </a:schemeClr>
+                      </a:solidFill>
+                      <a:prstDash val="solid"/>
+                      <a:round/>
+                      <a:headEnd type="none" w="med" len="med"/>
+                      <a:tailEnd type="none" w="med" len="med"/>
+                    </a:lnB>
+                    <a:lnTlToBr w="12700" cmpd="sng">
+                      <a:noFill/>
+                      <a:prstDash val="solid"/>
+                    </a:lnTlToBr>
+                    <a:lnBlToTr w="12700" cmpd="sng">
+                      <a:noFill/>
+                      <a:prstDash val="solid"/>
+                    </a:lnBlToTr>
+                    <a:solidFill>
+                      <a:schemeClr val="bg1">
+                        <a:lumMod val="95000"/>
+                      </a:schemeClr>
+                    </a:solidFill>
+                  </a:tcPr>
+                </a:tc>
+                <a:tc>
+                  <a:txBody>
+                    <a:bodyPr/>
+                    <a:lstStyle/>
+                    <a:p>
+                      <a:pPr algn="r"/>
+                      <a:r>
+                        <a:rPr lang="en-ZA" sz="1600">
+                          <a:solidFill>
+                            <a:schemeClr val="tx1">
+                              <a:lumMod val="75000"/>
+                              <a:lumOff val="25000"/>
+                            </a:schemeClr>
+                          </a:solidFill>
+                        </a:rPr>
+                        <a:t>22</a:t>
+                      </a:r>
+                    </a:p>
+                    <a:p>
+                      <a:pPr algn="r"/>
+                      <a:r>
+                        <a:rPr lang="en-ZA" sz="1600">
+                          <a:solidFill>
+                            <a:schemeClr val="tx1">
+                              <a:lumMod val="75000"/>
+                              <a:lumOff val="25000"/>
+                            </a:schemeClr>
+                          </a:solidFill>
+                        </a:rPr>
+                        <a:t>7152154</a:t>
+                      </a:r>
+                    </a:p>
+                  </a:txBody>
+                  <a:tcPr anchor="ctr">
+                    <a:lnL w="3175" cap="flat" cmpd="sng" algn="ctr">
+                      <a:solidFill>
+                        <a:schemeClr val="bg1">
+                          <a:lumMod val="75000"/>
+                        </a:schemeClr>
+                      </a:solidFill>
+                      <a:prstDash val="solid"/>
+                      <a:round/>
+                      <a:headEnd type="none" w="med" len="med"/>
+                      <a:tailEnd type="none" w="med" len="med"/>
+                    </a:lnL>
+                    <a:lnR w="3175" cap="flat" cmpd="sng" algn="ctr">
+                      <a:solidFill>
+                        <a:schemeClr val="bg1">
+                          <a:lumMod val="75000"/>
+                        </a:schemeClr>
+                      </a:solidFill>
+                      <a:prstDash val="solid"/>
+                      <a:round/>
+                      <a:headEnd type="none" w="med" len="med"/>
+                      <a:tailEnd type="none" w="med" len="med"/>
+                    </a:lnR>
+                    <a:lnT w="3175" cap="flat" cmpd="sng" algn="ctr">
+                      <a:solidFill>
+                        <a:schemeClr val="bg1">
+                          <a:lumMod val="75000"/>
+                        </a:schemeClr>
+                      </a:solidFill>
+                      <a:prstDash val="solid"/>
+                      <a:round/>
+                      <a:headEnd type="none" w="med" len="med"/>
+                      <a:tailEnd type="none" w="med" len="med"/>
+                    </a:lnT>
+                    <a:lnB w="3175" cap="flat" cmpd="sng" algn="ctr">
+                      <a:solidFill>
+                        <a:schemeClr val="bg1">
+                          <a:lumMod val="75000"/>
+                        </a:schemeClr>
+                      </a:solidFill>
+                      <a:prstDash val="solid"/>
+                      <a:round/>
+                      <a:headEnd type="none" w="med" len="med"/>
+                      <a:tailEnd type="none" w="med" len="med"/>
+                    </a:lnB>
+                    <a:lnTlToBr w="12700" cmpd="sng">
+                      <a:noFill/>
+                      <a:prstDash val="solid"/>
+                    </a:lnTlToBr>
+                    <a:lnBlToTr w="12700" cmpd="sng">
+                      <a:noFill/>
+                      <a:prstDash val="solid"/>
+                    </a:lnBlToTr>
+                    <a:solidFill>
+                      <a:schemeClr val="bg1">
+                        <a:lumMod val="95000"/>
+                      </a:schemeClr>
+                    </a:solidFill>
+                  </a:tcPr>
+                </a:tc>
+                <a:tc>
+                  <a:txBody>
+                    <a:bodyPr/>
+                    <a:lstStyle/>
+                    <a:p>
+                      <a:pPr algn="r"/>
+                      <a:r>
+                        <a:rPr lang="en-ZA" sz="1600">
+                          <a:solidFill>
+                            <a:schemeClr val="tx1">
+                              <a:lumMod val="75000"/>
+                              <a:lumOff val="25000"/>
+                            </a:schemeClr>
+                          </a:solidFill>
+                        </a:rPr>
+                        <a:t>22</a:t>
+                      </a:r>
+                    </a:p>
+                    <a:p>
+                      <a:pPr algn="r"/>
+                      <a:r>
+                        <a:rPr lang="en-ZA" sz="1600">
+                          <a:solidFill>
+                            <a:schemeClr val="tx1">
+                              <a:lumMod val="75000"/>
+                              <a:lumOff val="25000"/>
+                            </a:schemeClr>
+                          </a:solidFill>
+                        </a:rPr>
+                        <a:t>121300</a:t>
+                      </a:r>
+                    </a:p>
+                  </a:txBody>
+                  <a:tcPr anchor="ctr">
+                    <a:lnL w="3175" cap="flat" cmpd="sng" algn="ctr">
+                      <a:solidFill>
+                        <a:schemeClr val="bg1">
+                          <a:lumMod val="75000"/>
+                        </a:schemeClr>
+                      </a:solidFill>
+                      <a:prstDash val="solid"/>
+                      <a:round/>
+                      <a:headEnd type="none" w="med" len="med"/>
+                      <a:tailEnd type="none" w="med" len="med"/>
+                    </a:lnL>
+                    <a:lnR w="3175" cap="flat" cmpd="sng" algn="ctr">
+                      <a:solidFill>
+                        <a:schemeClr val="bg1">
+                          <a:lumMod val="75000"/>
+                        </a:schemeClr>
+                      </a:solidFill>
+                      <a:prstDash val="solid"/>
+                      <a:round/>
+                      <a:headEnd type="none" w="med" len="med"/>
+                      <a:tailEnd type="none" w="med" len="med"/>
+                    </a:lnR>
+                    <a:lnT w="3175" cap="flat" cmpd="sng" algn="ctr">
+                      <a:solidFill>
+                        <a:schemeClr val="bg1">
+                          <a:lumMod val="75000"/>
+                        </a:schemeClr>
+                      </a:solidFill>
+                      <a:prstDash val="solid"/>
+                      <a:round/>
+                      <a:headEnd type="none" w="med" len="med"/>
+                      <a:tailEnd type="none" w="med" len="med"/>
+                    </a:lnT>
+                    <a:lnB w="3175" cap="flat" cmpd="sng" algn="ctr">
+                      <a:solidFill>
+                        <a:schemeClr val="bg1">
+                          <a:lumMod val="75000"/>
+                        </a:schemeClr>
+                      </a:solidFill>
+                      <a:prstDash val="solid"/>
+                      <a:round/>
+                      <a:headEnd type="none" w="med" len="med"/>
+                      <a:tailEnd type="none" w="med" len="med"/>
+                    </a:lnB>
+                    <a:lnTlToBr w="12700" cmpd="sng">
+                      <a:noFill/>
+                      <a:prstDash val="solid"/>
+                    </a:lnTlToBr>
+                    <a:lnBlToTr w="12700" cmpd="sng">
+                      <a:noFill/>
+                      <a:prstDash val="solid"/>
+                    </a:lnBlToTr>
+                    <a:solidFill>
+                      <a:schemeClr val="bg1">
+                        <a:lumMod val="95000"/>
+                      </a:schemeClr>
+                    </a:solidFill>
+                  </a:tcPr>
+                </a:tc>
+                <a:tc>
+                  <a:txBody>
+                    <a:bodyPr/>
+                    <a:lstStyle/>
+                    <a:p>
+                      <a:pPr algn="r"/>
+                      <a:r>
+                        <a:rPr lang="en-ZA" sz="1600">
+                          <a:solidFill>
+                            <a:schemeClr val="tx1">
+                              <a:lumMod val="75000"/>
+                              <a:lumOff val="25000"/>
+                            </a:schemeClr>
+                          </a:solidFill>
+                        </a:rPr>
+                        <a:t>617</a:t>
+                      </a:r>
+                    </a:p>
+                  </a:txBody>
+                  <a:tcPr anchor="ctr">
+                    <a:lnL w="3175" cap="flat" cmpd="sng" algn="ctr">
+                      <a:solidFill>
+                        <a:schemeClr val="bg1">
+                          <a:lumMod val="75000"/>
+                        </a:schemeClr>
+                      </a:solidFill>
+                      <a:prstDash val="solid"/>
+                      <a:round/>
+                      <a:headEnd type="none" w="med" len="med"/>
+                      <a:tailEnd type="none" w="med" len="med"/>
+                    </a:lnL>
+                    <a:lnR w="3175" cap="flat" cmpd="sng" algn="ctr">
+                      <a:solidFill>
+                        <a:schemeClr val="bg1">
+                          <a:lumMod val="75000"/>
+                        </a:schemeClr>
+                      </a:solidFill>
+                      <a:prstDash val="solid"/>
+                      <a:round/>
+                      <a:headEnd type="none" w="med" len="med"/>
+                      <a:tailEnd type="none" w="med" len="med"/>
+                    </a:lnR>
+                    <a:lnT w="3175" cap="flat" cmpd="sng" algn="ctr">
+                      <a:solidFill>
+                        <a:schemeClr val="bg1">
+                          <a:lumMod val="75000"/>
+                        </a:schemeClr>
+                      </a:solidFill>
+                      <a:prstDash val="solid"/>
+                      <a:round/>
+                      <a:headEnd type="none" w="med" len="med"/>
+                      <a:tailEnd type="none" w="med" len="med"/>
+                    </a:lnT>
+                    <a:lnB w="3175" cap="flat" cmpd="sng" algn="ctr">
+                      <a:solidFill>
+                        <a:schemeClr val="bg1">
+                          <a:lumMod val="75000"/>
+                        </a:schemeClr>
+                      </a:solidFill>
+                      <a:prstDash val="solid"/>
+                      <a:round/>
+                      <a:headEnd type="none" w="med" len="med"/>
+                      <a:tailEnd type="none" w="med" len="med"/>
+                    </a:lnB>
+                    <a:lnTlToBr w="12700" cmpd="sng">
+                      <a:noFill/>
+                      <a:prstDash val="solid"/>
+                    </a:lnTlToBr>
+                    <a:lnBlToTr w="12700" cmpd="sng">
+                      <a:noFill/>
+                      <a:prstDash val="solid"/>
+                    </a:lnBlToTr>
+                    <a:solidFill>
+                      <a:schemeClr val="bg1">
+                        <a:lumMod val="95000"/>
+                      </a:schemeClr>
+                    </a:solidFill>
+                  </a:tcPr>
+                </a:tc>
+                <a:tc>
+                  <a:txBody>
+                    <a:bodyPr/>
+                    <a:lstStyle/>
+                    <a:p>
+                      <a:pPr algn="r"/>
+                      <a:r>
+                        <a:rPr lang="en-ZA" sz="1600">
                           <a:solidFill>
                             <a:schemeClr val="tx1">
                               <a:lumMod val="75000"/>
@@ -37236,1120 +38371,6 @@
                 </a:tc>
                 <a:extLst>
                   <a:ext uri="{0D108BD9-81ED-4DB2-BD59-A6C34878D82A}">
-                    <a16:rowId xmlns:a16="http://schemas.microsoft.com/office/drawing/2014/main" val="2912132828"/>
-                  </a:ext>
-                </a:extLst>
-              </a:tr>
-              <a:tr h="749184">
-                <a:tc>
-                  <a:txBody>
-                    <a:bodyPr/>
-                    <a:lstStyle/>
-                    <a:p>
-                      <a:pPr algn="ctr"/>
-                      <a:r>
-                        <a:rPr lang="en-ZA" sz="1600" b="1" dirty="0"/>
-                        <a:t>20</a:t>
-                      </a:r>
-                    </a:p>
-                  </a:txBody>
-                  <a:tcPr anchor="ctr">
-                    <a:lnL w="12700" cmpd="sng">
-                      <a:noFill/>
-                    </a:lnL>
-                    <a:lnR w="3175" cap="flat" cmpd="sng" algn="ctr">
-                      <a:solidFill>
-                        <a:schemeClr val="bg1">
-                          <a:lumMod val="75000"/>
-                        </a:schemeClr>
-                      </a:solidFill>
-                      <a:prstDash val="solid"/>
-                      <a:round/>
-                      <a:headEnd type="none" w="med" len="med"/>
-                      <a:tailEnd type="none" w="med" len="med"/>
-                    </a:lnR>
-                    <a:lnT w="12700" cmpd="sng">
-                      <a:noFill/>
-                    </a:lnT>
-                    <a:lnB w="12700" cmpd="sng">
-                      <a:noFill/>
-                    </a:lnB>
-                    <a:lnTlToBr w="12700" cmpd="sng">
-                      <a:noFill/>
-                      <a:prstDash val="solid"/>
-                    </a:lnTlToBr>
-                    <a:lnBlToTr w="12700" cmpd="sng">
-                      <a:noFill/>
-                      <a:prstDash val="solid"/>
-                    </a:lnBlToTr>
-                    <a:solidFill>
-                      <a:schemeClr val="accent1">
-                        <a:lumMod val="50000"/>
-                      </a:schemeClr>
-                    </a:solidFill>
-                  </a:tcPr>
-                </a:tc>
-                <a:tc>
-                  <a:txBody>
-                    <a:bodyPr/>
-                    <a:lstStyle/>
-                    <a:p>
-                      <a:pPr algn="r"/>
-                      <a:r>
-                        <a:rPr lang="en-ZA" sz="1600" dirty="0">
-                          <a:solidFill>
-                            <a:schemeClr val="tx1">
-                              <a:lumMod val="75000"/>
-                              <a:lumOff val="25000"/>
-                            </a:schemeClr>
-                          </a:solidFill>
-                        </a:rPr>
-                        <a:t>80</a:t>
-                      </a:r>
-                    </a:p>
-                  </a:txBody>
-                  <a:tcPr anchor="ctr">
-                    <a:lnL w="3175" cap="flat" cmpd="sng" algn="ctr">
-                      <a:solidFill>
-                        <a:schemeClr val="bg1">
-                          <a:lumMod val="75000"/>
-                        </a:schemeClr>
-                      </a:solidFill>
-                      <a:prstDash val="solid"/>
-                      <a:round/>
-                      <a:headEnd type="none" w="med" len="med"/>
-                      <a:tailEnd type="none" w="med" len="med"/>
-                    </a:lnL>
-                    <a:lnR w="3175" cap="flat" cmpd="sng" algn="ctr">
-                      <a:solidFill>
-                        <a:schemeClr val="bg1">
-                          <a:lumMod val="75000"/>
-                        </a:schemeClr>
-                      </a:solidFill>
-                      <a:prstDash val="solid"/>
-                      <a:round/>
-                      <a:headEnd type="none" w="med" len="med"/>
-                      <a:tailEnd type="none" w="med" len="med"/>
-                    </a:lnR>
-                    <a:lnT w="3175" cap="flat" cmpd="sng" algn="ctr">
-                      <a:solidFill>
-                        <a:schemeClr val="bg1">
-                          <a:lumMod val="75000"/>
-                        </a:schemeClr>
-                      </a:solidFill>
-                      <a:prstDash val="solid"/>
-                      <a:round/>
-                      <a:headEnd type="none" w="med" len="med"/>
-                      <a:tailEnd type="none" w="med" len="med"/>
-                    </a:lnT>
-                    <a:lnB w="3175" cap="flat" cmpd="sng" algn="ctr">
-                      <a:solidFill>
-                        <a:schemeClr val="bg1">
-                          <a:lumMod val="75000"/>
-                        </a:schemeClr>
-                      </a:solidFill>
-                      <a:prstDash val="solid"/>
-                      <a:round/>
-                      <a:headEnd type="none" w="med" len="med"/>
-                      <a:tailEnd type="none" w="med" len="med"/>
-                    </a:lnB>
-                    <a:lnTlToBr w="12700" cmpd="sng">
-                      <a:noFill/>
-                      <a:prstDash val="solid"/>
-                    </a:lnTlToBr>
-                    <a:lnBlToTr w="12700" cmpd="sng">
-                      <a:noFill/>
-                      <a:prstDash val="solid"/>
-                    </a:lnBlToTr>
-                    <a:solidFill>
-                      <a:schemeClr val="bg1">
-                        <a:lumMod val="95000"/>
-                      </a:schemeClr>
-                    </a:solidFill>
-                  </a:tcPr>
-                </a:tc>
-                <a:tc>
-                  <a:txBody>
-                    <a:bodyPr/>
-                    <a:lstStyle/>
-                    <a:p>
-                      <a:pPr algn="r"/>
-                      <a:r>
-                        <a:rPr lang="en-ZA" sz="1600" dirty="0">
-                          <a:solidFill>
-                            <a:schemeClr val="tx1">
-                              <a:lumMod val="75000"/>
-                              <a:lumOff val="25000"/>
-                            </a:schemeClr>
-                          </a:solidFill>
-                        </a:rPr>
-                        <a:t>18</a:t>
-                      </a:r>
-                    </a:p>
-                    <a:p>
-                      <a:pPr algn="r"/>
-                      <a:r>
-                        <a:rPr lang="en-ZA" sz="1600" dirty="0">
-                          <a:solidFill>
-                            <a:schemeClr val="tx1">
-                              <a:lumMod val="75000"/>
-                              <a:lumOff val="25000"/>
-                            </a:schemeClr>
-                          </a:solidFill>
-                        </a:rPr>
-                        <a:t>4766851</a:t>
-                      </a:r>
-                    </a:p>
-                  </a:txBody>
-                  <a:tcPr anchor="ctr">
-                    <a:lnL w="3175" cap="flat" cmpd="sng" algn="ctr">
-                      <a:solidFill>
-                        <a:schemeClr val="bg1">
-                          <a:lumMod val="75000"/>
-                        </a:schemeClr>
-                      </a:solidFill>
-                      <a:prstDash val="solid"/>
-                      <a:round/>
-                      <a:headEnd type="none" w="med" len="med"/>
-                      <a:tailEnd type="none" w="med" len="med"/>
-                    </a:lnL>
-                    <a:lnR w="3175" cap="flat" cmpd="sng" algn="ctr">
-                      <a:solidFill>
-                        <a:schemeClr val="bg1">
-                          <a:lumMod val="75000"/>
-                        </a:schemeClr>
-                      </a:solidFill>
-                      <a:prstDash val="solid"/>
-                      <a:round/>
-                      <a:headEnd type="none" w="med" len="med"/>
-                      <a:tailEnd type="none" w="med" len="med"/>
-                    </a:lnR>
-                    <a:lnT w="3175" cap="flat" cmpd="sng" algn="ctr">
-                      <a:solidFill>
-                        <a:schemeClr val="bg1">
-                          <a:lumMod val="75000"/>
-                        </a:schemeClr>
-                      </a:solidFill>
-                      <a:prstDash val="solid"/>
-                      <a:round/>
-                      <a:headEnd type="none" w="med" len="med"/>
-                      <a:tailEnd type="none" w="med" len="med"/>
-                    </a:lnT>
-                    <a:lnB w="3175" cap="flat" cmpd="sng" algn="ctr">
-                      <a:solidFill>
-                        <a:schemeClr val="bg1">
-                          <a:lumMod val="75000"/>
-                        </a:schemeClr>
-                      </a:solidFill>
-                      <a:prstDash val="solid"/>
-                      <a:round/>
-                      <a:headEnd type="none" w="med" len="med"/>
-                      <a:tailEnd type="none" w="med" len="med"/>
-                    </a:lnB>
-                    <a:lnTlToBr w="12700" cmpd="sng">
-                      <a:noFill/>
-                      <a:prstDash val="solid"/>
-                    </a:lnTlToBr>
-                    <a:lnBlToTr w="12700" cmpd="sng">
-                      <a:noFill/>
-                      <a:prstDash val="solid"/>
-                    </a:lnBlToTr>
-                    <a:solidFill>
-                      <a:schemeClr val="bg1">
-                        <a:lumMod val="95000"/>
-                      </a:schemeClr>
-                    </a:solidFill>
-                  </a:tcPr>
-                </a:tc>
-                <a:tc>
-                  <a:txBody>
-                    <a:bodyPr/>
-                    <a:lstStyle/>
-                    <a:p>
-                      <a:pPr algn="r"/>
-                      <a:r>
-                        <a:rPr lang="en-ZA" sz="1600" dirty="0">
-                          <a:solidFill>
-                            <a:schemeClr val="tx1">
-                              <a:lumMod val="75000"/>
-                              <a:lumOff val="25000"/>
-                            </a:schemeClr>
-                          </a:solidFill>
-                        </a:rPr>
-                        <a:t>14</a:t>
-                      </a:r>
-                    </a:p>
-                    <a:p>
-                      <a:pPr algn="r"/>
-                      <a:r>
-                        <a:rPr lang="en-ZA" sz="1600" dirty="0">
-                          <a:solidFill>
-                            <a:schemeClr val="tx1">
-                              <a:lumMod val="75000"/>
-                              <a:lumOff val="25000"/>
-                            </a:schemeClr>
-                          </a:solidFill>
-                        </a:rPr>
-                        <a:t>81383</a:t>
-                      </a:r>
-                    </a:p>
-                  </a:txBody>
-                  <a:tcPr anchor="ctr">
-                    <a:lnL w="3175" cap="flat" cmpd="sng" algn="ctr">
-                      <a:solidFill>
-                        <a:schemeClr val="bg1">
-                          <a:lumMod val="75000"/>
-                        </a:schemeClr>
-                      </a:solidFill>
-                      <a:prstDash val="solid"/>
-                      <a:round/>
-                      <a:headEnd type="none" w="med" len="med"/>
-                      <a:tailEnd type="none" w="med" len="med"/>
-                    </a:lnL>
-                    <a:lnR w="3175" cap="flat" cmpd="sng" algn="ctr">
-                      <a:solidFill>
-                        <a:schemeClr val="bg1">
-                          <a:lumMod val="75000"/>
-                        </a:schemeClr>
-                      </a:solidFill>
-                      <a:prstDash val="solid"/>
-                      <a:round/>
-                      <a:headEnd type="none" w="med" len="med"/>
-                      <a:tailEnd type="none" w="med" len="med"/>
-                    </a:lnR>
-                    <a:lnT w="3175" cap="flat" cmpd="sng" algn="ctr">
-                      <a:solidFill>
-                        <a:schemeClr val="bg1">
-                          <a:lumMod val="75000"/>
-                        </a:schemeClr>
-                      </a:solidFill>
-                      <a:prstDash val="solid"/>
-                      <a:round/>
-                      <a:headEnd type="none" w="med" len="med"/>
-                      <a:tailEnd type="none" w="med" len="med"/>
-                    </a:lnT>
-                    <a:lnB w="3175" cap="flat" cmpd="sng" algn="ctr">
-                      <a:solidFill>
-                        <a:schemeClr val="bg1">
-                          <a:lumMod val="75000"/>
-                        </a:schemeClr>
-                      </a:solidFill>
-                      <a:prstDash val="solid"/>
-                      <a:round/>
-                      <a:headEnd type="none" w="med" len="med"/>
-                      <a:tailEnd type="none" w="med" len="med"/>
-                    </a:lnB>
-                    <a:lnTlToBr w="12700" cmpd="sng">
-                      <a:noFill/>
-                      <a:prstDash val="solid"/>
-                    </a:lnTlToBr>
-                    <a:lnBlToTr w="12700" cmpd="sng">
-                      <a:noFill/>
-                      <a:prstDash val="solid"/>
-                    </a:lnBlToTr>
-                    <a:solidFill>
-                      <a:schemeClr val="bg1">
-                        <a:lumMod val="95000"/>
-                      </a:schemeClr>
-                    </a:solidFill>
-                  </a:tcPr>
-                </a:tc>
-                <a:tc>
-                  <a:txBody>
-                    <a:bodyPr/>
-                    <a:lstStyle/>
-                    <a:p>
-                      <a:pPr algn="r"/>
-                      <a:r>
-                        <a:rPr lang="en-ZA" sz="1600" dirty="0">
-                          <a:solidFill>
-                            <a:schemeClr val="tx1">
-                              <a:lumMod val="75000"/>
-                              <a:lumOff val="25000"/>
-                            </a:schemeClr>
-                          </a:solidFill>
-                        </a:rPr>
-                        <a:t>412</a:t>
-                      </a:r>
-                    </a:p>
-                  </a:txBody>
-                  <a:tcPr anchor="ctr">
-                    <a:lnL w="3175" cap="flat" cmpd="sng" algn="ctr">
-                      <a:solidFill>
-                        <a:schemeClr val="bg1">
-                          <a:lumMod val="75000"/>
-                        </a:schemeClr>
-                      </a:solidFill>
-                      <a:prstDash val="solid"/>
-                      <a:round/>
-                      <a:headEnd type="none" w="med" len="med"/>
-                      <a:tailEnd type="none" w="med" len="med"/>
-                    </a:lnL>
-                    <a:lnR w="3175" cap="flat" cmpd="sng" algn="ctr">
-                      <a:solidFill>
-                        <a:schemeClr val="bg1">
-                          <a:lumMod val="75000"/>
-                        </a:schemeClr>
-                      </a:solidFill>
-                      <a:prstDash val="solid"/>
-                      <a:round/>
-                      <a:headEnd type="none" w="med" len="med"/>
-                      <a:tailEnd type="none" w="med" len="med"/>
-                    </a:lnR>
-                    <a:lnT w="3175" cap="flat" cmpd="sng" algn="ctr">
-                      <a:solidFill>
-                        <a:schemeClr val="bg1">
-                          <a:lumMod val="75000"/>
-                        </a:schemeClr>
-                      </a:solidFill>
-                      <a:prstDash val="solid"/>
-                      <a:round/>
-                      <a:headEnd type="none" w="med" len="med"/>
-                      <a:tailEnd type="none" w="med" len="med"/>
-                    </a:lnT>
-                    <a:lnB w="3175" cap="flat" cmpd="sng" algn="ctr">
-                      <a:solidFill>
-                        <a:schemeClr val="bg1">
-                          <a:lumMod val="75000"/>
-                        </a:schemeClr>
-                      </a:solidFill>
-                      <a:prstDash val="solid"/>
-                      <a:round/>
-                      <a:headEnd type="none" w="med" len="med"/>
-                      <a:tailEnd type="none" w="med" len="med"/>
-                    </a:lnB>
-                    <a:lnTlToBr w="12700" cmpd="sng">
-                      <a:noFill/>
-                      <a:prstDash val="solid"/>
-                    </a:lnTlToBr>
-                    <a:lnBlToTr w="12700" cmpd="sng">
-                      <a:noFill/>
-                      <a:prstDash val="solid"/>
-                    </a:lnBlToTr>
-                    <a:solidFill>
-                      <a:schemeClr val="bg1">
-                        <a:lumMod val="95000"/>
-                      </a:schemeClr>
-                    </a:solidFill>
-                  </a:tcPr>
-                </a:tc>
-                <a:tc>
-                  <a:txBody>
-                    <a:bodyPr/>
-                    <a:lstStyle/>
-                    <a:p>
-                      <a:pPr algn="r"/>
-                      <a:r>
-                        <a:rPr lang="en-ZA" sz="1600" dirty="0">
-                          <a:solidFill>
-                            <a:schemeClr val="tx1">
-                              <a:lumMod val="75000"/>
-                              <a:lumOff val="25000"/>
-                            </a:schemeClr>
-                          </a:solidFill>
-                        </a:rPr>
-                        <a:t>5</a:t>
-                      </a:r>
-                    </a:p>
-                  </a:txBody>
-                  <a:tcPr anchor="ctr">
-                    <a:lnL w="3175" cap="flat" cmpd="sng" algn="ctr">
-                      <a:solidFill>
-                        <a:schemeClr val="bg1">
-                          <a:lumMod val="75000"/>
-                        </a:schemeClr>
-                      </a:solidFill>
-                      <a:prstDash val="solid"/>
-                      <a:round/>
-                      <a:headEnd type="none" w="med" len="med"/>
-                      <a:tailEnd type="none" w="med" len="med"/>
-                    </a:lnL>
-                    <a:lnR w="3175" cap="flat" cmpd="sng" algn="ctr">
-                      <a:solidFill>
-                        <a:schemeClr val="bg1">
-                          <a:lumMod val="75000"/>
-                        </a:schemeClr>
-                      </a:solidFill>
-                      <a:prstDash val="solid"/>
-                      <a:round/>
-                      <a:headEnd type="none" w="med" len="med"/>
-                      <a:tailEnd type="none" w="med" len="med"/>
-                    </a:lnR>
-                    <a:lnT w="3175" cap="flat" cmpd="sng" algn="ctr">
-                      <a:solidFill>
-                        <a:schemeClr val="bg1">
-                          <a:lumMod val="75000"/>
-                        </a:schemeClr>
-                      </a:solidFill>
-                      <a:prstDash val="solid"/>
-                      <a:round/>
-                      <a:headEnd type="none" w="med" len="med"/>
-                      <a:tailEnd type="none" w="med" len="med"/>
-                    </a:lnT>
-                    <a:lnB w="3175" cap="flat" cmpd="sng" algn="ctr">
-                      <a:solidFill>
-                        <a:schemeClr val="bg1">
-                          <a:lumMod val="75000"/>
-                        </a:schemeClr>
-                      </a:solidFill>
-                      <a:prstDash val="solid"/>
-                      <a:round/>
-                      <a:headEnd type="none" w="med" len="med"/>
-                      <a:tailEnd type="none" w="med" len="med"/>
-                    </a:lnB>
-                    <a:lnTlToBr w="12700" cmpd="sng">
-                      <a:noFill/>
-                      <a:prstDash val="solid"/>
-                    </a:lnTlToBr>
-                    <a:lnBlToTr w="12700" cmpd="sng">
-                      <a:noFill/>
-                      <a:prstDash val="solid"/>
-                    </a:lnBlToTr>
-                    <a:solidFill>
-                      <a:schemeClr val="bg1">
-                        <a:lumMod val="85000"/>
-                      </a:schemeClr>
-                    </a:solidFill>
-                  </a:tcPr>
-                </a:tc>
-                <a:tc>
-                  <a:txBody>
-                    <a:bodyPr/>
-                    <a:lstStyle/>
-                    <a:p>
-                      <a:pPr algn="r"/>
-                      <a:r>
-                        <a:rPr lang="en-ZA" sz="1600" dirty="0">
-                          <a:solidFill>
-                            <a:schemeClr val="tx1">
-                              <a:lumMod val="75000"/>
-                              <a:lumOff val="25000"/>
-                            </a:schemeClr>
-                          </a:solidFill>
-                        </a:rPr>
-                        <a:t>5</a:t>
-                      </a:r>
-                    </a:p>
-                  </a:txBody>
-                  <a:tcPr anchor="ctr">
-                    <a:lnL w="3175" cap="flat" cmpd="sng" algn="ctr">
-                      <a:solidFill>
-                        <a:schemeClr val="bg1">
-                          <a:lumMod val="75000"/>
-                        </a:schemeClr>
-                      </a:solidFill>
-                      <a:prstDash val="solid"/>
-                      <a:round/>
-                      <a:headEnd type="none" w="med" len="med"/>
-                      <a:tailEnd type="none" w="med" len="med"/>
-                    </a:lnL>
-                    <a:lnR w="3175" cap="flat" cmpd="sng" algn="ctr">
-                      <a:solidFill>
-                        <a:schemeClr val="bg1">
-                          <a:lumMod val="75000"/>
-                        </a:schemeClr>
-                      </a:solidFill>
-                      <a:prstDash val="solid"/>
-                      <a:round/>
-                      <a:headEnd type="none" w="med" len="med"/>
-                      <a:tailEnd type="none" w="med" len="med"/>
-                    </a:lnR>
-                    <a:lnT w="3175" cap="flat" cmpd="sng" algn="ctr">
-                      <a:solidFill>
-                        <a:schemeClr val="bg1">
-                          <a:lumMod val="75000"/>
-                        </a:schemeClr>
-                      </a:solidFill>
-                      <a:prstDash val="solid"/>
-                      <a:round/>
-                      <a:headEnd type="none" w="med" len="med"/>
-                      <a:tailEnd type="none" w="med" len="med"/>
-                    </a:lnT>
-                    <a:lnB w="3175" cap="flat" cmpd="sng" algn="ctr">
-                      <a:solidFill>
-                        <a:schemeClr val="bg1">
-                          <a:lumMod val="75000"/>
-                        </a:schemeClr>
-                      </a:solidFill>
-                      <a:prstDash val="solid"/>
-                      <a:round/>
-                      <a:headEnd type="none" w="med" len="med"/>
-                      <a:tailEnd type="none" w="med" len="med"/>
-                    </a:lnB>
-                    <a:lnTlToBr w="12700" cmpd="sng">
-                      <a:noFill/>
-                      <a:prstDash val="solid"/>
-                    </a:lnTlToBr>
-                    <a:lnBlToTr w="12700" cmpd="sng">
-                      <a:noFill/>
-                      <a:prstDash val="solid"/>
-                    </a:lnBlToTr>
-                    <a:solidFill>
-                      <a:schemeClr val="bg1">
-                        <a:lumMod val="95000"/>
-                      </a:schemeClr>
-                    </a:solidFill>
-                  </a:tcPr>
-                </a:tc>
-                <a:extLst>
-                  <a:ext uri="{0D108BD9-81ED-4DB2-BD59-A6C34878D82A}">
-                    <a16:rowId xmlns:a16="http://schemas.microsoft.com/office/drawing/2014/main" val="1094300830"/>
-                  </a:ext>
-                </a:extLst>
-              </a:tr>
-              <a:tr h="749184">
-                <a:tc>
-                  <a:txBody>
-                    <a:bodyPr/>
-                    <a:lstStyle/>
-                    <a:p>
-                      <a:pPr algn="ctr"/>
-                      <a:r>
-                        <a:rPr lang="en-ZA" sz="1600" b="1" dirty="0"/>
-                        <a:t>30</a:t>
-                      </a:r>
-                    </a:p>
-                  </a:txBody>
-                  <a:tcPr anchor="ctr">
-                    <a:lnL w="12700" cmpd="sng">
-                      <a:noFill/>
-                    </a:lnL>
-                    <a:lnR w="3175" cap="flat" cmpd="sng" algn="ctr">
-                      <a:solidFill>
-                        <a:schemeClr val="bg1">
-                          <a:lumMod val="75000"/>
-                        </a:schemeClr>
-                      </a:solidFill>
-                      <a:prstDash val="solid"/>
-                      <a:round/>
-                      <a:headEnd type="none" w="med" len="med"/>
-                      <a:tailEnd type="none" w="med" len="med"/>
-                    </a:lnR>
-                    <a:lnT w="12700" cmpd="sng">
-                      <a:noFill/>
-                    </a:lnT>
-                    <a:lnB w="12700" cmpd="sng">
-                      <a:noFill/>
-                    </a:lnB>
-                    <a:lnTlToBr w="12700" cmpd="sng">
-                      <a:noFill/>
-                      <a:prstDash val="solid"/>
-                    </a:lnTlToBr>
-                    <a:lnBlToTr w="12700" cmpd="sng">
-                      <a:noFill/>
-                      <a:prstDash val="solid"/>
-                    </a:lnBlToTr>
-                    <a:solidFill>
-                      <a:schemeClr val="accent1">
-                        <a:lumMod val="50000"/>
-                      </a:schemeClr>
-                    </a:solidFill>
-                  </a:tcPr>
-                </a:tc>
-                <a:tc>
-                  <a:txBody>
-                    <a:bodyPr/>
-                    <a:lstStyle/>
-                    <a:p>
-                      <a:pPr algn="r"/>
-                      <a:r>
-                        <a:rPr lang="en-ZA" sz="1600" dirty="0">
-                          <a:solidFill>
-                            <a:schemeClr val="tx1">
-                              <a:lumMod val="75000"/>
-                              <a:lumOff val="25000"/>
-                            </a:schemeClr>
-                          </a:solidFill>
-                        </a:rPr>
-                        <a:t>73</a:t>
-                      </a:r>
-                    </a:p>
-                  </a:txBody>
-                  <a:tcPr anchor="ctr">
-                    <a:lnL w="3175" cap="flat" cmpd="sng" algn="ctr">
-                      <a:solidFill>
-                        <a:schemeClr val="bg1">
-                          <a:lumMod val="75000"/>
-                        </a:schemeClr>
-                      </a:solidFill>
-                      <a:prstDash val="solid"/>
-                      <a:round/>
-                      <a:headEnd type="none" w="med" len="med"/>
-                      <a:tailEnd type="none" w="med" len="med"/>
-                    </a:lnL>
-                    <a:lnR w="3175" cap="flat" cmpd="sng" algn="ctr">
-                      <a:solidFill>
-                        <a:schemeClr val="bg1">
-                          <a:lumMod val="75000"/>
-                        </a:schemeClr>
-                      </a:solidFill>
-                      <a:prstDash val="solid"/>
-                      <a:round/>
-                      <a:headEnd type="none" w="med" len="med"/>
-                      <a:tailEnd type="none" w="med" len="med"/>
-                    </a:lnR>
-                    <a:lnT w="3175" cap="flat" cmpd="sng" algn="ctr">
-                      <a:solidFill>
-                        <a:schemeClr val="bg1">
-                          <a:lumMod val="75000"/>
-                        </a:schemeClr>
-                      </a:solidFill>
-                      <a:prstDash val="solid"/>
-                      <a:round/>
-                      <a:headEnd type="none" w="med" len="med"/>
-                      <a:tailEnd type="none" w="med" len="med"/>
-                    </a:lnT>
-                    <a:lnB w="3175" cap="flat" cmpd="sng" algn="ctr">
-                      <a:solidFill>
-                        <a:schemeClr val="bg1">
-                          <a:lumMod val="75000"/>
-                        </a:schemeClr>
-                      </a:solidFill>
-                      <a:prstDash val="solid"/>
-                      <a:round/>
-                      <a:headEnd type="none" w="med" len="med"/>
-                      <a:tailEnd type="none" w="med" len="med"/>
-                    </a:lnB>
-                    <a:lnTlToBr w="12700" cmpd="sng">
-                      <a:noFill/>
-                      <a:prstDash val="solid"/>
-                    </a:lnTlToBr>
-                    <a:lnBlToTr w="12700" cmpd="sng">
-                      <a:noFill/>
-                      <a:prstDash val="solid"/>
-                    </a:lnBlToTr>
-                    <a:solidFill>
-                      <a:schemeClr val="bg1">
-                        <a:lumMod val="95000"/>
-                      </a:schemeClr>
-                    </a:solidFill>
-                  </a:tcPr>
-                </a:tc>
-                <a:tc>
-                  <a:txBody>
-                    <a:bodyPr/>
-                    <a:lstStyle/>
-                    <a:p>
-                      <a:pPr algn="r"/>
-                      <a:r>
-                        <a:rPr lang="en-ZA" sz="1600" dirty="0">
-                          <a:solidFill>
-                            <a:schemeClr val="tx1">
-                              <a:lumMod val="75000"/>
-                              <a:lumOff val="25000"/>
-                            </a:schemeClr>
-                          </a:solidFill>
-                        </a:rPr>
-                        <a:t>22</a:t>
-                      </a:r>
-                    </a:p>
-                    <a:p>
-                      <a:pPr algn="r"/>
-                      <a:r>
-                        <a:rPr lang="en-ZA" sz="1600" dirty="0">
-                          <a:solidFill>
-                            <a:schemeClr val="tx1">
-                              <a:lumMod val="75000"/>
-                              <a:lumOff val="25000"/>
-                            </a:schemeClr>
-                          </a:solidFill>
-                        </a:rPr>
-                        <a:t>7152154</a:t>
-                      </a:r>
-                    </a:p>
-                  </a:txBody>
-                  <a:tcPr anchor="ctr">
-                    <a:lnL w="3175" cap="flat" cmpd="sng" algn="ctr">
-                      <a:solidFill>
-                        <a:schemeClr val="bg1">
-                          <a:lumMod val="75000"/>
-                        </a:schemeClr>
-                      </a:solidFill>
-                      <a:prstDash val="solid"/>
-                      <a:round/>
-                      <a:headEnd type="none" w="med" len="med"/>
-                      <a:tailEnd type="none" w="med" len="med"/>
-                    </a:lnL>
-                    <a:lnR w="3175" cap="flat" cmpd="sng" algn="ctr">
-                      <a:solidFill>
-                        <a:schemeClr val="bg1">
-                          <a:lumMod val="75000"/>
-                        </a:schemeClr>
-                      </a:solidFill>
-                      <a:prstDash val="solid"/>
-                      <a:round/>
-                      <a:headEnd type="none" w="med" len="med"/>
-                      <a:tailEnd type="none" w="med" len="med"/>
-                    </a:lnR>
-                    <a:lnT w="3175" cap="flat" cmpd="sng" algn="ctr">
-                      <a:solidFill>
-                        <a:schemeClr val="bg1">
-                          <a:lumMod val="75000"/>
-                        </a:schemeClr>
-                      </a:solidFill>
-                      <a:prstDash val="solid"/>
-                      <a:round/>
-                      <a:headEnd type="none" w="med" len="med"/>
-                      <a:tailEnd type="none" w="med" len="med"/>
-                    </a:lnT>
-                    <a:lnB w="3175" cap="flat" cmpd="sng" algn="ctr">
-                      <a:solidFill>
-                        <a:schemeClr val="bg1">
-                          <a:lumMod val="75000"/>
-                        </a:schemeClr>
-                      </a:solidFill>
-                      <a:prstDash val="solid"/>
-                      <a:round/>
-                      <a:headEnd type="none" w="med" len="med"/>
-                      <a:tailEnd type="none" w="med" len="med"/>
-                    </a:lnB>
-                    <a:lnTlToBr w="12700" cmpd="sng">
-                      <a:noFill/>
-                      <a:prstDash val="solid"/>
-                    </a:lnTlToBr>
-                    <a:lnBlToTr w="12700" cmpd="sng">
-                      <a:noFill/>
-                      <a:prstDash val="solid"/>
-                    </a:lnBlToTr>
-                    <a:solidFill>
-                      <a:schemeClr val="bg1">
-                        <a:lumMod val="95000"/>
-                      </a:schemeClr>
-                    </a:solidFill>
-                  </a:tcPr>
-                </a:tc>
-                <a:tc>
-                  <a:txBody>
-                    <a:bodyPr/>
-                    <a:lstStyle/>
-                    <a:p>
-                      <a:pPr algn="r"/>
-                      <a:r>
-                        <a:rPr lang="en-ZA" sz="1600" dirty="0">
-                          <a:solidFill>
-                            <a:schemeClr val="tx1">
-                              <a:lumMod val="75000"/>
-                              <a:lumOff val="25000"/>
-                            </a:schemeClr>
-                          </a:solidFill>
-                        </a:rPr>
-                        <a:t>22</a:t>
-                      </a:r>
-                    </a:p>
-                    <a:p>
-                      <a:pPr algn="r"/>
-                      <a:r>
-                        <a:rPr lang="en-ZA" sz="1600" dirty="0">
-                          <a:solidFill>
-                            <a:schemeClr val="tx1">
-                              <a:lumMod val="75000"/>
-                              <a:lumOff val="25000"/>
-                            </a:schemeClr>
-                          </a:solidFill>
-                        </a:rPr>
-                        <a:t>121300</a:t>
-                      </a:r>
-                    </a:p>
-                  </a:txBody>
-                  <a:tcPr anchor="ctr">
-                    <a:lnL w="3175" cap="flat" cmpd="sng" algn="ctr">
-                      <a:solidFill>
-                        <a:schemeClr val="bg1">
-                          <a:lumMod val="75000"/>
-                        </a:schemeClr>
-                      </a:solidFill>
-                      <a:prstDash val="solid"/>
-                      <a:round/>
-                      <a:headEnd type="none" w="med" len="med"/>
-                      <a:tailEnd type="none" w="med" len="med"/>
-                    </a:lnL>
-                    <a:lnR w="3175" cap="flat" cmpd="sng" algn="ctr">
-                      <a:solidFill>
-                        <a:schemeClr val="bg1">
-                          <a:lumMod val="75000"/>
-                        </a:schemeClr>
-                      </a:solidFill>
-                      <a:prstDash val="solid"/>
-                      <a:round/>
-                      <a:headEnd type="none" w="med" len="med"/>
-                      <a:tailEnd type="none" w="med" len="med"/>
-                    </a:lnR>
-                    <a:lnT w="3175" cap="flat" cmpd="sng" algn="ctr">
-                      <a:solidFill>
-                        <a:schemeClr val="bg1">
-                          <a:lumMod val="75000"/>
-                        </a:schemeClr>
-                      </a:solidFill>
-                      <a:prstDash val="solid"/>
-                      <a:round/>
-                      <a:headEnd type="none" w="med" len="med"/>
-                      <a:tailEnd type="none" w="med" len="med"/>
-                    </a:lnT>
-                    <a:lnB w="3175" cap="flat" cmpd="sng" algn="ctr">
-                      <a:solidFill>
-                        <a:schemeClr val="bg1">
-                          <a:lumMod val="75000"/>
-                        </a:schemeClr>
-                      </a:solidFill>
-                      <a:prstDash val="solid"/>
-                      <a:round/>
-                      <a:headEnd type="none" w="med" len="med"/>
-                      <a:tailEnd type="none" w="med" len="med"/>
-                    </a:lnB>
-                    <a:lnTlToBr w="12700" cmpd="sng">
-                      <a:noFill/>
-                      <a:prstDash val="solid"/>
-                    </a:lnTlToBr>
-                    <a:lnBlToTr w="12700" cmpd="sng">
-                      <a:noFill/>
-                      <a:prstDash val="solid"/>
-                    </a:lnBlToTr>
-                    <a:solidFill>
-                      <a:schemeClr val="bg1">
-                        <a:lumMod val="95000"/>
-                      </a:schemeClr>
-                    </a:solidFill>
-                  </a:tcPr>
-                </a:tc>
-                <a:tc>
-                  <a:txBody>
-                    <a:bodyPr/>
-                    <a:lstStyle/>
-                    <a:p>
-                      <a:pPr algn="r"/>
-                      <a:r>
-                        <a:rPr lang="en-ZA" sz="1600" dirty="0">
-                          <a:solidFill>
-                            <a:schemeClr val="tx1">
-                              <a:lumMod val="75000"/>
-                              <a:lumOff val="25000"/>
-                            </a:schemeClr>
-                          </a:solidFill>
-                        </a:rPr>
-                        <a:t>617</a:t>
-                      </a:r>
-                    </a:p>
-                  </a:txBody>
-                  <a:tcPr anchor="ctr">
-                    <a:lnL w="3175" cap="flat" cmpd="sng" algn="ctr">
-                      <a:solidFill>
-                        <a:schemeClr val="bg1">
-                          <a:lumMod val="75000"/>
-                        </a:schemeClr>
-                      </a:solidFill>
-                      <a:prstDash val="solid"/>
-                      <a:round/>
-                      <a:headEnd type="none" w="med" len="med"/>
-                      <a:tailEnd type="none" w="med" len="med"/>
-                    </a:lnL>
-                    <a:lnR w="3175" cap="flat" cmpd="sng" algn="ctr">
-                      <a:solidFill>
-                        <a:schemeClr val="bg1">
-                          <a:lumMod val="75000"/>
-                        </a:schemeClr>
-                      </a:solidFill>
-                      <a:prstDash val="solid"/>
-                      <a:round/>
-                      <a:headEnd type="none" w="med" len="med"/>
-                      <a:tailEnd type="none" w="med" len="med"/>
-                    </a:lnR>
-                    <a:lnT w="3175" cap="flat" cmpd="sng" algn="ctr">
-                      <a:solidFill>
-                        <a:schemeClr val="bg1">
-                          <a:lumMod val="75000"/>
-                        </a:schemeClr>
-                      </a:solidFill>
-                      <a:prstDash val="solid"/>
-                      <a:round/>
-                      <a:headEnd type="none" w="med" len="med"/>
-                      <a:tailEnd type="none" w="med" len="med"/>
-                    </a:lnT>
-                    <a:lnB w="3175" cap="flat" cmpd="sng" algn="ctr">
-                      <a:solidFill>
-                        <a:schemeClr val="bg1">
-                          <a:lumMod val="75000"/>
-                        </a:schemeClr>
-                      </a:solidFill>
-                      <a:prstDash val="solid"/>
-                      <a:round/>
-                      <a:headEnd type="none" w="med" len="med"/>
-                      <a:tailEnd type="none" w="med" len="med"/>
-                    </a:lnB>
-                    <a:lnTlToBr w="12700" cmpd="sng">
-                      <a:noFill/>
-                      <a:prstDash val="solid"/>
-                    </a:lnTlToBr>
-                    <a:lnBlToTr w="12700" cmpd="sng">
-                      <a:noFill/>
-                      <a:prstDash val="solid"/>
-                    </a:lnBlToTr>
-                    <a:solidFill>
-                      <a:schemeClr val="bg1">
-                        <a:lumMod val="95000"/>
-                      </a:schemeClr>
-                    </a:solidFill>
-                  </a:tcPr>
-                </a:tc>
-                <a:tc>
-                  <a:txBody>
-                    <a:bodyPr/>
-                    <a:lstStyle/>
-                    <a:p>
-                      <a:pPr algn="r"/>
-                      <a:r>
-                        <a:rPr lang="en-ZA" sz="1600" dirty="0">
-                          <a:solidFill>
-                            <a:schemeClr val="tx1">
-                              <a:lumMod val="75000"/>
-                              <a:lumOff val="25000"/>
-                            </a:schemeClr>
-                          </a:solidFill>
-                        </a:rPr>
-                        <a:t>5</a:t>
-                      </a:r>
-                    </a:p>
-                  </a:txBody>
-                  <a:tcPr anchor="ctr">
-                    <a:lnL w="3175" cap="flat" cmpd="sng" algn="ctr">
-                      <a:solidFill>
-                        <a:schemeClr val="bg1">
-                          <a:lumMod val="75000"/>
-                        </a:schemeClr>
-                      </a:solidFill>
-                      <a:prstDash val="solid"/>
-                      <a:round/>
-                      <a:headEnd type="none" w="med" len="med"/>
-                      <a:tailEnd type="none" w="med" len="med"/>
-                    </a:lnL>
-                    <a:lnR w="3175" cap="flat" cmpd="sng" algn="ctr">
-                      <a:solidFill>
-                        <a:schemeClr val="bg1">
-                          <a:lumMod val="75000"/>
-                        </a:schemeClr>
-                      </a:solidFill>
-                      <a:prstDash val="solid"/>
-                      <a:round/>
-                      <a:headEnd type="none" w="med" len="med"/>
-                      <a:tailEnd type="none" w="med" len="med"/>
-                    </a:lnR>
-                    <a:lnT w="3175" cap="flat" cmpd="sng" algn="ctr">
-                      <a:solidFill>
-                        <a:schemeClr val="bg1">
-                          <a:lumMod val="75000"/>
-                        </a:schemeClr>
-                      </a:solidFill>
-                      <a:prstDash val="solid"/>
-                      <a:round/>
-                      <a:headEnd type="none" w="med" len="med"/>
-                      <a:tailEnd type="none" w="med" len="med"/>
-                    </a:lnT>
-                    <a:lnB w="3175" cap="flat" cmpd="sng" algn="ctr">
-                      <a:solidFill>
-                        <a:schemeClr val="bg1">
-                          <a:lumMod val="75000"/>
-                        </a:schemeClr>
-                      </a:solidFill>
-                      <a:prstDash val="solid"/>
-                      <a:round/>
-                      <a:headEnd type="none" w="med" len="med"/>
-                      <a:tailEnd type="none" w="med" len="med"/>
-                    </a:lnB>
-                    <a:lnTlToBr w="12700" cmpd="sng">
-                      <a:noFill/>
-                      <a:prstDash val="solid"/>
-                    </a:lnTlToBr>
-                    <a:lnBlToTr w="12700" cmpd="sng">
-                      <a:noFill/>
-                      <a:prstDash val="solid"/>
-                    </a:lnBlToTr>
-                    <a:solidFill>
-                      <a:schemeClr val="bg1">
-                        <a:lumMod val="85000"/>
-                      </a:schemeClr>
-                    </a:solidFill>
-                  </a:tcPr>
-                </a:tc>
-                <a:tc>
-                  <a:txBody>
-                    <a:bodyPr/>
-                    <a:lstStyle/>
-                    <a:p>
-                      <a:pPr algn="r"/>
-                      <a:r>
-                        <a:rPr lang="en-ZA" sz="1600" dirty="0">
-                          <a:solidFill>
-                            <a:schemeClr val="tx1">
-                              <a:lumMod val="75000"/>
-                              <a:lumOff val="25000"/>
-                            </a:schemeClr>
-                          </a:solidFill>
-                        </a:rPr>
-                        <a:t>5</a:t>
-                      </a:r>
-                    </a:p>
-                  </a:txBody>
-                  <a:tcPr anchor="ctr">
-                    <a:lnL w="3175" cap="flat" cmpd="sng" algn="ctr">
-                      <a:solidFill>
-                        <a:schemeClr val="bg1">
-                          <a:lumMod val="75000"/>
-                        </a:schemeClr>
-                      </a:solidFill>
-                      <a:prstDash val="solid"/>
-                      <a:round/>
-                      <a:headEnd type="none" w="med" len="med"/>
-                      <a:tailEnd type="none" w="med" len="med"/>
-                    </a:lnL>
-                    <a:lnR w="3175" cap="flat" cmpd="sng" algn="ctr">
-                      <a:solidFill>
-                        <a:schemeClr val="bg1">
-                          <a:lumMod val="75000"/>
-                        </a:schemeClr>
-                      </a:solidFill>
-                      <a:prstDash val="solid"/>
-                      <a:round/>
-                      <a:headEnd type="none" w="med" len="med"/>
-                      <a:tailEnd type="none" w="med" len="med"/>
-                    </a:lnR>
-                    <a:lnT w="3175" cap="flat" cmpd="sng" algn="ctr">
-                      <a:solidFill>
-                        <a:schemeClr val="bg1">
-                          <a:lumMod val="75000"/>
-                        </a:schemeClr>
-                      </a:solidFill>
-                      <a:prstDash val="solid"/>
-                      <a:round/>
-                      <a:headEnd type="none" w="med" len="med"/>
-                      <a:tailEnd type="none" w="med" len="med"/>
-                    </a:lnT>
-                    <a:lnB w="3175" cap="flat" cmpd="sng" algn="ctr">
-                      <a:solidFill>
-                        <a:schemeClr val="bg1">
-                          <a:lumMod val="75000"/>
-                        </a:schemeClr>
-                      </a:solidFill>
-                      <a:prstDash val="solid"/>
-                      <a:round/>
-                      <a:headEnd type="none" w="med" len="med"/>
-                      <a:tailEnd type="none" w="med" len="med"/>
-                    </a:lnB>
-                    <a:lnTlToBr w="12700" cmpd="sng">
-                      <a:noFill/>
-                      <a:prstDash val="solid"/>
-                    </a:lnTlToBr>
-                    <a:lnBlToTr w="12700" cmpd="sng">
-                      <a:noFill/>
-                      <a:prstDash val="solid"/>
-                    </a:lnBlToTr>
-                    <a:solidFill>
-                      <a:schemeClr val="bg1">
-                        <a:lumMod val="95000"/>
-                      </a:schemeClr>
-                    </a:solidFill>
-                  </a:tcPr>
-                </a:tc>
-                <a:extLst>
-                  <a:ext uri="{0D108BD9-81ED-4DB2-BD59-A6C34878D82A}">
                     <a16:rowId xmlns:a16="http://schemas.microsoft.com/office/drawing/2014/main" val="1687728417"/>
                   </a:ext>
                 </a:extLst>
@@ -38368,7 +38389,13 @@
             </a:extLst>
           </p:cNvPr>
           <p:cNvGraphicFramePr/>
-          <p:nvPr/>
+          <p:nvPr>
+            <p:extLst>
+              <p:ext uri="{D42A27DB-BD31-4B8C-83A1-F6EECF244321}">
+                <p14:modId xmlns:p14="http://schemas.microsoft.com/office/powerpoint/2010/main" val="3954477257"/>
+              </p:ext>
+            </p:extLst>
+          </p:nvPr>
         </p:nvGraphicFramePr>
         <p:xfrm>
           <a:off x="9288379" y="1434657"/>
@@ -38406,7 +38433,7 @@
               <a:pPr/>
               <a:t>9</a:t>
             </a:fld>
-            <a:endParaRPr lang="en-US" dirty="0"/>
+            <a:endParaRPr lang="en-US"/>
           </a:p>
         </p:txBody>
       </p:sp>
@@ -38443,7 +38470,7 @@
           <a:lstStyle/>
           <a:p>
             <a:r>
-              <a:rPr lang="en-US" sz="1600" dirty="0">
+              <a:rPr lang="en-US" sz="1600">
                 <a:solidFill>
                   <a:schemeClr val="tx1">
                     <a:lumMod val="65000"/>
@@ -38453,7 +38480,7 @@
               </a:rPr>
               <a:t>Range Query and Skyline point in Spark and HDFS</a:t>
             </a:r>
-            <a:endParaRPr lang="en-IN" sz="1600" dirty="0">
+            <a:endParaRPr lang="en-IN" sz="1600">
               <a:solidFill>
                 <a:schemeClr val="tx1">
                   <a:lumMod val="65000"/>
@@ -39347,6 +39374,14 @@
 </file>
 
 <file path=customXml/item1.xml><?xml version="1.0" encoding="utf-8"?>
+<p:properties xmlns:p="http://schemas.microsoft.com/office/2006/metadata/properties" xmlns:xsi="http://www.w3.org/2001/XMLSchema-instance" xmlns:pc="http://schemas.microsoft.com/office/infopath/2007/PartnerControls">
+  <documentManagement>
+    <MediaServiceKeyPoints xmlns="71af3243-3dd4-4a8d-8c0d-dd76da1f02a5" xsi:nil="true"/>
+  </documentManagement>
+</p:properties>
+</file>
+
+<file path=customXml/item2.xml><?xml version="1.0" encoding="utf-8"?>
 <?mso-contentType ?>
 <FormTemplates xmlns="http://schemas.microsoft.com/sharepoint/v3/contenttype/forms">
   <Display>DocumentLibraryForm</Display>
@@ -39355,7 +39390,7 @@
 </FormTemplates>
 </file>
 
-<file path=customXml/item2.xml><?xml version="1.0" encoding="utf-8"?>
+<file path=customXml/item3.xml><?xml version="1.0" encoding="utf-8"?>
 <ct:contentTypeSchema xmlns:ct="http://schemas.microsoft.com/office/2006/metadata/contentType" xmlns:ma="http://schemas.microsoft.com/office/2006/metadata/properties/metaAttributes" ct:_="" ma:_="" ma:contentTypeName="Document" ma:contentTypeID="0x01010079F111ED35F8CC479449609E8A0923A6" ma:contentTypeVersion="11" ma:contentTypeDescription="Create a new document." ma:contentTypeScope="" ma:versionID="9677210f24a1be23c92c90fd886aa0aa">
   <xsd:schema xmlns:xsd="http://www.w3.org/2001/XMLSchema" xmlns:xs="http://www.w3.org/2001/XMLSchema" xmlns:p="http://schemas.microsoft.com/office/2006/metadata/properties" xmlns:ns2="71af3243-3dd4-4a8d-8c0d-dd76da1f02a5" xmlns:ns3="16c05727-aa75-4e4a-9b5f-8a80a1165891" targetNamespace="http://schemas.microsoft.com/office/2006/metadata/properties" ma:root="true" ma:fieldsID="60e05723c5c1908df1a1a4ebf11d344e" ns2:_="" ns3:_="">
     <xsd:import namespace="71af3243-3dd4-4a8d-8c0d-dd76da1f02a5"/>
@@ -39566,15 +39601,17 @@
 </ct:contentTypeSchema>
 </file>
 
-<file path=customXml/item3.xml><?xml version="1.0" encoding="utf-8"?>
-<p:properties xmlns:p="http://schemas.microsoft.com/office/2006/metadata/properties" xmlns:xsi="http://www.w3.org/2001/XMLSchema-instance" xmlns:pc="http://schemas.microsoft.com/office/infopath/2007/PartnerControls">
-  <documentManagement>
-    <MediaServiceKeyPoints xmlns="71af3243-3dd4-4a8d-8c0d-dd76da1f02a5" xsi:nil="true"/>
-  </documentManagement>
-</p:properties>
+<file path=customXml/itemProps1.xml><?xml version="1.0" encoding="utf-8"?>
+<ds:datastoreItem xmlns:ds="http://schemas.openxmlformats.org/officeDocument/2006/customXml" ds:itemID="{C9C0BFDF-D948-4F4A-854E-477525F57792}">
+  <ds:schemaRefs>
+    <ds:schemaRef ds:uri="71af3243-3dd4-4a8d-8c0d-dd76da1f02a5"/>
+    <ds:schemaRef ds:uri="http://schemas.microsoft.com/office/2006/metadata/properties"/>
+    <ds:schemaRef ds:uri="http://schemas.microsoft.com/office/infopath/2007/PartnerControls"/>
+  </ds:schemaRefs>
+</ds:datastoreItem>
 </file>
 
-<file path=customXml/itemProps1.xml><?xml version="1.0" encoding="utf-8"?>
+<file path=customXml/itemProps2.xml><?xml version="1.0" encoding="utf-8"?>
 <ds:datastoreItem xmlns:ds="http://schemas.openxmlformats.org/officeDocument/2006/customXml" ds:itemID="{56E3E58C-5E8A-4781-9921-C2B23BC09EB2}">
   <ds:schemaRefs>
     <ds:schemaRef ds:uri="http://schemas.microsoft.com/sharepoint/v3/contenttype/forms"/>
@@ -39582,7 +39619,7 @@
 </ds:datastoreItem>
 </file>
 
-<file path=customXml/itemProps2.xml><?xml version="1.0" encoding="utf-8"?>
+<file path=customXml/itemProps3.xml><?xml version="1.0" encoding="utf-8"?>
 <ds:datastoreItem xmlns:ds="http://schemas.openxmlformats.org/officeDocument/2006/customXml" ds:itemID="{513094F6-5ADD-4195-AF81-00AF033C96A1}">
   <ds:schemaRefs>
     <ds:schemaRef ds:uri="16c05727-aa75-4e4a-9b5f-8a80a1165891"/>
@@ -39599,14 +39636,4 @@
     <ds:schemaRef ds:uri="http://www.w3.org/2001/XMLSchema"/>
   </ds:schemaRefs>
 </ds:datastoreItem>
-</file>
-
-<file path=customXml/itemProps3.xml><?xml version="1.0" encoding="utf-8"?>
-<ds:datastoreItem xmlns:ds="http://schemas.openxmlformats.org/officeDocument/2006/customXml" ds:itemID="{C9C0BFDF-D948-4F4A-854E-477525F57792}">
-  <ds:schemaRefs>
-    <ds:schemaRef ds:uri="71af3243-3dd4-4a8d-8c0d-dd76da1f02a5"/>
-    <ds:schemaRef ds:uri="http://schemas.microsoft.com/office/2006/metadata/properties"/>
-    <ds:schemaRef ds:uri="http://schemas.microsoft.com/office/infopath/2007/PartnerControls"/>
-  </ds:schemaRefs>
-</ds:datastoreItem>
 </file>